--- a/Slides/16 - CallingAPI.pptx
+++ b/Slides/16 - CallingAPI.pptx
@@ -245,70 +245,6 @@
           </ac:spMkLst>
         </pc:spChg>
       </pc:sldChg>
-    </pc:docChg>
-  </pc:docChgLst>
-  <pc:docChgLst>
-    <pc:chgData name="susan ibach" userId="11074aa641b35c68" providerId="LiveId" clId="{8C4834CC-AAFC-417A-9869-4271BFA334C2}"/>
-    <pc:docChg chg="undo custSel addSld delSld modSld sldOrd modSection">
-      <pc:chgData name="susan ibach" userId="11074aa641b35c68" providerId="LiveId" clId="{8C4834CC-AAFC-417A-9869-4271BFA334C2}" dt="2019-05-31T21:13:56.235" v="1492" actId="13926"/>
-      <pc:docMkLst>
-        <pc:docMk/>
-      </pc:docMkLst>
-      <pc:sldChg chg="modSp">
-        <pc:chgData name="susan ibach" userId="11074aa641b35c68" providerId="LiveId" clId="{8C4834CC-AAFC-417A-9869-4271BFA334C2}" dt="2019-05-31T21:09:26.273" v="1470" actId="20577"/>
-        <pc:sldMkLst>
-          <pc:docMk/>
-          <pc:sldMk cId="1842309144" sldId="283"/>
-        </pc:sldMkLst>
-        <pc:spChg chg="mod">
-          <ac:chgData name="susan ibach" userId="11074aa641b35c68" providerId="LiveId" clId="{8C4834CC-AAFC-417A-9869-4271BFA334C2}" dt="2019-05-31T21:09:26.273" v="1470" actId="20577"/>
-          <ac:spMkLst>
-            <pc:docMk/>
-            <pc:sldMk cId="1842309144" sldId="283"/>
-            <ac:spMk id="9" creationId="{00000000-0000-0000-0000-000000000000}"/>
-          </ac:spMkLst>
-        </pc:spChg>
-      </pc:sldChg>
-      <pc:sldChg chg="modSp">
-        <pc:chgData name="susan ibach" userId="11074aa641b35c68" providerId="LiveId" clId="{8C4834CC-AAFC-417A-9869-4271BFA334C2}" dt="2019-05-31T21:10:19.942" v="1486" actId="20577"/>
-        <pc:sldMkLst>
-          <pc:docMk/>
-          <pc:sldMk cId="4004018897" sldId="298"/>
-        </pc:sldMkLst>
-        <pc:spChg chg="mod">
-          <ac:chgData name="susan ibach" userId="11074aa641b35c68" providerId="LiveId" clId="{8C4834CC-AAFC-417A-9869-4271BFA334C2}" dt="2019-05-31T20:53:43.222" v="1138" actId="20577"/>
-          <ac:spMkLst>
-            <pc:docMk/>
-            <pc:sldMk cId="4004018897" sldId="298"/>
-            <ac:spMk id="4" creationId="{00000000-0000-0000-0000-000000000000}"/>
-          </ac:spMkLst>
-        </pc:spChg>
-        <pc:spChg chg="mod">
-          <ac:chgData name="susan ibach" userId="11074aa641b35c68" providerId="LiveId" clId="{8C4834CC-AAFC-417A-9869-4271BFA334C2}" dt="2019-05-31T20:52:56.533" v="1121" actId="20577"/>
-          <ac:spMkLst>
-            <pc:docMk/>
-            <pc:sldMk cId="4004018897" sldId="298"/>
-            <ac:spMk id="5" creationId="{00000000-0000-0000-0000-000000000000}"/>
-          </ac:spMkLst>
-        </pc:spChg>
-        <pc:spChg chg="mod">
-          <ac:chgData name="susan ibach" userId="11074aa641b35c68" providerId="LiveId" clId="{8C4834CC-AAFC-417A-9869-4271BFA334C2}" dt="2019-05-31T21:10:19.942" v="1486" actId="20577"/>
-          <ac:spMkLst>
-            <pc:docMk/>
-            <pc:sldMk cId="4004018897" sldId="298"/>
-            <ac:spMk id="6" creationId="{4F4D9F13-C119-40D2-9B3B-8DCD9D0EA709}"/>
-          </ac:spMkLst>
-        </pc:spChg>
-      </pc:sldChg>
-    </pc:docChg>
-  </pc:docChgLst>
-  <pc:docChgLst>
-    <pc:chgData name="susan ibach" userId="11074aa641b35c68" providerId="LiveId" clId="{100ED00D-7AE8-480F-890B-C49E9FA6711B}"/>
-    <pc:docChg chg="custSel modSld">
-      <pc:chgData name="susan ibach" userId="11074aa641b35c68" providerId="LiveId" clId="{100ED00D-7AE8-480F-890B-C49E9FA6711B}" dt="2019-05-30T15:17:43.472" v="52" actId="207"/>
-      <pc:docMkLst>
-        <pc:docMk/>
-      </pc:docMkLst>
     </pc:docChg>
   </pc:docChgLst>
   <pc:docChgLst>
@@ -936,6 +872,70 @@
       </pc:sldChg>
     </pc:docChg>
   </pc:docChgLst>
+  <pc:docChgLst>
+    <pc:chgData name="susan ibach" userId="11074aa641b35c68" providerId="LiveId" clId="{100ED00D-7AE8-480F-890B-C49E9FA6711B}"/>
+    <pc:docChg chg="custSel modSld">
+      <pc:chgData name="susan ibach" userId="11074aa641b35c68" providerId="LiveId" clId="{100ED00D-7AE8-480F-890B-C49E9FA6711B}" dt="2019-05-30T15:17:43.472" v="52" actId="207"/>
+      <pc:docMkLst>
+        <pc:docMk/>
+      </pc:docMkLst>
+    </pc:docChg>
+  </pc:docChgLst>
+  <pc:docChgLst>
+    <pc:chgData name="susan ibach" userId="11074aa641b35c68" providerId="LiveId" clId="{8C4834CC-AAFC-417A-9869-4271BFA334C2}"/>
+    <pc:docChg chg="undo custSel addSld delSld modSld sldOrd modSection">
+      <pc:chgData name="susan ibach" userId="11074aa641b35c68" providerId="LiveId" clId="{8C4834CC-AAFC-417A-9869-4271BFA334C2}" dt="2019-05-31T21:13:56.235" v="1492" actId="13926"/>
+      <pc:docMkLst>
+        <pc:docMk/>
+      </pc:docMkLst>
+      <pc:sldChg chg="modSp">
+        <pc:chgData name="susan ibach" userId="11074aa641b35c68" providerId="LiveId" clId="{8C4834CC-AAFC-417A-9869-4271BFA334C2}" dt="2019-05-31T21:09:26.273" v="1470" actId="20577"/>
+        <pc:sldMkLst>
+          <pc:docMk/>
+          <pc:sldMk cId="1842309144" sldId="283"/>
+        </pc:sldMkLst>
+        <pc:spChg chg="mod">
+          <ac:chgData name="susan ibach" userId="11074aa641b35c68" providerId="LiveId" clId="{8C4834CC-AAFC-417A-9869-4271BFA334C2}" dt="2019-05-31T21:09:26.273" v="1470" actId="20577"/>
+          <ac:spMkLst>
+            <pc:docMk/>
+            <pc:sldMk cId="1842309144" sldId="283"/>
+            <ac:spMk id="9" creationId="{00000000-0000-0000-0000-000000000000}"/>
+          </ac:spMkLst>
+        </pc:spChg>
+      </pc:sldChg>
+      <pc:sldChg chg="modSp">
+        <pc:chgData name="susan ibach" userId="11074aa641b35c68" providerId="LiveId" clId="{8C4834CC-AAFC-417A-9869-4271BFA334C2}" dt="2019-05-31T21:10:19.942" v="1486" actId="20577"/>
+        <pc:sldMkLst>
+          <pc:docMk/>
+          <pc:sldMk cId="4004018897" sldId="298"/>
+        </pc:sldMkLst>
+        <pc:spChg chg="mod">
+          <ac:chgData name="susan ibach" userId="11074aa641b35c68" providerId="LiveId" clId="{8C4834CC-AAFC-417A-9869-4271BFA334C2}" dt="2019-05-31T20:53:43.222" v="1138" actId="20577"/>
+          <ac:spMkLst>
+            <pc:docMk/>
+            <pc:sldMk cId="4004018897" sldId="298"/>
+            <ac:spMk id="4" creationId="{00000000-0000-0000-0000-000000000000}"/>
+          </ac:spMkLst>
+        </pc:spChg>
+        <pc:spChg chg="mod">
+          <ac:chgData name="susan ibach" userId="11074aa641b35c68" providerId="LiveId" clId="{8C4834CC-AAFC-417A-9869-4271BFA334C2}" dt="2019-05-31T20:52:56.533" v="1121" actId="20577"/>
+          <ac:spMkLst>
+            <pc:docMk/>
+            <pc:sldMk cId="4004018897" sldId="298"/>
+            <ac:spMk id="5" creationId="{00000000-0000-0000-0000-000000000000}"/>
+          </ac:spMkLst>
+        </pc:spChg>
+        <pc:spChg chg="mod">
+          <ac:chgData name="susan ibach" userId="11074aa641b35c68" providerId="LiveId" clId="{8C4834CC-AAFC-417A-9869-4271BFA334C2}" dt="2019-05-31T21:10:19.942" v="1486" actId="20577"/>
+          <ac:spMkLst>
+            <pc:docMk/>
+            <pc:sldMk cId="4004018897" sldId="298"/>
+            <ac:spMk id="6" creationId="{4F4D9F13-C119-40D2-9B3B-8DCD9D0EA709}"/>
+          </ac:spMkLst>
+        </pc:spChg>
+      </pc:sldChg>
+    </pc:docChg>
+  </pc:docChgLst>
 </pc:chgInfo>
 </file>
 
@@ -1025,7 +1025,7 @@
               <a:rPr lang="en-US" smtClean="0">
                 <a:latin typeface="Segoe UI" pitchFamily="34" charset="0"/>
               </a:rPr>
-              <a:t>6/9/2019 8:45 AM</a:t>
+              <a:t>6/9/2019 5:22 PM</a:t>
             </a:fld>
             <a:endParaRPr lang="en-US" dirty="0">
               <a:latin typeface="Segoe UI" pitchFamily="34" charset="0"/>
@@ -1303,7 +1303,7 @@
           <a:p>
             <a:fld id="{38EEC551-8CDA-4EB6-89BB-2A86C9F091C8}" type="datetime8">
               <a:rPr lang="en-US" smtClean="0"/>
-              <a:t>6/9/2019 8:44 AM</a:t>
+              <a:t>6/9/2019 5:22 PM</a:t>
             </a:fld>
             <a:endParaRPr lang="en-US" dirty="0"/>
           </a:p>
@@ -1637,7 +1637,7 @@
           <a:p>
             <a:fld id="{6108602D-D426-4C00-B215-BFA18C076426}" type="datetime8">
               <a:rPr lang="en-US" smtClean="0"/>
-              <a:t>6/9/2019 8:44 AM</a:t>
+              <a:t>6/9/2019 5:22 PM</a:t>
             </a:fld>
             <a:endParaRPr lang="en-US" dirty="0"/>
           </a:p>
@@ -39940,7 +39940,7 @@
                   <a:schemeClr val="bg1"/>
                 </a:solidFill>
               </a:rPr>
-              <a:t>Calling a RESTful API</a:t>
+              <a:t>Calling an API</a:t>
             </a:r>
           </a:p>
         </p:txBody>
@@ -39955,11 +39955,11 @@
   <p:clrMapOvr>
     <a:masterClrMapping/>
   </p:clrMapOvr>
-  <mc:AlternateContent xmlns:mc="http://schemas.openxmlformats.org/markup-compatibility/2006">
-    <mc:Choice xmlns:p14="http://schemas.microsoft.com/office/powerpoint/2010/main" Requires="p14">
+  <mc:AlternateContent xmlns:mc="http://schemas.openxmlformats.org/markup-compatibility/2006" xmlns:p14="http://schemas.microsoft.com/office/powerpoint/2010/main">
+    <mc:Choice Requires="p14">
       <p:transition p14:dur="0"/>
     </mc:Choice>
-    <mc:Fallback>
+    <mc:Fallback xmlns="">
       <p:transition/>
     </mc:Fallback>
   </mc:AlternateContent>
@@ -40497,7 +40497,7 @@
         </p:nvSpPr>
         <p:spPr bwMode="auto">
           <a:xfrm>
-            <a:off x="2925926" y="4716462"/>
+            <a:off x="2408237" y="4716462"/>
             <a:ext cx="1524000" cy="609600"/>
           </a:xfrm>
           <a:prstGeom prst="roundRect">
@@ -40583,8 +40583,8 @@
         </p:nvSpPr>
         <p:spPr bwMode="auto">
           <a:xfrm>
-            <a:off x="4449926" y="4921068"/>
-            <a:ext cx="4054311" cy="303776"/>
+            <a:off x="3932238" y="4921068"/>
+            <a:ext cx="4572000" cy="303776"/>
           </a:xfrm>
           <a:prstGeom prst="rightArrow">
             <a:avLst/>
@@ -40665,8 +40665,8 @@
         </p:nvGrpSpPr>
         <p:grpSpPr>
           <a:xfrm>
-            <a:off x="4632675" y="4027874"/>
-            <a:ext cx="2880961" cy="1921642"/>
+            <a:off x="4353862" y="4132271"/>
+            <a:ext cx="3322320" cy="1921642"/>
             <a:chOff x="975076" y="5072883"/>
             <a:chExt cx="2880961" cy="1921642"/>
           </a:xfrm>
@@ -40722,7 +40722,7 @@
           <p:spPr>
             <a:xfrm>
               <a:off x="1346009" y="5717371"/>
-              <a:ext cx="2133599" cy="814692"/>
+              <a:ext cx="2133599" cy="517065"/>
             </a:xfrm>
             <a:prstGeom prst="rect">
               <a:avLst/>
@@ -40757,33 +40757,7 @@
                     <a:lin ang="5400000" scaled="0"/>
                   </a:gradFill>
                 </a:rPr>
-                <a:t>http://contoso</a:t>
-              </a:r>
-            </a:p>
-            <a:p>
-              <a:pPr>
-                <a:lnSpc>
-                  <a:spcPct val="90000"/>
-                </a:lnSpc>
-                <a:spcAft>
-                  <a:spcPts val="600"/>
-                </a:spcAft>
-              </a:pPr>
-              <a:r>
-                <a:rPr lang="en-CA" sz="1600" dirty="0">
-                  <a:gradFill>
-                    <a:gsLst>
-                      <a:gs pos="2917">
-                        <a:schemeClr val="tx1"/>
-                      </a:gs>
-                      <a:gs pos="30000">
-                        <a:schemeClr val="tx1"/>
-                      </a:gs>
-                    </a:gsLst>
-                    <a:lin ang="5400000" scaled="0"/>
-                  </a:gradFill>
-                </a:rPr>
-                <a:t>/analyze</a:t>
+                <a:t>http://contoso/analyze</a:t>
               </a:r>
             </a:p>
           </p:txBody>
@@ -40799,11 +40773,11 @@
   <p:clrMapOvr>
     <a:masterClrMapping/>
   </p:clrMapOvr>
-  <mc:AlternateContent xmlns:mc="http://schemas.openxmlformats.org/markup-compatibility/2006">
-    <mc:Choice xmlns:p14="http://schemas.microsoft.com/office/powerpoint/2010/main" Requires="p14">
+  <mc:AlternateContent xmlns:mc="http://schemas.openxmlformats.org/markup-compatibility/2006" xmlns:p14="http://schemas.microsoft.com/office/powerpoint/2010/main">
+    <mc:Choice Requires="p14">
       <p:transition p14:dur="0"/>
     </mc:Choice>
-    <mc:Fallback>
+    <mc:Fallback xmlns="">
       <p:transition/>
     </mc:Fallback>
   </mc:AlternateContent>
@@ -40996,7 +40970,7 @@
         <p:spPr>
           <a:xfrm>
             <a:off x="2332037" y="5438259"/>
-            <a:ext cx="4408771" cy="369332"/>
+            <a:ext cx="6583918" cy="523220"/>
           </a:xfrm>
           <a:prstGeom prst="rect">
             <a:avLst/>
@@ -41009,18 +40983,18 @@
           <a:lstStyle/>
           <a:p>
             <a:r>
-              <a:rPr lang="en-US" dirty="0"/>
+              <a:rPr lang="en-US" sz="2800" dirty="0"/>
               <a:t>analyze(</a:t>
             </a:r>
             <a:r>
-              <a:rPr lang="en-US" dirty="0" err="1"/>
+              <a:rPr lang="en-US" sz="2800" dirty="0" err="1"/>
               <a:t>visualfeatures</a:t>
             </a:r>
             <a:r>
-              <a:rPr lang="en-US" dirty="0"/>
+              <a:rPr lang="en-US" sz="2800" dirty="0"/>
               <a:t>, details, language)</a:t>
             </a:r>
-            <a:endParaRPr lang="en-US" dirty="0">
+            <a:endParaRPr lang="en-US" sz="2800" dirty="0">
               <a:highlight>
                 <a:srgbClr val="FFFF00"/>
               </a:highlight>
@@ -41038,11 +41012,11 @@
   <p:clrMapOvr>
     <a:masterClrMapping/>
   </p:clrMapOvr>
-  <mc:AlternateContent xmlns:mc="http://schemas.openxmlformats.org/markup-compatibility/2006">
-    <mc:Choice xmlns:p14="http://schemas.microsoft.com/office/powerpoint/2010/main" Requires="p14">
+  <mc:AlternateContent xmlns:mc="http://schemas.openxmlformats.org/markup-compatibility/2006" xmlns:p14="http://schemas.microsoft.com/office/powerpoint/2010/main">
+    <mc:Choice Requires="p14">
       <p:transition p14:dur="0"/>
     </mc:Choice>
-    <mc:Fallback>
+    <mc:Fallback xmlns="">
       <p:transition/>
     </mc:Fallback>
   </mc:AlternateContent>
@@ -41870,11 +41844,11 @@
   <p:clrMapOvr>
     <a:masterClrMapping/>
   </p:clrMapOvr>
-  <mc:AlternateContent xmlns:mc="http://schemas.openxmlformats.org/markup-compatibility/2006">
-    <mc:Choice xmlns:p14="http://schemas.microsoft.com/office/powerpoint/2010/main" Requires="p14">
+  <mc:AlternateContent xmlns:mc="http://schemas.openxmlformats.org/markup-compatibility/2006" xmlns:p14="http://schemas.microsoft.com/office/powerpoint/2010/main">
+    <mc:Choice Requires="p14">
       <p:transition p14:dur="0"/>
     </mc:Choice>
-    <mc:Fallback>
+    <mc:Fallback xmlns="">
       <p:transition/>
     </mc:Fallback>
   </mc:AlternateContent>
@@ -41945,7 +41919,7 @@
         <p:spPr>
           <a:xfrm>
             <a:off x="365759" y="1897061"/>
-            <a:ext cx="11415077" cy="2874633"/>
+            <a:ext cx="11415077" cy="3924151"/>
           </a:xfrm>
         </p:spPr>
         <p:txBody>
@@ -41964,7 +41938,37 @@
             </a:pPr>
             <a:r>
               <a:rPr lang="en-CA" sz="2400" dirty="0"/>
-              <a:t>GET – to ask the service for values, you can pass in a query string to filter the results</a:t>
+              <a:t>GET</a:t>
+            </a:r>
+          </a:p>
+          <a:p>
+            <a:pPr marL="685800" lvl="1" indent="-457200">
+              <a:buFont typeface="Arial" panose="020B0604020202020204" pitchFamily="34" charset="0"/>
+              <a:buChar char="•"/>
+            </a:pPr>
+            <a:r>
+              <a:rPr lang="en-CA" sz="1600" dirty="0"/>
+              <a:t>Pass values in query string only</a:t>
+            </a:r>
+          </a:p>
+          <a:p>
+            <a:pPr marL="914400" lvl="2" indent="-457200">
+              <a:buFont typeface="Arial" panose="020B0604020202020204" pitchFamily="34" charset="0"/>
+              <a:buChar char="•"/>
+            </a:pPr>
+            <a:r>
+              <a:rPr lang="en-CA" sz="1600" dirty="0"/>
+              <a:t>Special characters must be "escaped"</a:t>
+            </a:r>
+          </a:p>
+          <a:p>
+            <a:pPr marL="914400" lvl="2" indent="-457200">
+              <a:buFont typeface="Arial" panose="020B0604020202020204" pitchFamily="34" charset="0"/>
+              <a:buChar char="•"/>
+            </a:pPr>
+            <a:r>
+              <a:rPr lang="en-CA" sz="1600" dirty="0"/>
+              <a:t>Limited amount of data</a:t>
             </a:r>
           </a:p>
           <a:p>
@@ -41974,13 +41978,45 @@
             </a:pPr>
             <a:r>
               <a:rPr lang="en-CA" sz="2400" dirty="0"/>
-              <a:t>POST – to pass a document/message body to the service, you must specify the content-type of the message body </a:t>
+              <a:t>POST</a:t>
             </a:r>
           </a:p>
           <a:p>
+            <a:pPr marL="685800" lvl="1" indent="-457200">
+              <a:buFont typeface="Arial" panose="020B0604020202020204" pitchFamily="34" charset="0"/>
+              <a:buChar char="•"/>
+            </a:pPr>
             <a:r>
-              <a:rPr lang="en-CA" sz="2400" dirty="0"/>
-              <a:t>If I want users to call my web service using HTTP, I create a RESTful API </a:t>
+              <a:rPr lang="en-CA" sz="1600" dirty="0"/>
+              <a:t>Pass values in query string </a:t>
+            </a:r>
+            <a:r>
+              <a:rPr lang="en-CA" sz="1600" b="1" dirty="0"/>
+              <a:t>and</a:t>
+            </a:r>
+            <a:r>
+              <a:rPr lang="en-CA" sz="1600" dirty="0"/>
+              <a:t> body</a:t>
+            </a:r>
+          </a:p>
+          <a:p>
+            <a:pPr marL="914400" lvl="2" indent="-457200">
+              <a:buFont typeface="Arial" panose="020B0604020202020204" pitchFamily="34" charset="0"/>
+              <a:buChar char="•"/>
+            </a:pPr>
+            <a:r>
+              <a:rPr lang="en-CA" sz="1600" dirty="0"/>
+              <a:t>No need to escape special characters if passed in body</a:t>
+            </a:r>
+          </a:p>
+          <a:p>
+            <a:pPr marL="914400" lvl="2" indent="-457200">
+              <a:buFont typeface="Arial" panose="020B0604020202020204" pitchFamily="34" charset="0"/>
+              <a:buChar char="•"/>
+            </a:pPr>
+            <a:r>
+              <a:rPr lang="en-CA" sz="1600" dirty="0"/>
+              <a:t>Can pass large amounts of data, including images, in body</a:t>
             </a:r>
           </a:p>
           <a:p>
@@ -42002,7 +42038,7 @@
         </p:nvSpPr>
         <p:spPr bwMode="auto">
           <a:xfrm>
-            <a:off x="8275636" y="4174608"/>
+            <a:off x="9892443" y="3268662"/>
             <a:ext cx="1905001" cy="2751653"/>
           </a:xfrm>
           <a:prstGeom prst="rect">
@@ -42102,7 +42138,7 @@
         </p:nvSpPr>
         <p:spPr bwMode="auto">
           <a:xfrm>
-            <a:off x="8123237" y="6031054"/>
+            <a:off x="9740044" y="5125108"/>
             <a:ext cx="45719" cy="45719"/>
           </a:xfrm>
           <a:prstGeom prst="roundRect">
@@ -42184,7 +42220,7 @@
         </p:nvSpPr>
         <p:spPr bwMode="auto">
           <a:xfrm>
-            <a:off x="8504237" y="4735654"/>
+            <a:off x="10121044" y="3829708"/>
             <a:ext cx="1524000" cy="609600"/>
           </a:xfrm>
           <a:prstGeom prst="roundRect">
@@ -42261,7 +42297,7 @@
         </p:nvSpPr>
         <p:spPr bwMode="auto">
           <a:xfrm>
-            <a:off x="8495095" y="5452957"/>
+            <a:off x="10111902" y="4547011"/>
             <a:ext cx="1524000" cy="533400"/>
           </a:xfrm>
           <a:prstGeom prst="roundRect">
@@ -42345,7 +42381,7 @@
         </p:nvSpPr>
         <p:spPr bwMode="auto">
           <a:xfrm>
-            <a:off x="8499666" y="6094061"/>
+            <a:off x="10116473" y="5188115"/>
             <a:ext cx="1524000" cy="533400"/>
           </a:xfrm>
           <a:prstGeom prst="roundRect">
@@ -42429,7 +42465,7 @@
         </p:nvSpPr>
         <p:spPr bwMode="auto">
           <a:xfrm>
-            <a:off x="2925926" y="4716462"/>
+            <a:off x="6094948" y="3829708"/>
             <a:ext cx="1524000" cy="609600"/>
           </a:xfrm>
           <a:prstGeom prst="roundRect">
@@ -42515,8 +42551,8 @@
         </p:nvSpPr>
         <p:spPr bwMode="auto">
           <a:xfrm>
-            <a:off x="4449926" y="4921068"/>
-            <a:ext cx="4054311" cy="303776"/>
+            <a:off x="7635556" y="4015122"/>
+            <a:ext cx="2485488" cy="303776"/>
           </a:xfrm>
           <a:prstGeom prst="rightArrow">
             <a:avLst/>
@@ -42597,7 +42633,7 @@
         </p:nvSpPr>
         <p:spPr>
           <a:xfrm>
-            <a:off x="4558941" y="4441438"/>
+            <a:off x="7974943" y="3539146"/>
             <a:ext cx="1762790" cy="627864"/>
           </a:xfrm>
           <a:prstGeom prst="rect">
@@ -42648,11 +42684,11 @@
   <p:clrMapOvr>
     <a:masterClrMapping/>
   </p:clrMapOvr>
-  <mc:AlternateContent xmlns:mc="http://schemas.openxmlformats.org/markup-compatibility/2006">
-    <mc:Choice xmlns:p14="http://schemas.microsoft.com/office/powerpoint/2010/main" Requires="p14">
+  <mc:AlternateContent xmlns:mc="http://schemas.openxmlformats.org/markup-compatibility/2006" xmlns:p14="http://schemas.microsoft.com/office/powerpoint/2010/main">
+    <mc:Choice Requires="p14">
       <p:transition p14:dur="0"/>
     </mc:Choice>
-    <mc:Fallback>
+    <mc:Fallback xmlns="">
       <p:transition/>
     </mc:Fallback>
   </mc:AlternateContent>
@@ -44249,11 +44285,11 @@
   <p:clrMapOvr>
     <a:masterClrMapping/>
   </p:clrMapOvr>
-  <mc:AlternateContent xmlns:mc="http://schemas.openxmlformats.org/markup-compatibility/2006">
-    <mc:Choice xmlns:p14="http://schemas.microsoft.com/office/powerpoint/2010/main" Requires="p14">
+  <mc:AlternateContent xmlns:mc="http://schemas.openxmlformats.org/markup-compatibility/2006" xmlns:p14="http://schemas.microsoft.com/office/powerpoint/2010/main">
+    <mc:Choice Requires="p14">
       <p:transition p14:dur="0"/>
     </mc:Choice>
-    <mc:Fallback>
+    <mc:Fallback xmlns="">
       <p:transition/>
     </mc:Fallback>
   </mc:AlternateContent>
@@ -44796,7 +44832,15 @@
           <a:p>
             <a:r>
               <a:rPr lang="en-CA" dirty="0"/>
-              <a:t>Learning how to call RESTful APIs unlocks functionality from developers and software companies around the world</a:t>
+              <a:t>Learning how to </a:t>
+            </a:r>
+            <a:r>
+              <a:rPr lang="en-CA"/>
+              <a:t>call APIs </a:t>
+            </a:r>
+            <a:r>
+              <a:rPr lang="en-CA" dirty="0"/>
+              <a:t>unlocks functionality from developers and software companies around the world</a:t>
             </a:r>
           </a:p>
         </p:txBody>
@@ -44850,11 +44894,11 @@
   <p:clrMapOvr>
     <a:masterClrMapping/>
   </p:clrMapOvr>
-  <mc:AlternateContent xmlns:mc="http://schemas.openxmlformats.org/markup-compatibility/2006">
-    <mc:Choice xmlns:p14="http://schemas.microsoft.com/office/powerpoint/2010/main" Requires="p14">
+  <mc:AlternateContent xmlns:mc="http://schemas.openxmlformats.org/markup-compatibility/2006" xmlns:p14="http://schemas.microsoft.com/office/powerpoint/2010/main">
+    <mc:Choice Requires="p14">
       <p:transition p14:dur="0"/>
     </mc:Choice>
-    <mc:Fallback>
+    <mc:Fallback xmlns="">
       <p:transition/>
     </mc:Fallback>
   </mc:AlternateContent>
@@ -44888,11 +44932,11 @@
   <p:clrMapOvr>
     <a:masterClrMapping/>
   </p:clrMapOvr>
-  <mc:AlternateContent xmlns:mc="http://schemas.openxmlformats.org/markup-compatibility/2006">
-    <mc:Choice xmlns:p14="http://schemas.microsoft.com/office/powerpoint/2010/main" Requires="p14">
+  <mc:AlternateContent xmlns:mc="http://schemas.openxmlformats.org/markup-compatibility/2006" xmlns:p14="http://schemas.microsoft.com/office/powerpoint/2010/main">
+    <mc:Choice Requires="p14">
       <p:transition p14:dur="0"/>
     </mc:Choice>
-    <mc:Fallback>
+    <mc:Fallback xmlns="">
       <p:transition/>
     </mc:Fallback>
   </mc:AlternateContent>
@@ -46002,27 +46046,9 @@
 </file>
 
 <file path=customXml/item1.xml><?xml version="1.0" encoding="utf-8"?>
-<p:properties xmlns:p="http://schemas.microsoft.com/office/2006/metadata/properties" xmlns:xsi="http://www.w3.org/2001/XMLSchema-instance" xmlns:pc="http://schemas.microsoft.com/office/infopath/2007/PartnerControls">
-  <documentManagement>
-    <SharedWithUsers xmlns="83cd2334-221a-48c3-9034-bfd1542dfe28">
-      <UserInfo>
-        <DisplayName>Gilad Turbahn</DisplayName>
-        <AccountId>511</AccountId>
-        <AccountType/>
-      </UserInfo>
-      <UserInfo>
-        <DisplayName>Keith Boyd</DisplayName>
-        <AccountId>993</AccountId>
-        <AccountType/>
-      </UserInfo>
-      <UserInfo>
-        <DisplayName>Christopher Harrison</DisplayName>
-        <AccountId>1176</AccountId>
-        <AccountType/>
-      </UserInfo>
-    </SharedWithUsers>
-  </documentManagement>
-</p:properties>
+<Control xmlns="http://schemas.microsoft.com/VisualStudio/2011/storyboarding/control">
+  <Id Name="a53d73d2-368b-429e-b817-1324eec1382c" Revision="1" Stencil="7276b9ef-3953-4dce-a89b-ed85f20b8b93" StencilVersion="1.0"/>
+</Control>
 </file>
 
 <file path=customXml/item10.xml><?xml version="1.0" encoding="utf-8"?>
@@ -46050,39 +46076,6 @@
 </file>
 
 <file path=customXml/item11.xml><?xml version="1.0" encoding="utf-8"?>
-<?mso-contentType ?>
-<FormTemplates xmlns="http://schemas.microsoft.com/sharepoint/v3/contenttype/forms">
-  <Display>DocumentLibraryForm</Display>
-  <Edit>DocumentLibraryForm</Edit>
-  <New>DocumentLibraryForm</New>
-</FormTemplates>
-</file>
-
-<file path=customXml/item12.xml><?xml version="1.0" encoding="utf-8"?>
-<Control xmlns="http://schemas.microsoft.com/VisualStudio/2011/storyboarding/control">
-  <Id Name="fb22c541-ded0-47fa-8877-83a4c2d16227" Revision="1" Stencil="7276b9ef-3953-4dce-a89b-ed85f20b8b93" StencilVersion="1.0"/>
-</Control>
-</file>
-
-<file path=customXml/item13.xml><?xml version="1.0" encoding="utf-8"?>
-<?mso-contentType ?>
-<FormTemplates xmlns="http://schemas.microsoft.com/sharepoint/v3/contenttype/forms">
-  <Display>DocumentLibraryForm</Display>
-  <Edit>DocumentLibraryForm</Edit>
-  <New>DocumentLibraryForm</New>
-</FormTemplates>
-</file>
-
-<file path=customXml/item14.xml><?xml version="1.0" encoding="utf-8"?>
-<?mso-contentType ?>
-<FormTemplates xmlns="http://schemas.microsoft.com/sharepoint/v3/contenttype/forms">
-  <Display>DocumentLibraryForm</Display>
-  <Edit>DocumentLibraryForm</Edit>
-  <New>DocumentLibraryForm</New>
-</FormTemplates>
-</file>
-
-<file path=customXml/item15.xml><?xml version="1.0" encoding="utf-8"?>
 <p:properties xmlns:p="http://schemas.microsoft.com/office/2006/metadata/properties" xmlns:xsi="http://www.w3.org/2001/XMLSchema-instance" xmlns:pc="http://schemas.microsoft.com/office/infopath/2007/PartnerControls">
   <documentManagement>
     <SharedWithUsers xmlns="83cd2334-221a-48c3-9034-bfd1542dfe28">
@@ -46106,25 +46099,13 @@
 </p:properties>
 </file>
 
-<file path=customXml/item16.xml><?xml version="1.0" encoding="utf-8"?>
+<file path=customXml/item12.xml><?xml version="1.0" encoding="utf-8"?>
 <Control xmlns="http://schemas.microsoft.com/VisualStudio/2011/storyboarding/control">
-  <Id Name="d69996e1-3d61-4686-9b63-f1b855c596ab" Revision="1" Stencil="7276b9ef-3953-4dce-a89b-ed85f20b8b93" StencilVersion="1.0"/>
+  <Id Name="a2191c86-fc50-4add-948c-129f6b5a88d8" Revision="1" Stencil="7276b9ef-3953-4dce-a89b-ed85f20b8b93" StencilVersion="1.0"/>
 </Control>
 </file>
 
-<file path=customXml/item17.xml><?xml version="1.0" encoding="utf-8"?>
-<Control xmlns="http://schemas.microsoft.com/VisualStudio/2011/storyboarding/control">
-  <Id Name="369f9055-6b6c-48b9-9320-5df2d46c430a" Revision="1" Stencil="7276b9ef-3953-4dce-a89b-ed85f20b8b93" StencilVersion="1.0"/>
-</Control>
-</file>
-
-<file path=customXml/item18.xml><?xml version="1.0" encoding="utf-8"?>
-<Control xmlns="http://schemas.microsoft.com/VisualStudio/2011/storyboarding/control">
-  <Id Name="fb22c541-ded0-47fa-8877-83a4c2d16227" Revision="1" Stencil="7276b9ef-3953-4dce-a89b-ed85f20b8b93" StencilVersion="1.0"/>
-</Control>
-</file>
-
-<file path=customXml/item19.xml><?xml version="1.0" encoding="utf-8"?>
+<file path=customXml/item13.xml><?xml version="1.0" encoding="utf-8"?>
 <?mso-contentType ?>
 <FormTemplates xmlns="http://schemas.microsoft.com/sharepoint/v3/contenttype/forms">
   <Display>DocumentLibraryForm</Display>
@@ -46133,13 +46114,73 @@
 </FormTemplates>
 </file>
 
+<file path=customXml/item14.xml><?xml version="1.0" encoding="utf-8"?>
+<Control xmlns="http://schemas.microsoft.com/VisualStudio/2011/storyboarding/control">
+  <Id Name="fb22c541-ded0-47fa-8877-83a4c2d16227" Revision="1" Stencil="7276b9ef-3953-4dce-a89b-ed85f20b8b93" StencilVersion="1.0"/>
+</Control>
+</file>
+
+<file path=customXml/item15.xml><?xml version="1.0" encoding="utf-8"?>
+<Control xmlns="http://schemas.microsoft.com/VisualStudio/2011/storyboarding/control">
+  <Id Name="fb22c541-ded0-47fa-8877-83a4c2d16227" Revision="1" Stencil="7276b9ef-3953-4dce-a89b-ed85f20b8b93" StencilVersion="1.0"/>
+</Control>
+</file>
+
+<file path=customXml/item16.xml><?xml version="1.0" encoding="utf-8"?>
+<?mso-contentType ?>
+<FormTemplates xmlns="http://schemas.microsoft.com/sharepoint/v3/contenttype/forms">
+  <Display>DocumentLibraryForm</Display>
+  <Edit>DocumentLibraryForm</Edit>
+  <New>DocumentLibraryForm</New>
+</FormTemplates>
+</file>
+
+<file path=customXml/item17.xml><?xml version="1.0" encoding="utf-8"?>
+<Control xmlns="http://schemas.microsoft.com/VisualStudio/2011/storyboarding/control">
+  <Id Name="a2191c86-fc50-4add-948c-129f6b5a88d8" Revision="1" Stencil="7276b9ef-3953-4dce-a89b-ed85f20b8b93" StencilVersion="1.0"/>
+</Control>
+</file>
+
+<file path=customXml/item18.xml><?xml version="1.0" encoding="utf-8"?>
+<Control xmlns="http://schemas.microsoft.com/VisualStudio/2011/storyboarding/control">
+  <Id Name="a53d73d2-368b-429e-b817-1324eec1382c" Revision="1" Stencil="7276b9ef-3953-4dce-a89b-ed85f20b8b93" StencilVersion="1.0"/>
+</Control>
+</file>
+
+<file path=customXml/item19.xml><?xml version="1.0" encoding="utf-8"?>
+<Control xmlns="http://schemas.microsoft.com/VisualStudio/2011/storyboarding/control">
+  <Id Name="fb22c541-ded0-47fa-8877-83a4c2d16227" Revision="1" Stencil="7276b9ef-3953-4dce-a89b-ed85f20b8b93" StencilVersion="1.0"/>
+</Control>
+</file>
+
 <file path=customXml/item2.xml><?xml version="1.0" encoding="utf-8"?>
+<Control xmlns="http://schemas.microsoft.com/VisualStudio/2011/storyboarding/control">
+  <Id Name="d69996e1-3d61-4686-9b63-f1b855c596ab" Revision="1" Stencil="7276b9ef-3953-4dce-a89b-ed85f20b8b93" StencilVersion="1.0"/>
+</Control>
+</file>
+
+<file path=customXml/item20.xml><?xml version="1.0" encoding="utf-8"?>
 <Control xmlns="http://schemas.microsoft.com/VisualStudio/2011/storyboarding/control">
   <Id Name="369f9055-6b6c-48b9-9320-5df2d46c430a" Revision="1" Stencil="7276b9ef-3953-4dce-a89b-ed85f20b8b93" StencilVersion="1.0"/>
 </Control>
 </file>
 
-<file path=customXml/item20.xml><?xml version="1.0" encoding="utf-8"?>
+<file path=customXml/item21.xml><?xml version="1.0" encoding="utf-8"?>
+<?mso-contentType ?>
+<FormTemplates xmlns="http://schemas.microsoft.com/sharepoint/v3/contenttype/forms">
+  <Display>DocumentLibraryForm</Display>
+  <Edit>DocumentLibraryForm</Edit>
+  <New>DocumentLibraryForm</New>
+</FormTemplates>
+</file>
+
+<file path=customXml/item22.xml><?xml version="1.0" encoding="utf-8"?>
+<Control xmlns="http://schemas.microsoft.com/VisualStudio/2011/storyboarding/control">
+  <Id Name="a53d73d2-368b-429e-b817-1324eec1382c" Revision="1" Stencil="7276b9ef-3953-4dce-a89b-ed85f20b8b93" StencilVersion="1.0"/>
+</Control>
+</file>
+
+<file path=customXml/item23.xml><?xml version="1.0" encoding="utf-8"?>
 <p:properties xmlns:p="http://schemas.microsoft.com/office/2006/metadata/properties" xmlns:xsi="http://www.w3.org/2001/XMLSchema-instance" xmlns:pc="http://schemas.microsoft.com/office/infopath/2007/PartnerControls">
   <documentManagement>
     <SharedWithUsers xmlns="83cd2334-221a-48c3-9034-bfd1542dfe28">
@@ -46163,16 +46204,13 @@
 </p:properties>
 </file>
 
-<file path=customXml/item21.xml><?xml version="1.0" encoding="utf-8"?>
-<?mso-contentType ?>
-<FormTemplates xmlns="http://schemas.microsoft.com/sharepoint/v3/contenttype/forms">
-  <Display>DocumentLibraryForm</Display>
-  <Edit>DocumentLibraryForm</Edit>
-  <New>DocumentLibraryForm</New>
-</FormTemplates>
+<file path=customXml/item24.xml><?xml version="1.0" encoding="utf-8"?>
+<Control xmlns="http://schemas.microsoft.com/VisualStudio/2011/storyboarding/control">
+  <Id Name="a53d73d2-368b-429e-b817-1324eec1382c" Revision="1" Stencil="7276b9ef-3953-4dce-a89b-ed85f20b8b93" StencilVersion="1.0"/>
+</Control>
 </file>
 
-<file path=customXml/item22.xml><?xml version="1.0" encoding="utf-8"?>
+<file path=customXml/item25.xml><?xml version="1.0" encoding="utf-8"?>
 <p:properties xmlns:p="http://schemas.microsoft.com/office/2006/metadata/properties" xmlns:xsi="http://www.w3.org/2001/XMLSchema-instance" xmlns:pc="http://schemas.microsoft.com/office/infopath/2007/PartnerControls">
   <documentManagement>
     <SharedWithUsers xmlns="83cd2334-221a-48c3-9034-bfd1542dfe28">
@@ -46196,28 +46234,19 @@
 </p:properties>
 </file>
 
-<file path=customXml/item23.xml><?xml version="1.0" encoding="utf-8"?>
+<file path=customXml/item26.xml><?xml version="1.0" encoding="utf-8"?>
+<Control xmlns="http://schemas.microsoft.com/VisualStudio/2011/storyboarding/control">
+  <Id Name="369f9055-6b6c-48b9-9320-5df2d46c430a" Revision="1" Stencil="7276b9ef-3953-4dce-a89b-ed85f20b8b93" StencilVersion="1.0"/>
+</Control>
+</file>
+
+<file path=customXml/item27.xml><?xml version="1.0" encoding="utf-8"?>
 <Control xmlns="http://schemas.microsoft.com/VisualStudio/2011/storyboarding/control">
   <Id Name="a2191c86-fc50-4add-948c-129f6b5a88d8" Revision="1" Stencil="7276b9ef-3953-4dce-a89b-ed85f20b8b93" StencilVersion="1.0"/>
 </Control>
 </file>
 
-<file path=customXml/item24.xml><?xml version="1.0" encoding="utf-8"?>
-<Control xmlns="http://schemas.microsoft.com/VisualStudio/2011/storyboarding/control">
-  <Id Name="a53d73d2-368b-429e-b817-1324eec1382c" Revision="1" Stencil="7276b9ef-3953-4dce-a89b-ed85f20b8b93" StencilVersion="1.0"/>
-</Control>
-</file>
-
-<file path=customXml/item25.xml><?xml version="1.0" encoding="utf-8"?>
-<?mso-contentType ?>
-<FormTemplates xmlns="http://schemas.microsoft.com/sharepoint/v3/contenttype/forms">
-  <Display>DocumentLibraryForm</Display>
-  <Edit>DocumentLibraryForm</Edit>
-  <New>DocumentLibraryForm</New>
-</FormTemplates>
-</file>
-
-<file path=customXml/item26.xml><?xml version="1.0" encoding="utf-8"?>
+<file path=customXml/item28.xml><?xml version="1.0" encoding="utf-8"?>
 <p:properties xmlns:p="http://schemas.microsoft.com/office/2006/metadata/properties" xmlns:xsi="http://www.w3.org/2001/XMLSchema-instance" xmlns:pc="http://schemas.microsoft.com/office/infopath/2007/PartnerControls">
   <documentManagement>
     <SharedWithUsers xmlns="83cd2334-221a-48c3-9034-bfd1542dfe28">
@@ -46241,7 +46270,7 @@
 </p:properties>
 </file>
 
-<file path=customXml/item27.xml><?xml version="1.0" encoding="utf-8"?>
+<file path=customXml/item29.xml><?xml version="1.0" encoding="utf-8"?>
 <p:properties xmlns:p="http://schemas.microsoft.com/office/2006/metadata/properties" xmlns:xsi="http://www.w3.org/2001/XMLSchema-instance" xmlns:pc="http://schemas.microsoft.com/office/infopath/2007/PartnerControls">
   <documentManagement>
     <SharedWithUsers xmlns="83cd2334-221a-48c3-9034-bfd1542dfe28">
@@ -46265,31 +46294,88 @@
 </p:properties>
 </file>
 
-<file path=customXml/item28.xml><?xml version="1.0" encoding="utf-8"?>
+<file path=customXml/item3.xml><?xml version="1.0" encoding="utf-8"?>
 <Control xmlns="http://schemas.microsoft.com/VisualStudio/2011/storyboarding/control">
   <Id Name="d69996e1-3d61-4686-9b63-f1b855c596ab" Revision="1" Stencil="7276b9ef-3953-4dce-a89b-ed85f20b8b93" StencilVersion="1.0"/>
 </Control>
 </file>
 
-<file path=customXml/item29.xml><?xml version="1.0" encoding="utf-8"?>
-<Control xmlns="http://schemas.microsoft.com/VisualStudio/2011/storyboarding/control">
-  <Id Name="a53d73d2-368b-429e-b817-1324eec1382c" Revision="1" Stencil="7276b9ef-3953-4dce-a89b-ed85f20b8b93" StencilVersion="1.0"/>
-</Control>
+<file path=customXml/item30.xml><?xml version="1.0" encoding="utf-8"?>
+<p:properties xmlns:p="http://schemas.microsoft.com/office/2006/metadata/properties" xmlns:xsi="http://www.w3.org/2001/XMLSchema-instance" xmlns:pc="http://schemas.microsoft.com/office/infopath/2007/PartnerControls">
+  <documentManagement>
+    <SharedWithUsers xmlns="83cd2334-221a-48c3-9034-bfd1542dfe28">
+      <UserInfo>
+        <DisplayName>Gilad Turbahn</DisplayName>
+        <AccountId>511</AccountId>
+        <AccountType/>
+      </UserInfo>
+      <UserInfo>
+        <DisplayName>Keith Boyd</DisplayName>
+        <AccountId>993</AccountId>
+        <AccountType/>
+      </UserInfo>
+      <UserInfo>
+        <DisplayName>Christopher Harrison</DisplayName>
+        <AccountId>1176</AccountId>
+        <AccountType/>
+      </UserInfo>
+    </SharedWithUsers>
+  </documentManagement>
+</p:properties>
 </file>
 
-<file path=customXml/item3.xml><?xml version="1.0" encoding="utf-8"?>
-<Control xmlns="http://schemas.microsoft.com/VisualStudio/2011/storyboarding/control">
-  <Id Name="a53d73d2-368b-429e-b817-1324eec1382c" Revision="1" Stencil="7276b9ef-3953-4dce-a89b-ed85f20b8b93" StencilVersion="1.0"/>
-</Control>
-</file>
-
-<file path=customXml/item30.xml><?xml version="1.0" encoding="utf-8"?>
+<file path=customXml/item31.xml><?xml version="1.0" encoding="utf-8"?>
 <Control xmlns="http://schemas.microsoft.com/VisualStudio/2011/storyboarding/control">
   <Id Name="a2191c86-fc50-4add-948c-129f6b5a88d8" Revision="1" Stencil="7276b9ef-3953-4dce-a89b-ed85f20b8b93" StencilVersion="1.0"/>
 </Control>
 </file>
 
-<file path=customXml/item31.xml><?xml version="1.0" encoding="utf-8"?>
+<file path=customXml/item32.xml><?xml version="1.0" encoding="utf-8"?>
+<Control xmlns="http://schemas.microsoft.com/VisualStudio/2011/storyboarding/control">
+  <Id Name="d69996e1-3d61-4686-9b63-f1b855c596ab" Revision="1" Stencil="7276b9ef-3953-4dce-a89b-ed85f20b8b93" StencilVersion="1.0"/>
+</Control>
+</file>
+
+<file path=customXml/item33.xml><?xml version="1.0" encoding="utf-8"?>
+<?mso-contentType ?>
+<FormTemplates xmlns="http://schemas.microsoft.com/sharepoint/v3/contenttype/forms">
+  <Display>DocumentLibraryForm</Display>
+  <Edit>DocumentLibraryForm</Edit>
+  <New>DocumentLibraryForm</New>
+</FormTemplates>
+</file>
+
+<file path=customXml/item34.xml><?xml version="1.0" encoding="utf-8"?>
+<Control xmlns="http://schemas.microsoft.com/VisualStudio/2011/storyboarding/control">
+  <Id Name="a2191c86-fc50-4add-948c-129f6b5a88d8" Revision="1" Stencil="7276b9ef-3953-4dce-a89b-ed85f20b8b93" StencilVersion="1.0"/>
+</Control>
+</file>
+
+<file path=customXml/item35.xml><?xml version="1.0" encoding="utf-8"?>
+<p:properties xmlns:p="http://schemas.microsoft.com/office/2006/metadata/properties" xmlns:xsi="http://www.w3.org/2001/XMLSchema-instance" xmlns:pc="http://schemas.microsoft.com/office/infopath/2007/PartnerControls">
+  <documentManagement>
+    <SharedWithUsers xmlns="83cd2334-221a-48c3-9034-bfd1542dfe28">
+      <UserInfo>
+        <DisplayName>Gilad Turbahn</DisplayName>
+        <AccountId>511</AccountId>
+        <AccountType/>
+      </UserInfo>
+      <UserInfo>
+        <DisplayName>Keith Boyd</DisplayName>
+        <AccountId>993</AccountId>
+        <AccountType/>
+      </UserInfo>
+      <UserInfo>
+        <DisplayName>Christopher Harrison</DisplayName>
+        <AccountId>1176</AccountId>
+        <AccountType/>
+      </UserInfo>
+    </SharedWithUsers>
+  </documentManagement>
+</p:properties>
+</file>
+
+<file path=customXml/item36.xml><?xml version="1.0" encoding="utf-8"?>
 <ct:contentTypeSchema xmlns:ct="http://schemas.microsoft.com/office/2006/metadata/contentType" xmlns:ma="http://schemas.microsoft.com/office/2006/metadata/properties/metaAttributes" ct:_="" ma:_="" ma:contentTypeName="Document" ma:contentTypeID="0x010100674EDBEC711BD14FBA6FF5C10FEFEAC7" ma:contentTypeVersion="2" ma:contentTypeDescription="Create a new document." ma:contentTypeScope="" ma:versionID="2439c5e21841780d4f192983b535a097">
   <xsd:schema xmlns:xsd="http://www.w3.org/2001/XMLSchema" xmlns:xs="http://www.w3.org/2001/XMLSchema" xmlns:p="http://schemas.microsoft.com/office/2006/metadata/properties" xmlns:ns2="83cd2334-221a-48c3-9034-bfd1542dfe28" targetNamespace="http://schemas.microsoft.com/office/2006/metadata/properties" ma:root="true" ma:fieldsID="2bca9163d8d0b233c3086236a9289b04" ns2:_="">
     <xsd:import namespace="83cd2334-221a-48c3-9034-bfd1542dfe28"/>
@@ -46437,49 +46523,19 @@
 </ct:contentTypeSchema>
 </file>
 
-<file path=customXml/item32.xml><?xml version="1.0" encoding="utf-8"?>
+<file path=customXml/item37.xml><?xml version="1.0" encoding="utf-8"?>
+<Control xmlns="http://schemas.microsoft.com/VisualStudio/2011/storyboarding/control">
+  <Id Name="a53d73d2-368b-429e-b817-1324eec1382c" Revision="1" Stencil="7276b9ef-3953-4dce-a89b-ed85f20b8b93" StencilVersion="1.0"/>
+</Control>
+</file>
+
+<file path=customXml/item38.xml><?xml version="1.0" encoding="utf-8"?>
 <Control xmlns="http://schemas.microsoft.com/VisualStudio/2011/storyboarding/control">
   <Id Name="d69996e1-3d61-4686-9b63-f1b855c596ab" Revision="1" Stencil="7276b9ef-3953-4dce-a89b-ed85f20b8b93" StencilVersion="1.0"/>
 </Control>
 </file>
 
-<file path=customXml/item33.xml><?xml version="1.0" encoding="utf-8"?>
-<Control xmlns="http://schemas.microsoft.com/VisualStudio/2011/storyboarding/control">
-  <Id Name="a53d73d2-368b-429e-b817-1324eec1382c" Revision="1" Stencil="7276b9ef-3953-4dce-a89b-ed85f20b8b93" StencilVersion="1.0"/>
-</Control>
-</file>
-
-<file path=customXml/item34.xml><?xml version="1.0" encoding="utf-8"?>
-<Control xmlns="http://schemas.microsoft.com/VisualStudio/2011/storyboarding/control">
-  <Id Name="369f9055-6b6c-48b9-9320-5df2d46c430a" Revision="1" Stencil="7276b9ef-3953-4dce-a89b-ed85f20b8b93" StencilVersion="1.0"/>
-</Control>
-</file>
-
-<file path=customXml/item35.xml><?xml version="1.0" encoding="utf-8"?>
-<?mso-contentType ?>
-<FormTemplates xmlns="http://schemas.microsoft.com/sharepoint/v3/contenttype/forms">
-  <Display>DocumentLibraryForm</Display>
-  <Edit>DocumentLibraryForm</Edit>
-  <New>DocumentLibraryForm</New>
-</FormTemplates>
-</file>
-
-<file path=customXml/item36.xml><?xml version="1.0" encoding="utf-8"?>
-<?mso-contentType ?>
-<FormTemplates xmlns="http://schemas.microsoft.com/sharepoint/v3/contenttype/forms">
-  <Display>DocumentLibraryForm</Display>
-  <Edit>DocumentLibraryForm</Edit>
-  <New>DocumentLibraryForm</New>
-</FormTemplates>
-</file>
-
-<file path=customXml/item37.xml><?xml version="1.0" encoding="utf-8"?>
-<Control xmlns="http://schemas.microsoft.com/VisualStudio/2011/storyboarding/control">
-  <Id Name="d69996e1-3d61-4686-9b63-f1b855c596ab" Revision="1" Stencil="7276b9ef-3953-4dce-a89b-ed85f20b8b93" StencilVersion="1.0"/>
-</Control>
-</file>
-
-<file path=customXml/item38.xml><?xml version="1.0" encoding="utf-8"?>
+<file path=customXml/item39.xml><?xml version="1.0" encoding="utf-8"?>
 <p:properties xmlns:p="http://schemas.microsoft.com/office/2006/metadata/properties" xmlns:xsi="http://www.w3.org/2001/XMLSchema-instance" xmlns:pc="http://schemas.microsoft.com/office/infopath/2007/PartnerControls">
   <documentManagement>
     <SharedWithUsers xmlns="83cd2334-221a-48c3-9034-bfd1542dfe28">
@@ -46503,16 +46559,13 @@
 </p:properties>
 </file>
 
-<file path=customXml/item39.xml><?xml version="1.0" encoding="utf-8"?>
-<?mso-contentType ?>
-<FormTemplates xmlns="http://schemas.microsoft.com/sharepoint/v3/contenttype/forms">
-  <Display>DocumentLibraryForm</Display>
-  <Edit>DocumentLibraryForm</Edit>
-  <New>DocumentLibraryForm</New>
-</FormTemplates>
+<file path=customXml/item4.xml><?xml version="1.0" encoding="utf-8"?>
+<Control xmlns="http://schemas.microsoft.com/VisualStudio/2011/storyboarding/control">
+  <Id Name="d69996e1-3d61-4686-9b63-f1b855c596ab" Revision="1" Stencil="7276b9ef-3953-4dce-a89b-ed85f20b8b93" StencilVersion="1.0"/>
+</Control>
 </file>
 
-<file path=customXml/item4.xml><?xml version="1.0" encoding="utf-8"?>
+<file path=customXml/item40.xml><?xml version="1.0" encoding="utf-8"?>
 <p:properties xmlns:p="http://schemas.microsoft.com/office/2006/metadata/properties" xmlns:xsi="http://www.w3.org/2001/XMLSchema-instance" xmlns:pc="http://schemas.microsoft.com/office/infopath/2007/PartnerControls">
   <documentManagement>
     <SharedWithUsers xmlns="83cd2334-221a-48c3-9034-bfd1542dfe28">
@@ -46536,19 +46589,7 @@
 </p:properties>
 </file>
 
-<file path=customXml/item40.xml><?xml version="1.0" encoding="utf-8"?>
-<Control xmlns="http://schemas.microsoft.com/VisualStudio/2011/storyboarding/control">
-  <Id Name="d69996e1-3d61-4686-9b63-f1b855c596ab" Revision="1" Stencil="7276b9ef-3953-4dce-a89b-ed85f20b8b93" StencilVersion="1.0"/>
-</Control>
-</file>
-
 <file path=customXml/item41.xml><?xml version="1.0" encoding="utf-8"?>
-<Control xmlns="http://schemas.microsoft.com/VisualStudio/2011/storyboarding/control">
-  <Id Name="369f9055-6b6c-48b9-9320-5df2d46c430a" Revision="1" Stencil="7276b9ef-3953-4dce-a89b-ed85f20b8b93" StencilVersion="1.0"/>
-</Control>
-</file>
-
-<file path=customXml/item42.xml><?xml version="1.0" encoding="utf-8"?>
 <?mso-contentType ?>
 <FormTemplates xmlns="http://schemas.microsoft.com/sharepoint/v3/contenttype/forms">
   <Display>DocumentLibraryForm</Display>
@@ -46557,49 +46598,13 @@
 </FormTemplates>
 </file>
 
-<file path=customXml/item43.xml><?xml version="1.0" encoding="utf-8"?>
+<file path=customXml/item42.xml><?xml version="1.0" encoding="utf-8"?>
 <Control xmlns="http://schemas.microsoft.com/VisualStudio/2011/storyboarding/control">
   <Id Name="fb22c541-ded0-47fa-8877-83a4c2d16227" Revision="1" Stencil="7276b9ef-3953-4dce-a89b-ed85f20b8b93" StencilVersion="1.0"/>
 </Control>
 </file>
 
-<file path=customXml/item44.xml><?xml version="1.0" encoding="utf-8"?>
-<Control xmlns="http://schemas.microsoft.com/VisualStudio/2011/storyboarding/control">
-  <Id Name="a53d73d2-368b-429e-b817-1324eec1382c" Revision="1" Stencil="7276b9ef-3953-4dce-a89b-ed85f20b8b93" StencilVersion="1.0"/>
-</Control>
-</file>
-
-<file path=customXml/item45.xml><?xml version="1.0" encoding="utf-8"?>
-<Control xmlns="http://schemas.microsoft.com/VisualStudio/2011/storyboarding/control">
-  <Id Name="369f9055-6b6c-48b9-9320-5df2d46c430a" Revision="1" Stencil="7276b9ef-3953-4dce-a89b-ed85f20b8b93" StencilVersion="1.0"/>
-</Control>
-</file>
-
-<file path=customXml/item46.xml><?xml version="1.0" encoding="utf-8"?>
-<Control xmlns="http://schemas.microsoft.com/VisualStudio/2011/storyboarding/control">
-  <Id Name="a53d73d2-368b-429e-b817-1324eec1382c" Revision="1" Stencil="7276b9ef-3953-4dce-a89b-ed85f20b8b93" StencilVersion="1.0"/>
-</Control>
-</file>
-
-<file path=customXml/item47.xml><?xml version="1.0" encoding="utf-8"?>
-<Control xmlns="http://schemas.microsoft.com/VisualStudio/2011/storyboarding/control">
-  <Id Name="369f9055-6b6c-48b9-9320-5df2d46c430a" Revision="1" Stencil="7276b9ef-3953-4dce-a89b-ed85f20b8b93" StencilVersion="1.0"/>
-</Control>
-</file>
-
-<file path=customXml/item48.xml><?xml version="1.0" encoding="utf-8"?>
-<Control xmlns="http://schemas.microsoft.com/VisualStudio/2011/storyboarding/control">
-  <Id Name="fb22c541-ded0-47fa-8877-83a4c2d16227" Revision="1" Stencil="7276b9ef-3953-4dce-a89b-ed85f20b8b93" StencilVersion="1.0"/>
-</Control>
-</file>
-
-<file path=customXml/item49.xml><?xml version="1.0" encoding="utf-8"?>
-<Control xmlns="http://schemas.microsoft.com/VisualStudio/2011/storyboarding/control">
-  <Id Name="a2191c86-fc50-4add-948c-129f6b5a88d8" Revision="1" Stencil="7276b9ef-3953-4dce-a89b-ed85f20b8b93" StencilVersion="1.0"/>
-</Control>
-</file>
-
-<file path=customXml/item5.xml><?xml version="1.0" encoding="utf-8"?>
+<file path=customXml/item43.xml><?xml version="1.0" encoding="utf-8"?>
 <?mso-contentType ?>
 <FormTemplates xmlns="http://schemas.microsoft.com/sharepoint/v3/contenttype/forms">
   <Display>DocumentLibraryForm</Display>
@@ -46608,7 +46613,13 @@
 </FormTemplates>
 </file>
 
-<file path=customXml/item50.xml><?xml version="1.0" encoding="utf-8"?>
+<file path=customXml/item44.xml><?xml version="1.0" encoding="utf-8"?>
+<Control xmlns="http://schemas.microsoft.com/VisualStudio/2011/storyboarding/control">
+  <Id Name="369f9055-6b6c-48b9-9320-5df2d46c430a" Revision="1" Stencil="7276b9ef-3953-4dce-a89b-ed85f20b8b93" StencilVersion="1.0"/>
+</Control>
+</file>
+
+<file path=customXml/item45.xml><?xml version="1.0" encoding="utf-8"?>
 <p:properties xmlns:p="http://schemas.microsoft.com/office/2006/metadata/properties" xmlns:xsi="http://www.w3.org/2001/XMLSchema-instance" xmlns:pc="http://schemas.microsoft.com/office/infopath/2007/PartnerControls">
   <documentManagement>
     <SharedWithUsers xmlns="83cd2334-221a-48c3-9034-bfd1542dfe28">
@@ -46632,37 +46643,19 @@
 </p:properties>
 </file>
 
-<file path=customXml/item51.xml><?xml version="1.0" encoding="utf-8"?>
+<file path=customXml/item46.xml><?xml version="1.0" encoding="utf-8"?>
 <Control xmlns="http://schemas.microsoft.com/VisualStudio/2011/storyboarding/control">
   <Id Name="a2191c86-fc50-4add-948c-129f6b5a88d8" Revision="1" Stencil="7276b9ef-3953-4dce-a89b-ed85f20b8b93" StencilVersion="1.0"/>
 </Control>
 </file>
 
-<file path=customXml/item52.xml><?xml version="1.0" encoding="utf-8"?>
-<Control xmlns="http://schemas.microsoft.com/VisualStudio/2011/storyboarding/control">
-  <Id Name="d69996e1-3d61-4686-9b63-f1b855c596ab" Revision="1" Stencil="7276b9ef-3953-4dce-a89b-ed85f20b8b93" StencilVersion="1.0"/>
-</Control>
-</file>
-
-<file path=customXml/item53.xml><?xml version="1.0" encoding="utf-8"?>
+<file path=customXml/item47.xml><?xml version="1.0" encoding="utf-8"?>
 <Control xmlns="http://schemas.microsoft.com/VisualStudio/2011/storyboarding/control">
   <Id Name="fb22c541-ded0-47fa-8877-83a4c2d16227" Revision="1" Stencil="7276b9ef-3953-4dce-a89b-ed85f20b8b93" StencilVersion="1.0"/>
 </Control>
 </file>
 
-<file path=customXml/item54.xml><?xml version="1.0" encoding="utf-8"?>
-<Control xmlns="http://schemas.microsoft.com/VisualStudio/2011/storyboarding/control">
-  <Id Name="a2191c86-fc50-4add-948c-129f6b5a88d8" Revision="1" Stencil="7276b9ef-3953-4dce-a89b-ed85f20b8b93" StencilVersion="1.0"/>
-</Control>
-</file>
-
-<file path=customXml/item55.xml><?xml version="1.0" encoding="utf-8"?>
-<Control xmlns="http://schemas.microsoft.com/VisualStudio/2011/storyboarding/control">
-  <Id Name="a2191c86-fc50-4add-948c-129f6b5a88d8" Revision="1" Stencil="7276b9ef-3953-4dce-a89b-ed85f20b8b93" StencilVersion="1.0"/>
-</Control>
-</file>
-
-<file path=customXml/item6.xml><?xml version="1.0" encoding="utf-8"?>
+<file path=customXml/item48.xml><?xml version="1.0" encoding="utf-8"?>
 <p:properties xmlns:p="http://schemas.microsoft.com/office/2006/metadata/properties" xmlns:xsi="http://www.w3.org/2001/XMLSchema-instance" xmlns:pc="http://schemas.microsoft.com/office/infopath/2007/PartnerControls">
   <documentManagement>
     <SharedWithUsers xmlns="83cd2334-221a-48c3-9034-bfd1542dfe28">
@@ -46686,10 +46679,76 @@
 </p:properties>
 </file>
 
-<file path=customXml/item7.xml><?xml version="1.0" encoding="utf-8"?>
+<file path=customXml/item49.xml><?xml version="1.0" encoding="utf-8"?>
+<?mso-contentType ?>
+<FormTemplates xmlns="http://schemas.microsoft.com/sharepoint/v3/contenttype/forms">
+  <Display>DocumentLibraryForm</Display>
+  <Edit>DocumentLibraryForm</Edit>
+  <New>DocumentLibraryForm</New>
+</FormTemplates>
+</file>
+
+<file path=customXml/item5.xml><?xml version="1.0" encoding="utf-8"?>
+<Control xmlns="http://schemas.microsoft.com/VisualStudio/2011/storyboarding/control">
+  <Id Name="369f9055-6b6c-48b9-9320-5df2d46c430a" Revision="1" Stencil="7276b9ef-3953-4dce-a89b-ed85f20b8b93" StencilVersion="1.0"/>
+</Control>
+</file>
+
+<file path=customXml/item50.xml><?xml version="1.0" encoding="utf-8"?>
+<?mso-contentType ?>
+<FormTemplates xmlns="http://schemas.microsoft.com/sharepoint/v3/contenttype/forms">
+  <Display>DocumentLibraryForm</Display>
+  <Edit>DocumentLibraryForm</Edit>
+  <New>DocumentLibraryForm</New>
+</FormTemplates>
+</file>
+
+<file path=customXml/item51.xml><?xml version="1.0" encoding="utf-8"?>
+<Control xmlns="http://schemas.microsoft.com/VisualStudio/2011/storyboarding/control">
+  <Id Name="369f9055-6b6c-48b9-9320-5df2d46c430a" Revision="1" Stencil="7276b9ef-3953-4dce-a89b-ed85f20b8b93" StencilVersion="1.0"/>
+</Control>
+</file>
+
+<file path=customXml/item52.xml><?xml version="1.0" encoding="utf-8"?>
+<Control xmlns="http://schemas.microsoft.com/VisualStudio/2011/storyboarding/control">
+  <Id Name="369f9055-6b6c-48b9-9320-5df2d46c430a" Revision="1" Stencil="7276b9ef-3953-4dce-a89b-ed85f20b8b93" StencilVersion="1.0"/>
+</Control>
+</file>
+
+<file path=customXml/item53.xml><?xml version="1.0" encoding="utf-8"?>
+<Control xmlns="http://schemas.microsoft.com/VisualStudio/2011/storyboarding/control">
+  <Id Name="d69996e1-3d61-4686-9b63-f1b855c596ab" Revision="1" Stencil="7276b9ef-3953-4dce-a89b-ed85f20b8b93" StencilVersion="1.0"/>
+</Control>
+</file>
+
+<file path=customXml/item54.xml><?xml version="1.0" encoding="utf-8"?>
+<Control xmlns="http://schemas.microsoft.com/VisualStudio/2011/storyboarding/control">
+  <Id Name="a53d73d2-368b-429e-b817-1324eec1382c" Revision="1" Stencil="7276b9ef-3953-4dce-a89b-ed85f20b8b93" StencilVersion="1.0"/>
+</Control>
+</file>
+
+<file path=customXml/item55.xml><?xml version="1.0" encoding="utf-8"?>
+<?mso-contentType ?>
+<FormTemplates xmlns="http://schemas.microsoft.com/sharepoint/v3/contenttype/forms">
+  <Display>DocumentLibraryForm</Display>
+  <Edit>DocumentLibraryForm</Edit>
+  <New>DocumentLibraryForm</New>
+</FormTemplates>
+</file>
+
+<file path=customXml/item6.xml><?xml version="1.0" encoding="utf-8"?>
 <Control xmlns="http://schemas.microsoft.com/VisualStudio/2011/storyboarding/control">
   <Id Name="fb22c541-ded0-47fa-8877-83a4c2d16227" Revision="1" Stencil="7276b9ef-3953-4dce-a89b-ed85f20b8b93" StencilVersion="1.0"/>
 </Control>
+</file>
+
+<file path=customXml/item7.xml><?xml version="1.0" encoding="utf-8"?>
+<?mso-contentType ?>
+<FormTemplates xmlns="http://schemas.microsoft.com/sharepoint/v3/contenttype/forms">
+  <Display>DocumentLibraryForm</Display>
+  <Edit>DocumentLibraryForm</Edit>
+  <New>DocumentLibraryForm</New>
+</FormTemplates>
 </file>
 
 <file path=customXml/item8.xml><?xml version="1.0" encoding="utf-8"?>
@@ -46702,30 +46761,183 @@
 </file>
 
 <file path=customXml/item9.xml><?xml version="1.0" encoding="utf-8"?>
-<p:properties xmlns:p="http://schemas.microsoft.com/office/2006/metadata/properties" xmlns:xsi="http://www.w3.org/2001/XMLSchema-instance" xmlns:pc="http://schemas.microsoft.com/office/infopath/2007/PartnerControls">
-  <documentManagement>
-    <SharedWithUsers xmlns="83cd2334-221a-48c3-9034-bfd1542dfe28">
-      <UserInfo>
-        <DisplayName>Gilad Turbahn</DisplayName>
-        <AccountId>511</AccountId>
-        <AccountType/>
-      </UserInfo>
-      <UserInfo>
-        <DisplayName>Keith Boyd</DisplayName>
-        <AccountId>993</AccountId>
-        <AccountType/>
-      </UserInfo>
-      <UserInfo>
-        <DisplayName>Christopher Harrison</DisplayName>
-        <AccountId>1176</AccountId>
-        <AccountType/>
-      </UserInfo>
-    </SharedWithUsers>
-  </documentManagement>
-</p:properties>
+<?mso-contentType ?>
+<FormTemplates xmlns="http://schemas.microsoft.com/sharepoint/v3/contenttype/forms">
+  <Display>DocumentLibraryForm</Display>
+  <Edit>DocumentLibraryForm</Edit>
+  <New>DocumentLibraryForm</New>
+</FormTemplates>
 </file>
 
 <file path=customXml/itemProps1.xml><?xml version="1.0" encoding="utf-8"?>
+<ds:datastoreItem xmlns:ds="http://schemas.openxmlformats.org/officeDocument/2006/customXml" ds:itemID="{21F6B647-976A-41D0-B760-9DF9DFC6AE3C}">
+  <ds:schemaRefs>
+    <ds:schemaRef ds:uri="http://schemas.microsoft.com/VisualStudio/2011/storyboarding/control"/>
+  </ds:schemaRefs>
+</ds:datastoreItem>
+</file>
+
+<file path=customXml/itemProps10.xml><?xml version="1.0" encoding="utf-8"?>
+<ds:datastoreItem xmlns:ds="http://schemas.openxmlformats.org/officeDocument/2006/customXml" ds:itemID="{6018CCD6-C254-44D3-91D5-EC4D81FDEBEC}">
+  <ds:schemaRefs>
+    <ds:schemaRef ds:uri="http://schemas.microsoft.com/office/2006/metadata/properties"/>
+    <ds:schemaRef ds:uri="http://schemas.microsoft.com/office/infopath/2007/PartnerControls"/>
+    <ds:schemaRef ds:uri="83cd2334-221a-48c3-9034-bfd1542dfe28"/>
+  </ds:schemaRefs>
+</ds:datastoreItem>
+</file>
+
+<file path=customXml/itemProps11.xml><?xml version="1.0" encoding="utf-8"?>
+<ds:datastoreItem xmlns:ds="http://schemas.openxmlformats.org/officeDocument/2006/customXml" ds:itemID="{1B69B6B1-FB2A-4C02-95B6-C12A54DCD27B}">
+  <ds:schemaRefs>
+    <ds:schemaRef ds:uri="http://schemas.microsoft.com/office/2006/metadata/properties"/>
+    <ds:schemaRef ds:uri="http://schemas.microsoft.com/office/infopath/2007/PartnerControls"/>
+    <ds:schemaRef ds:uri="83cd2334-221a-48c3-9034-bfd1542dfe28"/>
+  </ds:schemaRefs>
+</ds:datastoreItem>
+</file>
+
+<file path=customXml/itemProps12.xml><?xml version="1.0" encoding="utf-8"?>
+<ds:datastoreItem xmlns:ds="http://schemas.openxmlformats.org/officeDocument/2006/customXml" ds:itemID="{8BD595CA-AC5E-43B9-B966-E468A16E8322}">
+  <ds:schemaRefs>
+    <ds:schemaRef ds:uri="http://schemas.microsoft.com/VisualStudio/2011/storyboarding/control"/>
+  </ds:schemaRefs>
+</ds:datastoreItem>
+</file>
+
+<file path=customXml/itemProps13.xml><?xml version="1.0" encoding="utf-8"?>
+<ds:datastoreItem xmlns:ds="http://schemas.openxmlformats.org/officeDocument/2006/customXml" ds:itemID="{0AFEAFFC-501F-4A71-8E0A-BCC3D721BFBC}">
+  <ds:schemaRefs>
+    <ds:schemaRef ds:uri="http://schemas.microsoft.com/sharepoint/v3/contenttype/forms"/>
+  </ds:schemaRefs>
+</ds:datastoreItem>
+</file>
+
+<file path=customXml/itemProps14.xml><?xml version="1.0" encoding="utf-8"?>
+<ds:datastoreItem xmlns:ds="http://schemas.openxmlformats.org/officeDocument/2006/customXml" ds:itemID="{432851C6-BC05-4673-B853-6D08AB80CDC4}">
+  <ds:schemaRefs>
+    <ds:schemaRef ds:uri="http://schemas.microsoft.com/VisualStudio/2011/storyboarding/control"/>
+  </ds:schemaRefs>
+</ds:datastoreItem>
+</file>
+
+<file path=customXml/itemProps15.xml><?xml version="1.0" encoding="utf-8"?>
+<ds:datastoreItem xmlns:ds="http://schemas.openxmlformats.org/officeDocument/2006/customXml" ds:itemID="{4E8278DB-3CDD-48A7-992E-A7596AD335B9}">
+  <ds:schemaRefs>
+    <ds:schemaRef ds:uri="http://schemas.microsoft.com/VisualStudio/2011/storyboarding/control"/>
+  </ds:schemaRefs>
+</ds:datastoreItem>
+</file>
+
+<file path=customXml/itemProps16.xml><?xml version="1.0" encoding="utf-8"?>
+<ds:datastoreItem xmlns:ds="http://schemas.openxmlformats.org/officeDocument/2006/customXml" ds:itemID="{758FDAC0-319D-4A54-8D8E-1D42CB1F8004}">
+  <ds:schemaRefs>
+    <ds:schemaRef ds:uri="http://schemas.microsoft.com/sharepoint/v3/contenttype/forms"/>
+  </ds:schemaRefs>
+</ds:datastoreItem>
+</file>
+
+<file path=customXml/itemProps17.xml><?xml version="1.0" encoding="utf-8"?>
+<ds:datastoreItem xmlns:ds="http://schemas.openxmlformats.org/officeDocument/2006/customXml" ds:itemID="{D4B5F268-5930-44CD-BDF1-D0A04D4BBC1C}">
+  <ds:schemaRefs>
+    <ds:schemaRef ds:uri="http://schemas.microsoft.com/VisualStudio/2011/storyboarding/control"/>
+  </ds:schemaRefs>
+</ds:datastoreItem>
+</file>
+
+<file path=customXml/itemProps18.xml><?xml version="1.0" encoding="utf-8"?>
+<ds:datastoreItem xmlns:ds="http://schemas.openxmlformats.org/officeDocument/2006/customXml" ds:itemID="{ED350DFE-2319-4AB0-BC96-1D36D125365A}">
+  <ds:schemaRefs>
+    <ds:schemaRef ds:uri="http://schemas.microsoft.com/VisualStudio/2011/storyboarding/control"/>
+  </ds:schemaRefs>
+</ds:datastoreItem>
+</file>
+
+<file path=customXml/itemProps19.xml><?xml version="1.0" encoding="utf-8"?>
+<ds:datastoreItem xmlns:ds="http://schemas.openxmlformats.org/officeDocument/2006/customXml" ds:itemID="{D6FEE829-2115-45B4-8110-670FD454542B}">
+  <ds:schemaRefs>
+    <ds:schemaRef ds:uri="http://schemas.microsoft.com/VisualStudio/2011/storyboarding/control"/>
+  </ds:schemaRefs>
+</ds:datastoreItem>
+</file>
+
+<file path=customXml/itemProps2.xml><?xml version="1.0" encoding="utf-8"?>
+<ds:datastoreItem xmlns:ds="http://schemas.openxmlformats.org/officeDocument/2006/customXml" ds:itemID="{366CA990-F93D-4100-9654-65D9E30F4E1C}">
+  <ds:schemaRefs>
+    <ds:schemaRef ds:uri="http://schemas.microsoft.com/VisualStudio/2011/storyboarding/control"/>
+  </ds:schemaRefs>
+</ds:datastoreItem>
+</file>
+
+<file path=customXml/itemProps20.xml><?xml version="1.0" encoding="utf-8"?>
+<ds:datastoreItem xmlns:ds="http://schemas.openxmlformats.org/officeDocument/2006/customXml" ds:itemID="{08C4EE12-DF69-4FFC-9E40-C7991F3490A6}">
+  <ds:schemaRefs>
+    <ds:schemaRef ds:uri="http://schemas.microsoft.com/VisualStudio/2011/storyboarding/control"/>
+  </ds:schemaRefs>
+</ds:datastoreItem>
+</file>
+
+<file path=customXml/itemProps21.xml><?xml version="1.0" encoding="utf-8"?>
+<ds:datastoreItem xmlns:ds="http://schemas.openxmlformats.org/officeDocument/2006/customXml" ds:itemID="{71AE1ABA-EE71-4D7C-AE19-D2A04FC317D0}">
+  <ds:schemaRefs>
+    <ds:schemaRef ds:uri="http://schemas.microsoft.com/sharepoint/v3/contenttype/forms"/>
+  </ds:schemaRefs>
+</ds:datastoreItem>
+</file>
+
+<file path=customXml/itemProps22.xml><?xml version="1.0" encoding="utf-8"?>
+<ds:datastoreItem xmlns:ds="http://schemas.openxmlformats.org/officeDocument/2006/customXml" ds:itemID="{8893E80D-6D0C-4E0F-AA22-E5615BB87E5B}">
+  <ds:schemaRefs>
+    <ds:schemaRef ds:uri="http://schemas.microsoft.com/VisualStudio/2011/storyboarding/control"/>
+  </ds:schemaRefs>
+</ds:datastoreItem>
+</file>
+
+<file path=customXml/itemProps23.xml><?xml version="1.0" encoding="utf-8"?>
+<ds:datastoreItem xmlns:ds="http://schemas.openxmlformats.org/officeDocument/2006/customXml" ds:itemID="{17A7EC28-79CF-44E6-BA48-85916A7F29F5}">
+  <ds:schemaRefs>
+    <ds:schemaRef ds:uri="http://schemas.microsoft.com/office/2006/metadata/properties"/>
+    <ds:schemaRef ds:uri="http://schemas.microsoft.com/office/infopath/2007/PartnerControls"/>
+    <ds:schemaRef ds:uri="83cd2334-221a-48c3-9034-bfd1542dfe28"/>
+  </ds:schemaRefs>
+</ds:datastoreItem>
+</file>
+
+<file path=customXml/itemProps24.xml><?xml version="1.0" encoding="utf-8"?>
+<ds:datastoreItem xmlns:ds="http://schemas.openxmlformats.org/officeDocument/2006/customXml" ds:itemID="{6FB9D450-4C47-4A44-8C0D-C78D8A54C46F}">
+  <ds:schemaRefs>
+    <ds:schemaRef ds:uri="http://schemas.microsoft.com/VisualStudio/2011/storyboarding/control"/>
+  </ds:schemaRefs>
+</ds:datastoreItem>
+</file>
+
+<file path=customXml/itemProps25.xml><?xml version="1.0" encoding="utf-8"?>
+<ds:datastoreItem xmlns:ds="http://schemas.openxmlformats.org/officeDocument/2006/customXml" ds:itemID="{1C76383C-FD09-474B-94B3-126FB1A7D094}">
+  <ds:schemaRefs>
+    <ds:schemaRef ds:uri="http://schemas.microsoft.com/office/2006/metadata/properties"/>
+    <ds:schemaRef ds:uri="http://schemas.microsoft.com/office/infopath/2007/PartnerControls"/>
+    <ds:schemaRef ds:uri="83cd2334-221a-48c3-9034-bfd1542dfe28"/>
+  </ds:schemaRefs>
+</ds:datastoreItem>
+</file>
+
+<file path=customXml/itemProps26.xml><?xml version="1.0" encoding="utf-8"?>
+<ds:datastoreItem xmlns:ds="http://schemas.openxmlformats.org/officeDocument/2006/customXml" ds:itemID="{38217AA1-CC95-49A9-B284-2ED4D347D7CA}">
+  <ds:schemaRefs>
+    <ds:schemaRef ds:uri="http://schemas.microsoft.com/VisualStudio/2011/storyboarding/control"/>
+  </ds:schemaRefs>
+</ds:datastoreItem>
+</file>
+
+<file path=customXml/itemProps27.xml><?xml version="1.0" encoding="utf-8"?>
+<ds:datastoreItem xmlns:ds="http://schemas.openxmlformats.org/officeDocument/2006/customXml" ds:itemID="{8257D6BC-B71E-4D95-81E4-A1D4A8174168}">
+  <ds:schemaRefs>
+    <ds:schemaRef ds:uri="http://schemas.microsoft.com/VisualStudio/2011/storyboarding/control"/>
+  </ds:schemaRefs>
+</ds:datastoreItem>
+</file>
+
+<file path=customXml/itemProps28.xml><?xml version="1.0" encoding="utf-8"?>
 <ds:datastoreItem xmlns:ds="http://schemas.openxmlformats.org/officeDocument/2006/customXml" ds:itemID="{E692D73E-1478-4790-BEEC-C5C534998F40}">
   <ds:schemaRefs>
     <ds:schemaRef ds:uri="http://schemas.microsoft.com/office/2006/metadata/properties"/>
@@ -46735,7 +46947,67 @@
 </ds:datastoreItem>
 </file>
 
-<file path=customXml/itemProps10.xml><?xml version="1.0" encoding="utf-8"?>
+<file path=customXml/itemProps29.xml><?xml version="1.0" encoding="utf-8"?>
+<ds:datastoreItem xmlns:ds="http://schemas.openxmlformats.org/officeDocument/2006/customXml" ds:itemID="{F990F116-B58F-4255-B05B-DA3808E0E5C6}">
+  <ds:schemaRefs>
+    <ds:schemaRef ds:uri="http://schemas.microsoft.com/office/2006/metadata/properties"/>
+    <ds:schemaRef ds:uri="http://schemas.microsoft.com/office/infopath/2007/PartnerControls"/>
+    <ds:schemaRef ds:uri="83cd2334-221a-48c3-9034-bfd1542dfe28"/>
+  </ds:schemaRefs>
+</ds:datastoreItem>
+</file>
+
+<file path=customXml/itemProps3.xml><?xml version="1.0" encoding="utf-8"?>
+<ds:datastoreItem xmlns:ds="http://schemas.openxmlformats.org/officeDocument/2006/customXml" ds:itemID="{67213E6F-7B96-4222-888B-63710B06D885}">
+  <ds:schemaRefs>
+    <ds:schemaRef ds:uri="http://schemas.microsoft.com/VisualStudio/2011/storyboarding/control"/>
+  </ds:schemaRefs>
+</ds:datastoreItem>
+</file>
+
+<file path=customXml/itemProps30.xml><?xml version="1.0" encoding="utf-8"?>
+<ds:datastoreItem xmlns:ds="http://schemas.openxmlformats.org/officeDocument/2006/customXml" ds:itemID="{473A6A21-7521-4B81-9336-9B587BA12275}">
+  <ds:schemaRefs>
+    <ds:schemaRef ds:uri="http://schemas.microsoft.com/office/2006/metadata/properties"/>
+    <ds:schemaRef ds:uri="http://schemas.microsoft.com/office/infopath/2007/PartnerControls"/>
+    <ds:schemaRef ds:uri="83cd2334-221a-48c3-9034-bfd1542dfe28"/>
+  </ds:schemaRefs>
+</ds:datastoreItem>
+</file>
+
+<file path=customXml/itemProps31.xml><?xml version="1.0" encoding="utf-8"?>
+<ds:datastoreItem xmlns:ds="http://schemas.openxmlformats.org/officeDocument/2006/customXml" ds:itemID="{3C954CC5-1CAC-4EC3-9791-8630483065B9}">
+  <ds:schemaRefs>
+    <ds:schemaRef ds:uri="http://schemas.microsoft.com/VisualStudio/2011/storyboarding/control"/>
+  </ds:schemaRefs>
+</ds:datastoreItem>
+</file>
+
+<file path=customXml/itemProps32.xml><?xml version="1.0" encoding="utf-8"?>
+<ds:datastoreItem xmlns:ds="http://schemas.openxmlformats.org/officeDocument/2006/customXml" ds:itemID="{3DC6CABD-46E1-4C27-A0B3-616DC56F8E5C}">
+  <ds:schemaRefs>
+    <ds:schemaRef ds:uri="http://schemas.microsoft.com/VisualStudio/2011/storyboarding/control"/>
+  </ds:schemaRefs>
+</ds:datastoreItem>
+</file>
+
+<file path=customXml/itemProps33.xml><?xml version="1.0" encoding="utf-8"?>
+<ds:datastoreItem xmlns:ds="http://schemas.openxmlformats.org/officeDocument/2006/customXml" ds:itemID="{9360AFB9-8F99-4E1B-878D-F2EBABEB164C}">
+  <ds:schemaRefs>
+    <ds:schemaRef ds:uri="http://schemas.microsoft.com/sharepoint/v3/contenttype/forms"/>
+  </ds:schemaRefs>
+</ds:datastoreItem>
+</file>
+
+<file path=customXml/itemProps34.xml><?xml version="1.0" encoding="utf-8"?>
+<ds:datastoreItem xmlns:ds="http://schemas.openxmlformats.org/officeDocument/2006/customXml" ds:itemID="{4B16F4FE-7C26-4443-B426-81998D23ED87}">
+  <ds:schemaRefs>
+    <ds:schemaRef ds:uri="http://schemas.microsoft.com/VisualStudio/2011/storyboarding/control"/>
+  </ds:schemaRefs>
+</ds:datastoreItem>
+</file>
+
+<file path=customXml/itemProps35.xml><?xml version="1.0" encoding="utf-8"?>
 <ds:datastoreItem xmlns:ds="http://schemas.openxmlformats.org/officeDocument/2006/customXml" ds:itemID="{CA892322-6599-4C5A-B402-BE6DBAED9B8E}">
   <ds:schemaRefs>
     <ds:schemaRef ds:uri="http://schemas.microsoft.com/office/2006/metadata/properties"/>
@@ -46745,193 +47017,7 @@
 </ds:datastoreItem>
 </file>
 
-<file path=customXml/itemProps11.xml><?xml version="1.0" encoding="utf-8"?>
-<ds:datastoreItem xmlns:ds="http://schemas.openxmlformats.org/officeDocument/2006/customXml" ds:itemID="{4378A4E9-AA60-4BA3-8067-B1CEFEF637CD}">
-  <ds:schemaRefs>
-    <ds:schemaRef ds:uri="http://schemas.microsoft.com/sharepoint/v3/contenttype/forms"/>
-  </ds:schemaRefs>
-</ds:datastoreItem>
-</file>
-
-<file path=customXml/itemProps12.xml><?xml version="1.0" encoding="utf-8"?>
-<ds:datastoreItem xmlns:ds="http://schemas.openxmlformats.org/officeDocument/2006/customXml" ds:itemID="{D6FEE829-2115-45B4-8110-670FD454542B}">
-  <ds:schemaRefs>
-    <ds:schemaRef ds:uri="http://schemas.microsoft.com/VisualStudio/2011/storyboarding/control"/>
-  </ds:schemaRefs>
-</ds:datastoreItem>
-</file>
-
-<file path=customXml/itemProps13.xml><?xml version="1.0" encoding="utf-8"?>
-<ds:datastoreItem xmlns:ds="http://schemas.openxmlformats.org/officeDocument/2006/customXml" ds:itemID="{1EF25EC2-965B-4491-9691-6B806C9E3B8B}">
-  <ds:schemaRefs>
-    <ds:schemaRef ds:uri="http://schemas.microsoft.com/sharepoint/v3/contenttype/forms"/>
-  </ds:schemaRefs>
-</ds:datastoreItem>
-</file>
-
-<file path=customXml/itemProps14.xml><?xml version="1.0" encoding="utf-8"?>
-<ds:datastoreItem xmlns:ds="http://schemas.openxmlformats.org/officeDocument/2006/customXml" ds:itemID="{2F30C844-8093-47D2-A9B2-B7BEE821CE68}">
-  <ds:schemaRefs>
-    <ds:schemaRef ds:uri="http://schemas.microsoft.com/sharepoint/v3/contenttype/forms"/>
-  </ds:schemaRefs>
-</ds:datastoreItem>
-</file>
-
-<file path=customXml/itemProps15.xml><?xml version="1.0" encoding="utf-8"?>
-<ds:datastoreItem xmlns:ds="http://schemas.openxmlformats.org/officeDocument/2006/customXml" ds:itemID="{473A6A21-7521-4B81-9336-9B587BA12275}">
-  <ds:schemaRefs>
-    <ds:schemaRef ds:uri="http://schemas.microsoft.com/office/2006/metadata/properties"/>
-    <ds:schemaRef ds:uri="http://schemas.microsoft.com/office/infopath/2007/PartnerControls"/>
-    <ds:schemaRef ds:uri="83cd2334-221a-48c3-9034-bfd1542dfe28"/>
-  </ds:schemaRefs>
-</ds:datastoreItem>
-</file>
-
-<file path=customXml/itemProps16.xml><?xml version="1.0" encoding="utf-8"?>
-<ds:datastoreItem xmlns:ds="http://schemas.openxmlformats.org/officeDocument/2006/customXml" ds:itemID="{C63AC2F0-1DEB-4E91-A88A-7A014A172F4F}">
-  <ds:schemaRefs>
-    <ds:schemaRef ds:uri="http://schemas.microsoft.com/VisualStudio/2011/storyboarding/control"/>
-  </ds:schemaRefs>
-</ds:datastoreItem>
-</file>
-
-<file path=customXml/itemProps17.xml><?xml version="1.0" encoding="utf-8"?>
-<ds:datastoreItem xmlns:ds="http://schemas.openxmlformats.org/officeDocument/2006/customXml" ds:itemID="{08C4EE12-DF69-4FFC-9E40-C7991F3490A6}">
-  <ds:schemaRefs>
-    <ds:schemaRef ds:uri="http://schemas.microsoft.com/VisualStudio/2011/storyboarding/control"/>
-  </ds:schemaRefs>
-</ds:datastoreItem>
-</file>
-
-<file path=customXml/itemProps18.xml><?xml version="1.0" encoding="utf-8"?>
-<ds:datastoreItem xmlns:ds="http://schemas.openxmlformats.org/officeDocument/2006/customXml" ds:itemID="{376216F9-AF6B-4844-AE8C-B9F953F916AB}">
-  <ds:schemaRefs>
-    <ds:schemaRef ds:uri="http://schemas.microsoft.com/VisualStudio/2011/storyboarding/control"/>
-  </ds:schemaRefs>
-</ds:datastoreItem>
-</file>
-
-<file path=customXml/itemProps19.xml><?xml version="1.0" encoding="utf-8"?>
-<ds:datastoreItem xmlns:ds="http://schemas.openxmlformats.org/officeDocument/2006/customXml" ds:itemID="{D9B2CC65-7352-4418-88DB-351C33D88613}">
-  <ds:schemaRefs>
-    <ds:schemaRef ds:uri="http://schemas.microsoft.com/sharepoint/v3/contenttype/forms"/>
-  </ds:schemaRefs>
-</ds:datastoreItem>
-</file>
-
-<file path=customXml/itemProps2.xml><?xml version="1.0" encoding="utf-8"?>
-<ds:datastoreItem xmlns:ds="http://schemas.openxmlformats.org/officeDocument/2006/customXml" ds:itemID="{42D603BF-B513-4201-A599-21BA0F4FFC40}">
-  <ds:schemaRefs>
-    <ds:schemaRef ds:uri="http://schemas.microsoft.com/VisualStudio/2011/storyboarding/control"/>
-  </ds:schemaRefs>
-</ds:datastoreItem>
-</file>
-
-<file path=customXml/itemProps20.xml><?xml version="1.0" encoding="utf-8"?>
-<ds:datastoreItem xmlns:ds="http://schemas.openxmlformats.org/officeDocument/2006/customXml" ds:itemID="{1C76383C-FD09-474B-94B3-126FB1A7D094}">
-  <ds:schemaRefs>
-    <ds:schemaRef ds:uri="http://schemas.microsoft.com/office/2006/metadata/properties"/>
-    <ds:schemaRef ds:uri="http://schemas.microsoft.com/office/infopath/2007/PartnerControls"/>
-    <ds:schemaRef ds:uri="83cd2334-221a-48c3-9034-bfd1542dfe28"/>
-  </ds:schemaRefs>
-</ds:datastoreItem>
-</file>
-
-<file path=customXml/itemProps21.xml><?xml version="1.0" encoding="utf-8"?>
-<ds:datastoreItem xmlns:ds="http://schemas.openxmlformats.org/officeDocument/2006/customXml" ds:itemID="{8CFA17AA-8D1D-41BA-81E2-B1C9B1D8F8E0}">
-  <ds:schemaRefs>
-    <ds:schemaRef ds:uri="http://schemas.microsoft.com/sharepoint/v3/contenttype/forms"/>
-  </ds:schemaRefs>
-</ds:datastoreItem>
-</file>
-
-<file path=customXml/itemProps22.xml><?xml version="1.0" encoding="utf-8"?>
-<ds:datastoreItem xmlns:ds="http://schemas.openxmlformats.org/officeDocument/2006/customXml" ds:itemID="{6018CCD6-C254-44D3-91D5-EC4D81FDEBEC}">
-  <ds:schemaRefs>
-    <ds:schemaRef ds:uri="http://schemas.microsoft.com/office/2006/metadata/properties"/>
-    <ds:schemaRef ds:uri="http://schemas.microsoft.com/office/infopath/2007/PartnerControls"/>
-    <ds:schemaRef ds:uri="83cd2334-221a-48c3-9034-bfd1542dfe28"/>
-  </ds:schemaRefs>
-</ds:datastoreItem>
-</file>
-
-<file path=customXml/itemProps23.xml><?xml version="1.0" encoding="utf-8"?>
-<ds:datastoreItem xmlns:ds="http://schemas.openxmlformats.org/officeDocument/2006/customXml" ds:itemID="{3C954CC5-1CAC-4EC3-9791-8630483065B9}">
-  <ds:schemaRefs>
-    <ds:schemaRef ds:uri="http://schemas.microsoft.com/VisualStudio/2011/storyboarding/control"/>
-  </ds:schemaRefs>
-</ds:datastoreItem>
-</file>
-
-<file path=customXml/itemProps24.xml><?xml version="1.0" encoding="utf-8"?>
-<ds:datastoreItem xmlns:ds="http://schemas.openxmlformats.org/officeDocument/2006/customXml" ds:itemID="{21F6B647-976A-41D0-B760-9DF9DFC6AE3C}">
-  <ds:schemaRefs>
-    <ds:schemaRef ds:uri="http://schemas.microsoft.com/VisualStudio/2011/storyboarding/control"/>
-  </ds:schemaRefs>
-</ds:datastoreItem>
-</file>
-
-<file path=customXml/itemProps25.xml><?xml version="1.0" encoding="utf-8"?>
-<ds:datastoreItem xmlns:ds="http://schemas.openxmlformats.org/officeDocument/2006/customXml" ds:itemID="{71AE1ABA-EE71-4D7C-AE19-D2A04FC317D0}">
-  <ds:schemaRefs>
-    <ds:schemaRef ds:uri="http://schemas.microsoft.com/sharepoint/v3/contenttype/forms"/>
-  </ds:schemaRefs>
-</ds:datastoreItem>
-</file>
-
-<file path=customXml/itemProps26.xml><?xml version="1.0" encoding="utf-8"?>
-<ds:datastoreItem xmlns:ds="http://schemas.openxmlformats.org/officeDocument/2006/customXml" ds:itemID="{46A26515-AC12-45CE-B5C2-487B64D484BF}">
-  <ds:schemaRefs>
-    <ds:schemaRef ds:uri="http://schemas.microsoft.com/office/2006/metadata/properties"/>
-    <ds:schemaRef ds:uri="http://schemas.microsoft.com/office/infopath/2007/PartnerControls"/>
-    <ds:schemaRef ds:uri="83cd2334-221a-48c3-9034-bfd1542dfe28"/>
-  </ds:schemaRefs>
-</ds:datastoreItem>
-</file>
-
-<file path=customXml/itemProps27.xml><?xml version="1.0" encoding="utf-8"?>
-<ds:datastoreItem xmlns:ds="http://schemas.openxmlformats.org/officeDocument/2006/customXml" ds:itemID="{1B69B6B1-FB2A-4C02-95B6-C12A54DCD27B}">
-  <ds:schemaRefs>
-    <ds:schemaRef ds:uri="http://schemas.microsoft.com/office/2006/metadata/properties"/>
-    <ds:schemaRef ds:uri="http://schemas.microsoft.com/office/infopath/2007/PartnerControls"/>
-    <ds:schemaRef ds:uri="83cd2334-221a-48c3-9034-bfd1542dfe28"/>
-  </ds:schemaRefs>
-</ds:datastoreItem>
-</file>
-
-<file path=customXml/itemProps28.xml><?xml version="1.0" encoding="utf-8"?>
-<ds:datastoreItem xmlns:ds="http://schemas.openxmlformats.org/officeDocument/2006/customXml" ds:itemID="{3DC6CABD-46E1-4C27-A0B3-616DC56F8E5C}">
-  <ds:schemaRefs>
-    <ds:schemaRef ds:uri="http://schemas.microsoft.com/VisualStudio/2011/storyboarding/control"/>
-  </ds:schemaRefs>
-</ds:datastoreItem>
-</file>
-
-<file path=customXml/itemProps29.xml><?xml version="1.0" encoding="utf-8"?>
-<ds:datastoreItem xmlns:ds="http://schemas.openxmlformats.org/officeDocument/2006/customXml" ds:itemID="{F68D8396-E21C-4AFF-8FDD-70D00673D0EE}">
-  <ds:schemaRefs>
-    <ds:schemaRef ds:uri="http://schemas.microsoft.com/VisualStudio/2011/storyboarding/control"/>
-  </ds:schemaRefs>
-</ds:datastoreItem>
-</file>
-
-<file path=customXml/itemProps3.xml><?xml version="1.0" encoding="utf-8"?>
-<ds:datastoreItem xmlns:ds="http://schemas.openxmlformats.org/officeDocument/2006/customXml" ds:itemID="{ED350DFE-2319-4AB0-BC96-1D36D125365A}">
-  <ds:schemaRefs>
-    <ds:schemaRef ds:uri="http://schemas.microsoft.com/VisualStudio/2011/storyboarding/control"/>
-  </ds:schemaRefs>
-</ds:datastoreItem>
-</file>
-
-<file path=customXml/itemProps30.xml><?xml version="1.0" encoding="utf-8"?>
-<ds:datastoreItem xmlns:ds="http://schemas.openxmlformats.org/officeDocument/2006/customXml" ds:itemID="{8BD595CA-AC5E-43B9-B966-E468A16E8322}">
-  <ds:schemaRefs>
-    <ds:schemaRef ds:uri="http://schemas.microsoft.com/VisualStudio/2011/storyboarding/control"/>
-  </ds:schemaRefs>
-</ds:datastoreItem>
-</file>
-
-<file path=customXml/itemProps31.xml><?xml version="1.0" encoding="utf-8"?>
+<file path=customXml/itemProps36.xml><?xml version="1.0" encoding="utf-8"?>
 <ds:datastoreItem xmlns:ds="http://schemas.openxmlformats.org/officeDocument/2006/customXml" ds:itemID="{11F98F69-7518-4AE2-AE7B-E037DC9DDC97}">
   <ds:schemaRefs>
     <ds:schemaRef ds:uri="http://schemas.microsoft.com/office/2006/metadata/contentType"/>
@@ -46949,48 +47035,8 @@
 </ds:datastoreItem>
 </file>
 
-<file path=customXml/itemProps32.xml><?xml version="1.0" encoding="utf-8"?>
-<ds:datastoreItem xmlns:ds="http://schemas.openxmlformats.org/officeDocument/2006/customXml" ds:itemID="{366CA990-F93D-4100-9654-65D9E30F4E1C}">
-  <ds:schemaRefs>
-    <ds:schemaRef ds:uri="http://schemas.microsoft.com/VisualStudio/2011/storyboarding/control"/>
-  </ds:schemaRefs>
-</ds:datastoreItem>
-</file>
-
-<file path=customXml/itemProps33.xml><?xml version="1.0" encoding="utf-8"?>
-<ds:datastoreItem xmlns:ds="http://schemas.openxmlformats.org/officeDocument/2006/customXml" ds:itemID="{8893E80D-6D0C-4E0F-AA22-E5615BB87E5B}">
-  <ds:schemaRefs>
-    <ds:schemaRef ds:uri="http://schemas.microsoft.com/VisualStudio/2011/storyboarding/control"/>
-  </ds:schemaRefs>
-</ds:datastoreItem>
-</file>
-
-<file path=customXml/itemProps34.xml><?xml version="1.0" encoding="utf-8"?>
-<ds:datastoreItem xmlns:ds="http://schemas.openxmlformats.org/officeDocument/2006/customXml" ds:itemID="{7959CC6A-F423-4783-B968-3BCC86A7394E}">
-  <ds:schemaRefs>
-    <ds:schemaRef ds:uri="http://schemas.microsoft.com/VisualStudio/2011/storyboarding/control"/>
-  </ds:schemaRefs>
-</ds:datastoreItem>
-</file>
-
-<file path=customXml/itemProps35.xml><?xml version="1.0" encoding="utf-8"?>
-<ds:datastoreItem xmlns:ds="http://schemas.openxmlformats.org/officeDocument/2006/customXml" ds:itemID="{0AFEAFFC-501F-4A71-8E0A-BCC3D721BFBC}">
-  <ds:schemaRefs>
-    <ds:schemaRef ds:uri="http://schemas.microsoft.com/sharepoint/v3/contenttype/forms"/>
-  </ds:schemaRefs>
-</ds:datastoreItem>
-</file>
-
-<file path=customXml/itemProps36.xml><?xml version="1.0" encoding="utf-8"?>
-<ds:datastoreItem xmlns:ds="http://schemas.openxmlformats.org/officeDocument/2006/customXml" ds:itemID="{9360AFB9-8F99-4E1B-878D-F2EBABEB164C}">
-  <ds:schemaRefs>
-    <ds:schemaRef ds:uri="http://schemas.microsoft.com/sharepoint/v3/contenttype/forms"/>
-  </ds:schemaRefs>
-</ds:datastoreItem>
-</file>
-
 <file path=customXml/itemProps37.xml><?xml version="1.0" encoding="utf-8"?>
-<ds:datastoreItem xmlns:ds="http://schemas.openxmlformats.org/officeDocument/2006/customXml" ds:itemID="{67213E6F-7B96-4222-888B-63710B06D885}">
+<ds:datastoreItem xmlns:ds="http://schemas.openxmlformats.org/officeDocument/2006/customXml" ds:itemID="{4E805D65-1532-4BB0-8F41-8013167C0009}">
   <ds:schemaRefs>
     <ds:schemaRef ds:uri="http://schemas.microsoft.com/VisualStudio/2011/storyboarding/control"/>
   </ds:schemaRefs>
@@ -46998,24 +47044,14 @@
 </file>
 
 <file path=customXml/itemProps38.xml><?xml version="1.0" encoding="utf-8"?>
-<ds:datastoreItem xmlns:ds="http://schemas.openxmlformats.org/officeDocument/2006/customXml" ds:itemID="{17A7EC28-79CF-44E6-BA48-85916A7F29F5}">
+<ds:datastoreItem xmlns:ds="http://schemas.openxmlformats.org/officeDocument/2006/customXml" ds:itemID="{C0F92A87-A216-45A9-B9C0-0515663D35BF}">
   <ds:schemaRefs>
-    <ds:schemaRef ds:uri="http://schemas.microsoft.com/office/2006/metadata/properties"/>
-    <ds:schemaRef ds:uri="http://schemas.microsoft.com/office/infopath/2007/PartnerControls"/>
-    <ds:schemaRef ds:uri="83cd2334-221a-48c3-9034-bfd1542dfe28"/>
+    <ds:schemaRef ds:uri="http://schemas.microsoft.com/VisualStudio/2011/storyboarding/control"/>
   </ds:schemaRefs>
 </ds:datastoreItem>
 </file>
 
 <file path=customXml/itemProps39.xml><?xml version="1.0" encoding="utf-8"?>
-<ds:datastoreItem xmlns:ds="http://schemas.openxmlformats.org/officeDocument/2006/customXml" ds:itemID="{470353D1-3545-4BE2-A17C-548BF46AD9BC}">
-  <ds:schemaRefs>
-    <ds:schemaRef ds:uri="http://schemas.microsoft.com/sharepoint/v3/contenttype/forms"/>
-  </ds:schemaRefs>
-</ds:datastoreItem>
-</file>
-
-<file path=customXml/itemProps4.xml><?xml version="1.0" encoding="utf-8"?>
 <ds:datastoreItem xmlns:ds="http://schemas.openxmlformats.org/officeDocument/2006/customXml" ds:itemID="{B18102BA-C10B-41D1-8610-3D321D638DD2}">
   <ds:schemaRefs>
     <ds:schemaRef ds:uri="http://schemas.microsoft.com/office/2006/metadata/properties"/>
@@ -47025,7 +47061,7 @@
 </ds:datastoreItem>
 </file>
 
-<file path=customXml/itemProps40.xml><?xml version="1.0" encoding="utf-8"?>
+<file path=customXml/itemProps4.xml><?xml version="1.0" encoding="utf-8"?>
 <ds:datastoreItem xmlns:ds="http://schemas.openxmlformats.org/officeDocument/2006/customXml" ds:itemID="{0282FB20-2D4C-459D-8468-77D1D3C6925D}">
   <ds:schemaRefs>
     <ds:schemaRef ds:uri="http://schemas.microsoft.com/VisualStudio/2011/storyboarding/control"/>
@@ -47033,32 +47069,42 @@
 </ds:datastoreItem>
 </file>
 
+<file path=customXml/itemProps40.xml><?xml version="1.0" encoding="utf-8"?>
+<ds:datastoreItem xmlns:ds="http://schemas.openxmlformats.org/officeDocument/2006/customXml" ds:itemID="{E5517D1D-A0F7-4038-99B1-CB797994AD5E}">
+  <ds:schemaRefs>
+    <ds:schemaRef ds:uri="http://schemas.microsoft.com/office/2006/metadata/properties"/>
+    <ds:schemaRef ds:uri="http://schemas.microsoft.com/office/infopath/2007/PartnerControls"/>
+    <ds:schemaRef ds:uri="83cd2334-221a-48c3-9034-bfd1542dfe28"/>
+  </ds:schemaRefs>
+</ds:datastoreItem>
+</file>
+
 <file path=customXml/itemProps41.xml><?xml version="1.0" encoding="utf-8"?>
-<ds:datastoreItem xmlns:ds="http://schemas.openxmlformats.org/officeDocument/2006/customXml" ds:itemID="{38217AA1-CC95-49A9-B284-2ED4D347D7CA}">
+<ds:datastoreItem xmlns:ds="http://schemas.openxmlformats.org/officeDocument/2006/customXml" ds:itemID="{1EF25EC2-965B-4491-9691-6B806C9E3B8B}">
+  <ds:schemaRefs>
+    <ds:schemaRef ds:uri="http://schemas.microsoft.com/sharepoint/v3/contenttype/forms"/>
+  </ds:schemaRefs>
+</ds:datastoreItem>
+</file>
+
+<file path=customXml/itemProps42.xml><?xml version="1.0" encoding="utf-8"?>
+<ds:datastoreItem xmlns:ds="http://schemas.openxmlformats.org/officeDocument/2006/customXml" ds:itemID="{376216F9-AF6B-4844-AE8C-B9F953F916AB}">
   <ds:schemaRefs>
     <ds:schemaRef ds:uri="http://schemas.microsoft.com/VisualStudio/2011/storyboarding/control"/>
   </ds:schemaRefs>
 </ds:datastoreItem>
 </file>
 
-<file path=customXml/itemProps42.xml><?xml version="1.0" encoding="utf-8"?>
-<ds:datastoreItem xmlns:ds="http://schemas.openxmlformats.org/officeDocument/2006/customXml" ds:itemID="{8EF535DE-443E-4423-8803-A5D663EFF3B2}">
+<file path=customXml/itemProps43.xml><?xml version="1.0" encoding="utf-8"?>
+<ds:datastoreItem xmlns:ds="http://schemas.openxmlformats.org/officeDocument/2006/customXml" ds:itemID="{470353D1-3545-4BE2-A17C-548BF46AD9BC}">
   <ds:schemaRefs>
     <ds:schemaRef ds:uri="http://schemas.microsoft.com/sharepoint/v3/contenttype/forms"/>
   </ds:schemaRefs>
 </ds:datastoreItem>
 </file>
 
-<file path=customXml/itemProps43.xml><?xml version="1.0" encoding="utf-8"?>
-<ds:datastoreItem xmlns:ds="http://schemas.openxmlformats.org/officeDocument/2006/customXml" ds:itemID="{432851C6-BC05-4673-B853-6D08AB80CDC4}">
-  <ds:schemaRefs>
-    <ds:schemaRef ds:uri="http://schemas.microsoft.com/VisualStudio/2011/storyboarding/control"/>
-  </ds:schemaRefs>
-</ds:datastoreItem>
-</file>
-
 <file path=customXml/itemProps44.xml><?xml version="1.0" encoding="utf-8"?>
-<ds:datastoreItem xmlns:ds="http://schemas.openxmlformats.org/officeDocument/2006/customXml" ds:itemID="{4E805D65-1532-4BB0-8F41-8013167C0009}">
+<ds:datastoreItem xmlns:ds="http://schemas.openxmlformats.org/officeDocument/2006/customXml" ds:itemID="{7959CC6A-F423-4783-B968-3BCC86A7394E}">
   <ds:schemaRefs>
     <ds:schemaRef ds:uri="http://schemas.microsoft.com/VisualStudio/2011/storyboarding/control"/>
   </ds:schemaRefs>
@@ -47066,54 +47112,6 @@
 </file>
 
 <file path=customXml/itemProps45.xml><?xml version="1.0" encoding="utf-8"?>
-<ds:datastoreItem xmlns:ds="http://schemas.openxmlformats.org/officeDocument/2006/customXml" ds:itemID="{FE651ABA-5DC1-4ABD-A06E-055AE54B337B}">
-  <ds:schemaRefs>
-    <ds:schemaRef ds:uri="http://schemas.microsoft.com/VisualStudio/2011/storyboarding/control"/>
-  </ds:schemaRefs>
-</ds:datastoreItem>
-</file>
-
-<file path=customXml/itemProps46.xml><?xml version="1.0" encoding="utf-8"?>
-<ds:datastoreItem xmlns:ds="http://schemas.openxmlformats.org/officeDocument/2006/customXml" ds:itemID="{6FB9D450-4C47-4A44-8C0D-C78D8A54C46F}">
-  <ds:schemaRefs>
-    <ds:schemaRef ds:uri="http://schemas.microsoft.com/VisualStudio/2011/storyboarding/control"/>
-  </ds:schemaRefs>
-</ds:datastoreItem>
-</file>
-
-<file path=customXml/itemProps47.xml><?xml version="1.0" encoding="utf-8"?>
-<ds:datastoreItem xmlns:ds="http://schemas.openxmlformats.org/officeDocument/2006/customXml" ds:itemID="{82DB428A-B8F8-483F-8276-095629A8ECDB}">
-  <ds:schemaRefs>
-    <ds:schemaRef ds:uri="http://schemas.microsoft.com/VisualStudio/2011/storyboarding/control"/>
-  </ds:schemaRefs>
-</ds:datastoreItem>
-</file>
-
-<file path=customXml/itemProps48.xml><?xml version="1.0" encoding="utf-8"?>
-<ds:datastoreItem xmlns:ds="http://schemas.openxmlformats.org/officeDocument/2006/customXml" ds:itemID="{4E8278DB-3CDD-48A7-992E-A7596AD335B9}">
-  <ds:schemaRefs>
-    <ds:schemaRef ds:uri="http://schemas.microsoft.com/VisualStudio/2011/storyboarding/control"/>
-  </ds:schemaRefs>
-</ds:datastoreItem>
-</file>
-
-<file path=customXml/itemProps49.xml><?xml version="1.0" encoding="utf-8"?>
-<ds:datastoreItem xmlns:ds="http://schemas.openxmlformats.org/officeDocument/2006/customXml" ds:itemID="{4B16F4FE-7C26-4443-B426-81998D23ED87}">
-  <ds:schemaRefs>
-    <ds:schemaRef ds:uri="http://schemas.microsoft.com/VisualStudio/2011/storyboarding/control"/>
-  </ds:schemaRefs>
-</ds:datastoreItem>
-</file>
-
-<file path=customXml/itemProps5.xml><?xml version="1.0" encoding="utf-8"?>
-<ds:datastoreItem xmlns:ds="http://schemas.openxmlformats.org/officeDocument/2006/customXml" ds:itemID="{8E7D1C6F-2F1C-4FF7-8E81-B00199180E81}">
-  <ds:schemaRefs>
-    <ds:schemaRef ds:uri="http://schemas.microsoft.com/sharepoint/v3/contenttype/forms"/>
-  </ds:schemaRefs>
-</ds:datastoreItem>
-</file>
-
-<file path=customXml/itemProps50.xml><?xml version="1.0" encoding="utf-8"?>
 <ds:datastoreItem xmlns:ds="http://schemas.openxmlformats.org/officeDocument/2006/customXml" ds:itemID="{1577002B-E395-451C-943C-6D857E2ED544}">
   <ds:schemaRefs>
     <ds:schemaRef ds:uri="http://schemas.microsoft.com/office/2006/metadata/properties"/>
@@ -47123,39 +47121,7 @@
 </ds:datastoreItem>
 </file>
 
-<file path=customXml/itemProps51.xml><?xml version="1.0" encoding="utf-8"?>
-<ds:datastoreItem xmlns:ds="http://schemas.openxmlformats.org/officeDocument/2006/customXml" ds:itemID="{D4B5F268-5930-44CD-BDF1-D0A04D4BBC1C}">
-  <ds:schemaRefs>
-    <ds:schemaRef ds:uri="http://schemas.microsoft.com/VisualStudio/2011/storyboarding/control"/>
-  </ds:schemaRefs>
-</ds:datastoreItem>
-</file>
-
-<file path=customXml/itemProps52.xml><?xml version="1.0" encoding="utf-8"?>
-<ds:datastoreItem xmlns:ds="http://schemas.openxmlformats.org/officeDocument/2006/customXml" ds:itemID="{C0F92A87-A216-45A9-B9C0-0515663D35BF}">
-  <ds:schemaRefs>
-    <ds:schemaRef ds:uri="http://schemas.microsoft.com/VisualStudio/2011/storyboarding/control"/>
-  </ds:schemaRefs>
-</ds:datastoreItem>
-</file>
-
-<file path=customXml/itemProps53.xml><?xml version="1.0" encoding="utf-8"?>
-<ds:datastoreItem xmlns:ds="http://schemas.openxmlformats.org/officeDocument/2006/customXml" ds:itemID="{B5105A87-47B6-44F6-97FD-4619C0556604}">
-  <ds:schemaRefs>
-    <ds:schemaRef ds:uri="http://schemas.microsoft.com/VisualStudio/2011/storyboarding/control"/>
-  </ds:schemaRefs>
-</ds:datastoreItem>
-</file>
-
-<file path=customXml/itemProps54.xml><?xml version="1.0" encoding="utf-8"?>
-<ds:datastoreItem xmlns:ds="http://schemas.openxmlformats.org/officeDocument/2006/customXml" ds:itemID="{8257D6BC-B71E-4D95-81E4-A1D4A8174168}">
-  <ds:schemaRefs>
-    <ds:schemaRef ds:uri="http://schemas.microsoft.com/VisualStudio/2011/storyboarding/control"/>
-  </ds:schemaRefs>
-</ds:datastoreItem>
-</file>
-
-<file path=customXml/itemProps55.xml><?xml version="1.0" encoding="utf-8"?>
+<file path=customXml/itemProps46.xml><?xml version="1.0" encoding="utf-8"?>
 <ds:datastoreItem xmlns:ds="http://schemas.openxmlformats.org/officeDocument/2006/customXml" ds:itemID="{0B54C583-7BAB-4080-8093-C5F84F5A225A}">
   <ds:schemaRefs>
     <ds:schemaRef ds:uri="http://schemas.microsoft.com/VisualStudio/2011/storyboarding/control"/>
@@ -47163,8 +47129,16 @@
 </ds:datastoreItem>
 </file>
 
-<file path=customXml/itemProps6.xml><?xml version="1.0" encoding="utf-8"?>
-<ds:datastoreItem xmlns:ds="http://schemas.openxmlformats.org/officeDocument/2006/customXml" ds:itemID="{F990F116-B58F-4255-B05B-DA3808E0E5C6}">
+<file path=customXml/itemProps47.xml><?xml version="1.0" encoding="utf-8"?>
+<ds:datastoreItem xmlns:ds="http://schemas.openxmlformats.org/officeDocument/2006/customXml" ds:itemID="{4C1B3C27-4803-4D72-A3F8-6668A3F0A24B}">
+  <ds:schemaRefs>
+    <ds:schemaRef ds:uri="http://schemas.microsoft.com/VisualStudio/2011/storyboarding/control"/>
+  </ds:schemaRefs>
+</ds:datastoreItem>
+</file>
+
+<file path=customXml/itemProps48.xml><?xml version="1.0" encoding="utf-8"?>
+<ds:datastoreItem xmlns:ds="http://schemas.openxmlformats.org/officeDocument/2006/customXml" ds:itemID="{46A26515-AC12-45CE-B5C2-487B64D484BF}">
   <ds:schemaRefs>
     <ds:schemaRef ds:uri="http://schemas.microsoft.com/office/2006/metadata/properties"/>
     <ds:schemaRef ds:uri="http://schemas.microsoft.com/office/infopath/2007/PartnerControls"/>
@@ -47173,16 +47147,88 @@
 </ds:datastoreItem>
 </file>
 
-<file path=customXml/itemProps7.xml><?xml version="1.0" encoding="utf-8"?>
-<ds:datastoreItem xmlns:ds="http://schemas.openxmlformats.org/officeDocument/2006/customXml" ds:itemID="{4C1B3C27-4803-4D72-A3F8-6668A3F0A24B}">
+<file path=customXml/itemProps49.xml><?xml version="1.0" encoding="utf-8"?>
+<ds:datastoreItem xmlns:ds="http://schemas.openxmlformats.org/officeDocument/2006/customXml" ds:itemID="{8CFA17AA-8D1D-41BA-81E2-B1C9B1D8F8E0}">
+  <ds:schemaRefs>
+    <ds:schemaRef ds:uri="http://schemas.microsoft.com/sharepoint/v3/contenttype/forms"/>
+  </ds:schemaRefs>
+</ds:datastoreItem>
+</file>
+
+<file path=customXml/itemProps5.xml><?xml version="1.0" encoding="utf-8"?>
+<ds:datastoreItem xmlns:ds="http://schemas.openxmlformats.org/officeDocument/2006/customXml" ds:itemID="{FE651ABA-5DC1-4ABD-A06E-055AE54B337B}">
   <ds:schemaRefs>
     <ds:schemaRef ds:uri="http://schemas.microsoft.com/VisualStudio/2011/storyboarding/control"/>
   </ds:schemaRefs>
 </ds:datastoreItem>
 </file>
 
+<file path=customXml/itemProps50.xml><?xml version="1.0" encoding="utf-8"?>
+<ds:datastoreItem xmlns:ds="http://schemas.openxmlformats.org/officeDocument/2006/customXml" ds:itemID="{8EF535DE-443E-4423-8803-A5D663EFF3B2}">
+  <ds:schemaRefs>
+    <ds:schemaRef ds:uri="http://schemas.microsoft.com/sharepoint/v3/contenttype/forms"/>
+  </ds:schemaRefs>
+</ds:datastoreItem>
+</file>
+
+<file path=customXml/itemProps51.xml><?xml version="1.0" encoding="utf-8"?>
+<ds:datastoreItem xmlns:ds="http://schemas.openxmlformats.org/officeDocument/2006/customXml" ds:itemID="{82DB428A-B8F8-483F-8276-095629A8ECDB}">
+  <ds:schemaRefs>
+    <ds:schemaRef ds:uri="http://schemas.microsoft.com/VisualStudio/2011/storyboarding/control"/>
+  </ds:schemaRefs>
+</ds:datastoreItem>
+</file>
+
+<file path=customXml/itemProps52.xml><?xml version="1.0" encoding="utf-8"?>
+<ds:datastoreItem xmlns:ds="http://schemas.openxmlformats.org/officeDocument/2006/customXml" ds:itemID="{42D603BF-B513-4201-A599-21BA0F4FFC40}">
+  <ds:schemaRefs>
+    <ds:schemaRef ds:uri="http://schemas.microsoft.com/VisualStudio/2011/storyboarding/control"/>
+  </ds:schemaRefs>
+</ds:datastoreItem>
+</file>
+
+<file path=customXml/itemProps53.xml><?xml version="1.0" encoding="utf-8"?>
+<ds:datastoreItem xmlns:ds="http://schemas.openxmlformats.org/officeDocument/2006/customXml" ds:itemID="{C63AC2F0-1DEB-4E91-A88A-7A014A172F4F}">
+  <ds:schemaRefs>
+    <ds:schemaRef ds:uri="http://schemas.microsoft.com/VisualStudio/2011/storyboarding/control"/>
+  </ds:schemaRefs>
+</ds:datastoreItem>
+</file>
+
+<file path=customXml/itemProps54.xml><?xml version="1.0" encoding="utf-8"?>
+<ds:datastoreItem xmlns:ds="http://schemas.openxmlformats.org/officeDocument/2006/customXml" ds:itemID="{F68D8396-E21C-4AFF-8FDD-70D00673D0EE}">
+  <ds:schemaRefs>
+    <ds:schemaRef ds:uri="http://schemas.microsoft.com/VisualStudio/2011/storyboarding/control"/>
+  </ds:schemaRefs>
+</ds:datastoreItem>
+</file>
+
+<file path=customXml/itemProps55.xml><?xml version="1.0" encoding="utf-8"?>
+<ds:datastoreItem xmlns:ds="http://schemas.openxmlformats.org/officeDocument/2006/customXml" ds:itemID="{4378A4E9-AA60-4BA3-8067-B1CEFEF637CD}">
+  <ds:schemaRefs>
+    <ds:schemaRef ds:uri="http://schemas.microsoft.com/sharepoint/v3/contenttype/forms"/>
+  </ds:schemaRefs>
+</ds:datastoreItem>
+</file>
+
+<file path=customXml/itemProps6.xml><?xml version="1.0" encoding="utf-8"?>
+<ds:datastoreItem xmlns:ds="http://schemas.openxmlformats.org/officeDocument/2006/customXml" ds:itemID="{B5105A87-47B6-44F6-97FD-4619C0556604}">
+  <ds:schemaRefs>
+    <ds:schemaRef ds:uri="http://schemas.microsoft.com/VisualStudio/2011/storyboarding/control"/>
+  </ds:schemaRefs>
+</ds:datastoreItem>
+</file>
+
+<file path=customXml/itemProps7.xml><?xml version="1.0" encoding="utf-8"?>
+<ds:datastoreItem xmlns:ds="http://schemas.openxmlformats.org/officeDocument/2006/customXml" ds:itemID="{8E7D1C6F-2F1C-4FF7-8E81-B00199180E81}">
+  <ds:schemaRefs>
+    <ds:schemaRef ds:uri="http://schemas.microsoft.com/sharepoint/v3/contenttype/forms"/>
+  </ds:schemaRefs>
+</ds:datastoreItem>
+</file>
+
 <file path=customXml/itemProps8.xml><?xml version="1.0" encoding="utf-8"?>
-<ds:datastoreItem xmlns:ds="http://schemas.openxmlformats.org/officeDocument/2006/customXml" ds:itemID="{758FDAC0-319D-4A54-8D8E-1D42CB1F8004}">
+<ds:datastoreItem xmlns:ds="http://schemas.openxmlformats.org/officeDocument/2006/customXml" ds:itemID="{D9B2CC65-7352-4418-88DB-351C33D88613}">
   <ds:schemaRefs>
     <ds:schemaRef ds:uri="http://schemas.microsoft.com/sharepoint/v3/contenttype/forms"/>
   </ds:schemaRefs>
@@ -47190,11 +47236,9 @@
 </file>
 
 <file path=customXml/itemProps9.xml><?xml version="1.0" encoding="utf-8"?>
-<ds:datastoreItem xmlns:ds="http://schemas.openxmlformats.org/officeDocument/2006/customXml" ds:itemID="{E5517D1D-A0F7-4038-99B1-CB797994AD5E}">
+<ds:datastoreItem xmlns:ds="http://schemas.openxmlformats.org/officeDocument/2006/customXml" ds:itemID="{2F30C844-8093-47D2-A9B2-B7BEE821CE68}">
   <ds:schemaRefs>
-    <ds:schemaRef ds:uri="http://schemas.microsoft.com/office/2006/metadata/properties"/>
-    <ds:schemaRef ds:uri="http://schemas.microsoft.com/office/infopath/2007/PartnerControls"/>
-    <ds:schemaRef ds:uri="83cd2334-221a-48c3-9034-bfd1542dfe28"/>
+    <ds:schemaRef ds:uri="http://schemas.microsoft.com/sharepoint/v3/contenttype/forms"/>
   </ds:schemaRefs>
 </ds:datastoreItem>
 </file>
--- a/Slides/16 - CallingAPI.pptx
+++ b/Slides/16 - CallingAPI.pptx
@@ -1025,7 +1025,7 @@
               <a:rPr lang="en-US" smtClean="0">
                 <a:latin typeface="Segoe UI" pitchFamily="34" charset="0"/>
               </a:rPr>
-              <a:t>6/9/2019 5:22 PM</a:t>
+              <a:t>6/11/2019 11:05 AM</a:t>
             </a:fld>
             <a:endParaRPr lang="en-US" dirty="0">
               <a:latin typeface="Segoe UI" pitchFamily="34" charset="0"/>
@@ -1303,7 +1303,7 @@
           <a:p>
             <a:fld id="{38EEC551-8CDA-4EB6-89BB-2A86C9F091C8}" type="datetime8">
               <a:rPr lang="en-US" smtClean="0"/>
-              <a:t>6/9/2019 5:22 PM</a:t>
+              <a:t>6/11/2019 11:05 AM</a:t>
             </a:fld>
             <a:endParaRPr lang="en-US" dirty="0"/>
           </a:p>
@@ -1637,7 +1637,7 @@
           <a:p>
             <a:fld id="{6108602D-D426-4C00-B215-BFA18C076426}" type="datetime8">
               <a:rPr lang="en-US" smtClean="0"/>
-              <a:t>6/9/2019 5:22 PM</a:t>
+              <a:t>6/11/2019 11:05 AM</a:t>
             </a:fld>
             <a:endParaRPr lang="en-US" dirty="0"/>
           </a:p>
@@ -40158,88 +40158,6 @@
       </p:sp>
       <p:sp>
         <p:nvSpPr>
-          <p:cNvPr id="8" name="Rectangle: Rounded Corners 7">
-            <a:extLst>
-              <a:ext uri="{FF2B5EF4-FFF2-40B4-BE49-F238E27FC236}">
-                <a16:creationId xmlns:a16="http://schemas.microsoft.com/office/drawing/2014/main" id="{A014B427-F7C1-46C1-A9E7-3C6BA2B70622}"/>
-              </a:ext>
-            </a:extLst>
-          </p:cNvPr>
-          <p:cNvSpPr/>
-          <p:nvPr/>
-        </p:nvSpPr>
-        <p:spPr bwMode="auto">
-          <a:xfrm>
-            <a:off x="8123237" y="6031054"/>
-            <a:ext cx="45719" cy="45719"/>
-          </a:xfrm>
-          <a:prstGeom prst="roundRect">
-            <a:avLst/>
-          </a:prstGeom>
-          <a:solidFill>
-            <a:schemeClr val="accent1"/>
-          </a:solidFill>
-          <a:ln>
-            <a:noFill/>
-            <a:headEnd type="none" w="med" len="med"/>
-            <a:tailEnd type="none" w="med" len="med"/>
-          </a:ln>
-          <a:effectLst/>
-        </p:spPr>
-        <p:style>
-          <a:lnRef idx="1">
-            <a:schemeClr val="accent2"/>
-          </a:lnRef>
-          <a:fillRef idx="3">
-            <a:schemeClr val="accent2"/>
-          </a:fillRef>
-          <a:effectRef idx="2">
-            <a:schemeClr val="accent2"/>
-          </a:effectRef>
-          <a:fontRef idx="minor">
-            <a:schemeClr val="lt1"/>
-          </a:fontRef>
-        </p:style>
-        <p:txBody>
-          <a:bodyPr rot="0" spcFirstLastPara="0" vertOverflow="overflow" horzOverflow="overflow" vert="horz" wrap="square" lIns="182880" tIns="146304" rIns="182880" bIns="146304" numCol="1" spcCol="0" rtlCol="0" fromWordArt="0" anchor="t" anchorCtr="0" forceAA="0" compatLnSpc="1">
-            <a:prstTxWarp prst="textNoShape">
-              <a:avLst/>
-            </a:prstTxWarp>
-            <a:noAutofit/>
-          </a:bodyPr>
-          <a:lstStyle/>
-          <a:p>
-            <a:pPr algn="ctr" defTabSz="932472" fontAlgn="base">
-              <a:lnSpc>
-                <a:spcPct val="90000"/>
-              </a:lnSpc>
-              <a:spcBef>
-                <a:spcPct val="0"/>
-              </a:spcBef>
-              <a:spcAft>
-                <a:spcPct val="0"/>
-              </a:spcAft>
-            </a:pPr>
-            <a:endParaRPr lang="en-CA" sz="2400" dirty="0" err="1">
-              <a:gradFill>
-                <a:gsLst>
-                  <a:gs pos="0">
-                    <a:srgbClr val="FFFFFF"/>
-                  </a:gs>
-                  <a:gs pos="100000">
-                    <a:srgbClr val="FFFFFF"/>
-                  </a:gs>
-                </a:gsLst>
-                <a:lin ang="5400000" scaled="0"/>
-              </a:gradFill>
-              <a:ea typeface="Segoe UI" pitchFamily="34" charset="0"/>
-              <a:cs typeface="Segoe UI" pitchFamily="34" charset="0"/>
-            </a:endParaRPr>
-          </a:p>
-        </p:txBody>
-      </p:sp>
-      <p:sp>
-        <p:nvSpPr>
           <p:cNvPr id="9" name="Rectangle: Rounded Corners 8">
             <a:extLst>
               <a:ext uri="{FF2B5EF4-FFF2-40B4-BE49-F238E27FC236}">
@@ -41197,88 +41115,6 @@
       </p:sp>
       <p:sp>
         <p:nvSpPr>
-          <p:cNvPr id="5" name="Rectangle: Rounded Corners 4">
-            <a:extLst>
-              <a:ext uri="{FF2B5EF4-FFF2-40B4-BE49-F238E27FC236}">
-                <a16:creationId xmlns:a16="http://schemas.microsoft.com/office/drawing/2014/main" id="{7D33E950-B344-4013-A3BE-F4B73297909D}"/>
-              </a:ext>
-            </a:extLst>
-          </p:cNvPr>
-          <p:cNvSpPr/>
-          <p:nvPr/>
-        </p:nvSpPr>
-        <p:spPr bwMode="auto">
-          <a:xfrm>
-            <a:off x="8123237" y="6031054"/>
-            <a:ext cx="45719" cy="45719"/>
-          </a:xfrm>
-          <a:prstGeom prst="roundRect">
-            <a:avLst/>
-          </a:prstGeom>
-          <a:solidFill>
-            <a:schemeClr val="accent1"/>
-          </a:solidFill>
-          <a:ln>
-            <a:noFill/>
-            <a:headEnd type="none" w="med" len="med"/>
-            <a:tailEnd type="none" w="med" len="med"/>
-          </a:ln>
-          <a:effectLst/>
-        </p:spPr>
-        <p:style>
-          <a:lnRef idx="1">
-            <a:schemeClr val="accent2"/>
-          </a:lnRef>
-          <a:fillRef idx="3">
-            <a:schemeClr val="accent2"/>
-          </a:fillRef>
-          <a:effectRef idx="2">
-            <a:schemeClr val="accent2"/>
-          </a:effectRef>
-          <a:fontRef idx="minor">
-            <a:schemeClr val="lt1"/>
-          </a:fontRef>
-        </p:style>
-        <p:txBody>
-          <a:bodyPr rot="0" spcFirstLastPara="0" vertOverflow="overflow" horzOverflow="overflow" vert="horz" wrap="square" lIns="182880" tIns="146304" rIns="182880" bIns="146304" numCol="1" spcCol="0" rtlCol="0" fromWordArt="0" anchor="t" anchorCtr="0" forceAA="0" compatLnSpc="1">
-            <a:prstTxWarp prst="textNoShape">
-              <a:avLst/>
-            </a:prstTxWarp>
-            <a:noAutofit/>
-          </a:bodyPr>
-          <a:lstStyle/>
-          <a:p>
-            <a:pPr algn="ctr" defTabSz="932472" fontAlgn="base">
-              <a:lnSpc>
-                <a:spcPct val="90000"/>
-              </a:lnSpc>
-              <a:spcBef>
-                <a:spcPct val="0"/>
-              </a:spcBef>
-              <a:spcAft>
-                <a:spcPct val="0"/>
-              </a:spcAft>
-            </a:pPr>
-            <a:endParaRPr lang="en-CA" sz="2400" dirty="0" err="1">
-              <a:gradFill>
-                <a:gsLst>
-                  <a:gs pos="0">
-                    <a:srgbClr val="FFFFFF"/>
-                  </a:gs>
-                  <a:gs pos="100000">
-                    <a:srgbClr val="FFFFFF"/>
-                  </a:gs>
-                </a:gsLst>
-                <a:lin ang="5400000" scaled="0"/>
-              </a:gradFill>
-              <a:ea typeface="Segoe UI" pitchFamily="34" charset="0"/>
-              <a:cs typeface="Segoe UI" pitchFamily="34" charset="0"/>
-            </a:endParaRPr>
-          </a:p>
-        </p:txBody>
-      </p:sp>
-      <p:sp>
-        <p:nvSpPr>
           <p:cNvPr id="6" name="Rectangle: Rounded Corners 5">
             <a:extLst>
               <a:ext uri="{FF2B5EF4-FFF2-40B4-BE49-F238E27FC236}">
@@ -42126,88 +41962,6 @@
       </p:sp>
       <p:sp>
         <p:nvSpPr>
-          <p:cNvPr id="5" name="Rectangle: Rounded Corners 4">
-            <a:extLst>
-              <a:ext uri="{FF2B5EF4-FFF2-40B4-BE49-F238E27FC236}">
-                <a16:creationId xmlns:a16="http://schemas.microsoft.com/office/drawing/2014/main" id="{7D33E950-B344-4013-A3BE-F4B73297909D}"/>
-              </a:ext>
-            </a:extLst>
-          </p:cNvPr>
-          <p:cNvSpPr/>
-          <p:nvPr/>
-        </p:nvSpPr>
-        <p:spPr bwMode="auto">
-          <a:xfrm>
-            <a:off x="9740044" y="5125108"/>
-            <a:ext cx="45719" cy="45719"/>
-          </a:xfrm>
-          <a:prstGeom prst="roundRect">
-            <a:avLst/>
-          </a:prstGeom>
-          <a:solidFill>
-            <a:schemeClr val="accent1"/>
-          </a:solidFill>
-          <a:ln>
-            <a:noFill/>
-            <a:headEnd type="none" w="med" len="med"/>
-            <a:tailEnd type="none" w="med" len="med"/>
-          </a:ln>
-          <a:effectLst/>
-        </p:spPr>
-        <p:style>
-          <a:lnRef idx="1">
-            <a:schemeClr val="accent2"/>
-          </a:lnRef>
-          <a:fillRef idx="3">
-            <a:schemeClr val="accent2"/>
-          </a:fillRef>
-          <a:effectRef idx="2">
-            <a:schemeClr val="accent2"/>
-          </a:effectRef>
-          <a:fontRef idx="minor">
-            <a:schemeClr val="lt1"/>
-          </a:fontRef>
-        </p:style>
-        <p:txBody>
-          <a:bodyPr rot="0" spcFirstLastPara="0" vertOverflow="overflow" horzOverflow="overflow" vert="horz" wrap="square" lIns="182880" tIns="146304" rIns="182880" bIns="146304" numCol="1" spcCol="0" rtlCol="0" fromWordArt="0" anchor="t" anchorCtr="0" forceAA="0" compatLnSpc="1">
-            <a:prstTxWarp prst="textNoShape">
-              <a:avLst/>
-            </a:prstTxWarp>
-            <a:noAutofit/>
-          </a:bodyPr>
-          <a:lstStyle/>
-          <a:p>
-            <a:pPr algn="ctr" defTabSz="932472" fontAlgn="base">
-              <a:lnSpc>
-                <a:spcPct val="90000"/>
-              </a:lnSpc>
-              <a:spcBef>
-                <a:spcPct val="0"/>
-              </a:spcBef>
-              <a:spcAft>
-                <a:spcPct val="0"/>
-              </a:spcAft>
-            </a:pPr>
-            <a:endParaRPr lang="en-CA" sz="2400" dirty="0" err="1">
-              <a:gradFill>
-                <a:gsLst>
-                  <a:gs pos="0">
-                    <a:srgbClr val="FFFFFF"/>
-                  </a:gs>
-                  <a:gs pos="100000">
-                    <a:srgbClr val="FFFFFF"/>
-                  </a:gs>
-                </a:gsLst>
-                <a:lin ang="5400000" scaled="0"/>
-              </a:gradFill>
-              <a:ea typeface="Segoe UI" pitchFamily="34" charset="0"/>
-              <a:cs typeface="Segoe UI" pitchFamily="34" charset="0"/>
-            </a:endParaRPr>
-          </a:p>
-        </p:txBody>
-      </p:sp>
-      <p:sp>
-        <p:nvSpPr>
           <p:cNvPr id="6" name="Rectangle: Rounded Corners 5">
             <a:extLst>
               <a:ext uri="{FF2B5EF4-FFF2-40B4-BE49-F238E27FC236}">
@@ -42823,88 +42577,6 @@
               <a:t>contoso</a:t>
             </a:r>
             <a:endParaRPr lang="en-CA" sz="2400" dirty="0">
-              <a:gradFill>
-                <a:gsLst>
-                  <a:gs pos="0">
-                    <a:srgbClr val="FFFFFF"/>
-                  </a:gs>
-                  <a:gs pos="100000">
-                    <a:srgbClr val="FFFFFF"/>
-                  </a:gs>
-                </a:gsLst>
-                <a:lin ang="5400000" scaled="0"/>
-              </a:gradFill>
-              <a:ea typeface="Segoe UI" pitchFamily="34" charset="0"/>
-              <a:cs typeface="Segoe UI" pitchFamily="34" charset="0"/>
-            </a:endParaRPr>
-          </a:p>
-        </p:txBody>
-      </p:sp>
-      <p:sp>
-        <p:nvSpPr>
-          <p:cNvPr id="5" name="Rectangle: Rounded Corners 4">
-            <a:extLst>
-              <a:ext uri="{FF2B5EF4-FFF2-40B4-BE49-F238E27FC236}">
-                <a16:creationId xmlns:a16="http://schemas.microsoft.com/office/drawing/2014/main" id="{7D33E950-B344-4013-A3BE-F4B73297909D}"/>
-              </a:ext>
-            </a:extLst>
-          </p:cNvPr>
-          <p:cNvSpPr/>
-          <p:nvPr/>
-        </p:nvSpPr>
-        <p:spPr bwMode="auto">
-          <a:xfrm>
-            <a:off x="6904038" y="5125108"/>
-            <a:ext cx="45719" cy="45719"/>
-          </a:xfrm>
-          <a:prstGeom prst="roundRect">
-            <a:avLst/>
-          </a:prstGeom>
-          <a:solidFill>
-            <a:schemeClr val="accent1"/>
-          </a:solidFill>
-          <a:ln>
-            <a:noFill/>
-            <a:headEnd type="none" w="med" len="med"/>
-            <a:tailEnd type="none" w="med" len="med"/>
-          </a:ln>
-          <a:effectLst/>
-        </p:spPr>
-        <p:style>
-          <a:lnRef idx="1">
-            <a:schemeClr val="accent2"/>
-          </a:lnRef>
-          <a:fillRef idx="3">
-            <a:schemeClr val="accent2"/>
-          </a:fillRef>
-          <a:effectRef idx="2">
-            <a:schemeClr val="accent2"/>
-          </a:effectRef>
-          <a:fontRef idx="minor">
-            <a:schemeClr val="lt1"/>
-          </a:fontRef>
-        </p:style>
-        <p:txBody>
-          <a:bodyPr rot="0" spcFirstLastPara="0" vertOverflow="overflow" horzOverflow="overflow" vert="horz" wrap="square" lIns="182880" tIns="146304" rIns="182880" bIns="146304" numCol="1" spcCol="0" rtlCol="0" fromWordArt="0" anchor="t" anchorCtr="0" forceAA="0" compatLnSpc="1">
-            <a:prstTxWarp prst="textNoShape">
-              <a:avLst/>
-            </a:prstTxWarp>
-            <a:noAutofit/>
-          </a:bodyPr>
-          <a:lstStyle/>
-          <a:p>
-            <a:pPr algn="ctr" defTabSz="932472" fontAlgn="base">
-              <a:lnSpc>
-                <a:spcPct val="90000"/>
-              </a:lnSpc>
-              <a:spcBef>
-                <a:spcPct val="0"/>
-              </a:spcBef>
-              <a:spcAft>
-                <a:spcPct val="0"/>
-              </a:spcAft>
-            </a:pPr>
-            <a:endParaRPr lang="en-CA" sz="2400" dirty="0" err="1">
               <a:gradFill>
                 <a:gsLst>
                   <a:gs pos="0">
@@ -46047,11 +45719,23 @@
 
 <file path=customXml/item1.xml><?xml version="1.0" encoding="utf-8"?>
 <Control xmlns="http://schemas.microsoft.com/VisualStudio/2011/storyboarding/control">
+  <Id Name="a2191c86-fc50-4add-948c-129f6b5a88d8" Revision="1" Stencil="7276b9ef-3953-4dce-a89b-ed85f20b8b93" StencilVersion="1.0"/>
+</Control>
+</file>
+
+<file path=customXml/item10.xml><?xml version="1.0" encoding="utf-8"?>
+<Control xmlns="http://schemas.microsoft.com/VisualStudio/2011/storyboarding/control">
+  <Id Name="d69996e1-3d61-4686-9b63-f1b855c596ab" Revision="1" Stencil="7276b9ef-3953-4dce-a89b-ed85f20b8b93" StencilVersion="1.0"/>
+</Control>
+</file>
+
+<file path=customXml/item11.xml><?xml version="1.0" encoding="utf-8"?>
+<Control xmlns="http://schemas.microsoft.com/VisualStudio/2011/storyboarding/control">
   <Id Name="a53d73d2-368b-429e-b817-1324eec1382c" Revision="1" Stencil="7276b9ef-3953-4dce-a89b-ed85f20b8b93" StencilVersion="1.0"/>
 </Control>
 </file>
 
-<file path=customXml/item10.xml><?xml version="1.0" encoding="utf-8"?>
+<file path=customXml/item12.xml><?xml version="1.0" encoding="utf-8"?>
 <p:properties xmlns:p="http://schemas.microsoft.com/office/2006/metadata/properties" xmlns:xsi="http://www.w3.org/2001/XMLSchema-instance" xmlns:pc="http://schemas.microsoft.com/office/infopath/2007/PartnerControls">
   <documentManagement>
     <SharedWithUsers xmlns="83cd2334-221a-48c3-9034-bfd1542dfe28">
@@ -46075,7 +45759,7 @@
 </p:properties>
 </file>
 
-<file path=customXml/item11.xml><?xml version="1.0" encoding="utf-8"?>
+<file path=customXml/item13.xml><?xml version="1.0" encoding="utf-8"?>
 <p:properties xmlns:p="http://schemas.microsoft.com/office/2006/metadata/properties" xmlns:xsi="http://www.w3.org/2001/XMLSchema-instance" xmlns:pc="http://schemas.microsoft.com/office/infopath/2007/PartnerControls">
   <documentManagement>
     <SharedWithUsers xmlns="83cd2334-221a-48c3-9034-bfd1542dfe28">
@@ -46099,88 +45783,25 @@
 </p:properties>
 </file>
 
-<file path=customXml/item12.xml><?xml version="1.0" encoding="utf-8"?>
+<file path=customXml/item14.xml><?xml version="1.0" encoding="utf-8"?>
 <Control xmlns="http://schemas.microsoft.com/VisualStudio/2011/storyboarding/control">
-  <Id Name="a2191c86-fc50-4add-948c-129f6b5a88d8" Revision="1" Stencil="7276b9ef-3953-4dce-a89b-ed85f20b8b93" StencilVersion="1.0"/>
+  <Id Name="d69996e1-3d61-4686-9b63-f1b855c596ab" Revision="1" Stencil="7276b9ef-3953-4dce-a89b-ed85f20b8b93" StencilVersion="1.0"/>
 </Control>
 </file>
 
-<file path=customXml/item13.xml><?xml version="1.0" encoding="utf-8"?>
-<?mso-contentType ?>
-<FormTemplates xmlns="http://schemas.microsoft.com/sharepoint/v3/contenttype/forms">
-  <Display>DocumentLibraryForm</Display>
-  <Edit>DocumentLibraryForm</Edit>
-  <New>DocumentLibraryForm</New>
-</FormTemplates>
+<file path=customXml/item15.xml><?xml version="1.0" encoding="utf-8"?>
+<Control xmlns="http://schemas.microsoft.com/VisualStudio/2011/storyboarding/control">
+  <Id Name="369f9055-6b6c-48b9-9320-5df2d46c430a" Revision="1" Stencil="7276b9ef-3953-4dce-a89b-ed85f20b8b93" StencilVersion="1.0"/>
+</Control>
 </file>
 
-<file path=customXml/item14.xml><?xml version="1.0" encoding="utf-8"?>
+<file path=customXml/item16.xml><?xml version="1.0" encoding="utf-8"?>
 <Control xmlns="http://schemas.microsoft.com/VisualStudio/2011/storyboarding/control">
   <Id Name="fb22c541-ded0-47fa-8877-83a4c2d16227" Revision="1" Stencil="7276b9ef-3953-4dce-a89b-ed85f20b8b93" StencilVersion="1.0"/>
 </Control>
 </file>
 
-<file path=customXml/item15.xml><?xml version="1.0" encoding="utf-8"?>
-<Control xmlns="http://schemas.microsoft.com/VisualStudio/2011/storyboarding/control">
-  <Id Name="fb22c541-ded0-47fa-8877-83a4c2d16227" Revision="1" Stencil="7276b9ef-3953-4dce-a89b-ed85f20b8b93" StencilVersion="1.0"/>
-</Control>
-</file>
-
-<file path=customXml/item16.xml><?xml version="1.0" encoding="utf-8"?>
-<?mso-contentType ?>
-<FormTemplates xmlns="http://schemas.microsoft.com/sharepoint/v3/contenttype/forms">
-  <Display>DocumentLibraryForm</Display>
-  <Edit>DocumentLibraryForm</Edit>
-  <New>DocumentLibraryForm</New>
-</FormTemplates>
-</file>
-
 <file path=customXml/item17.xml><?xml version="1.0" encoding="utf-8"?>
-<Control xmlns="http://schemas.microsoft.com/VisualStudio/2011/storyboarding/control">
-  <Id Name="a2191c86-fc50-4add-948c-129f6b5a88d8" Revision="1" Stencil="7276b9ef-3953-4dce-a89b-ed85f20b8b93" StencilVersion="1.0"/>
-</Control>
-</file>
-
-<file path=customXml/item18.xml><?xml version="1.0" encoding="utf-8"?>
-<Control xmlns="http://schemas.microsoft.com/VisualStudio/2011/storyboarding/control">
-  <Id Name="a53d73d2-368b-429e-b817-1324eec1382c" Revision="1" Stencil="7276b9ef-3953-4dce-a89b-ed85f20b8b93" StencilVersion="1.0"/>
-</Control>
-</file>
-
-<file path=customXml/item19.xml><?xml version="1.0" encoding="utf-8"?>
-<Control xmlns="http://schemas.microsoft.com/VisualStudio/2011/storyboarding/control">
-  <Id Name="fb22c541-ded0-47fa-8877-83a4c2d16227" Revision="1" Stencil="7276b9ef-3953-4dce-a89b-ed85f20b8b93" StencilVersion="1.0"/>
-</Control>
-</file>
-
-<file path=customXml/item2.xml><?xml version="1.0" encoding="utf-8"?>
-<Control xmlns="http://schemas.microsoft.com/VisualStudio/2011/storyboarding/control">
-  <Id Name="d69996e1-3d61-4686-9b63-f1b855c596ab" Revision="1" Stencil="7276b9ef-3953-4dce-a89b-ed85f20b8b93" StencilVersion="1.0"/>
-</Control>
-</file>
-
-<file path=customXml/item20.xml><?xml version="1.0" encoding="utf-8"?>
-<Control xmlns="http://schemas.microsoft.com/VisualStudio/2011/storyboarding/control">
-  <Id Name="369f9055-6b6c-48b9-9320-5df2d46c430a" Revision="1" Stencil="7276b9ef-3953-4dce-a89b-ed85f20b8b93" StencilVersion="1.0"/>
-</Control>
-</file>
-
-<file path=customXml/item21.xml><?xml version="1.0" encoding="utf-8"?>
-<?mso-contentType ?>
-<FormTemplates xmlns="http://schemas.microsoft.com/sharepoint/v3/contenttype/forms">
-  <Display>DocumentLibraryForm</Display>
-  <Edit>DocumentLibraryForm</Edit>
-  <New>DocumentLibraryForm</New>
-</FormTemplates>
-</file>
-
-<file path=customXml/item22.xml><?xml version="1.0" encoding="utf-8"?>
-<Control xmlns="http://schemas.microsoft.com/VisualStudio/2011/storyboarding/control">
-  <Id Name="a53d73d2-368b-429e-b817-1324eec1382c" Revision="1" Stencil="7276b9ef-3953-4dce-a89b-ed85f20b8b93" StencilVersion="1.0"/>
-</Control>
-</file>
-
-<file path=customXml/item23.xml><?xml version="1.0" encoding="utf-8"?>
 <p:properties xmlns:p="http://schemas.microsoft.com/office/2006/metadata/properties" xmlns:xsi="http://www.w3.org/2001/XMLSchema-instance" xmlns:pc="http://schemas.microsoft.com/office/infopath/2007/PartnerControls">
   <documentManagement>
     <SharedWithUsers xmlns="83cd2334-221a-48c3-9034-bfd1542dfe28">
@@ -46204,13 +45825,7 @@
 </p:properties>
 </file>
 
-<file path=customXml/item24.xml><?xml version="1.0" encoding="utf-8"?>
-<Control xmlns="http://schemas.microsoft.com/VisualStudio/2011/storyboarding/control">
-  <Id Name="a53d73d2-368b-429e-b817-1324eec1382c" Revision="1" Stencil="7276b9ef-3953-4dce-a89b-ed85f20b8b93" StencilVersion="1.0"/>
-</Control>
-</file>
-
-<file path=customXml/item25.xml><?xml version="1.0" encoding="utf-8"?>
+<file path=customXml/item18.xml><?xml version="1.0" encoding="utf-8"?>
 <p:properties xmlns:p="http://schemas.microsoft.com/office/2006/metadata/properties" xmlns:xsi="http://www.w3.org/2001/XMLSchema-instance" xmlns:pc="http://schemas.microsoft.com/office/infopath/2007/PartnerControls">
   <documentManagement>
     <SharedWithUsers xmlns="83cd2334-221a-48c3-9034-bfd1542dfe28">
@@ -46234,148 +45849,7 @@
 </p:properties>
 </file>
 
-<file path=customXml/item26.xml><?xml version="1.0" encoding="utf-8"?>
-<Control xmlns="http://schemas.microsoft.com/VisualStudio/2011/storyboarding/control">
-  <Id Name="369f9055-6b6c-48b9-9320-5df2d46c430a" Revision="1" Stencil="7276b9ef-3953-4dce-a89b-ed85f20b8b93" StencilVersion="1.0"/>
-</Control>
-</file>
-
-<file path=customXml/item27.xml><?xml version="1.0" encoding="utf-8"?>
-<Control xmlns="http://schemas.microsoft.com/VisualStudio/2011/storyboarding/control">
-  <Id Name="a2191c86-fc50-4add-948c-129f6b5a88d8" Revision="1" Stencil="7276b9ef-3953-4dce-a89b-ed85f20b8b93" StencilVersion="1.0"/>
-</Control>
-</file>
-
-<file path=customXml/item28.xml><?xml version="1.0" encoding="utf-8"?>
-<p:properties xmlns:p="http://schemas.microsoft.com/office/2006/metadata/properties" xmlns:xsi="http://www.w3.org/2001/XMLSchema-instance" xmlns:pc="http://schemas.microsoft.com/office/infopath/2007/PartnerControls">
-  <documentManagement>
-    <SharedWithUsers xmlns="83cd2334-221a-48c3-9034-bfd1542dfe28">
-      <UserInfo>
-        <DisplayName>Gilad Turbahn</DisplayName>
-        <AccountId>511</AccountId>
-        <AccountType/>
-      </UserInfo>
-      <UserInfo>
-        <DisplayName>Keith Boyd</DisplayName>
-        <AccountId>993</AccountId>
-        <AccountType/>
-      </UserInfo>
-      <UserInfo>
-        <DisplayName>Christopher Harrison</DisplayName>
-        <AccountId>1176</AccountId>
-        <AccountType/>
-      </UserInfo>
-    </SharedWithUsers>
-  </documentManagement>
-</p:properties>
-</file>
-
-<file path=customXml/item29.xml><?xml version="1.0" encoding="utf-8"?>
-<p:properties xmlns:p="http://schemas.microsoft.com/office/2006/metadata/properties" xmlns:xsi="http://www.w3.org/2001/XMLSchema-instance" xmlns:pc="http://schemas.microsoft.com/office/infopath/2007/PartnerControls">
-  <documentManagement>
-    <SharedWithUsers xmlns="83cd2334-221a-48c3-9034-bfd1542dfe28">
-      <UserInfo>
-        <DisplayName>Gilad Turbahn</DisplayName>
-        <AccountId>511</AccountId>
-        <AccountType/>
-      </UserInfo>
-      <UserInfo>
-        <DisplayName>Keith Boyd</DisplayName>
-        <AccountId>993</AccountId>
-        <AccountType/>
-      </UserInfo>
-      <UserInfo>
-        <DisplayName>Christopher Harrison</DisplayName>
-        <AccountId>1176</AccountId>
-        <AccountType/>
-      </UserInfo>
-    </SharedWithUsers>
-  </documentManagement>
-</p:properties>
-</file>
-
-<file path=customXml/item3.xml><?xml version="1.0" encoding="utf-8"?>
-<Control xmlns="http://schemas.microsoft.com/VisualStudio/2011/storyboarding/control">
-  <Id Name="d69996e1-3d61-4686-9b63-f1b855c596ab" Revision="1" Stencil="7276b9ef-3953-4dce-a89b-ed85f20b8b93" StencilVersion="1.0"/>
-</Control>
-</file>
-
-<file path=customXml/item30.xml><?xml version="1.0" encoding="utf-8"?>
-<p:properties xmlns:p="http://schemas.microsoft.com/office/2006/metadata/properties" xmlns:xsi="http://www.w3.org/2001/XMLSchema-instance" xmlns:pc="http://schemas.microsoft.com/office/infopath/2007/PartnerControls">
-  <documentManagement>
-    <SharedWithUsers xmlns="83cd2334-221a-48c3-9034-bfd1542dfe28">
-      <UserInfo>
-        <DisplayName>Gilad Turbahn</DisplayName>
-        <AccountId>511</AccountId>
-        <AccountType/>
-      </UserInfo>
-      <UserInfo>
-        <DisplayName>Keith Boyd</DisplayName>
-        <AccountId>993</AccountId>
-        <AccountType/>
-      </UserInfo>
-      <UserInfo>
-        <DisplayName>Christopher Harrison</DisplayName>
-        <AccountId>1176</AccountId>
-        <AccountType/>
-      </UserInfo>
-    </SharedWithUsers>
-  </documentManagement>
-</p:properties>
-</file>
-
-<file path=customXml/item31.xml><?xml version="1.0" encoding="utf-8"?>
-<Control xmlns="http://schemas.microsoft.com/VisualStudio/2011/storyboarding/control">
-  <Id Name="a2191c86-fc50-4add-948c-129f6b5a88d8" Revision="1" Stencil="7276b9ef-3953-4dce-a89b-ed85f20b8b93" StencilVersion="1.0"/>
-</Control>
-</file>
-
-<file path=customXml/item32.xml><?xml version="1.0" encoding="utf-8"?>
-<Control xmlns="http://schemas.microsoft.com/VisualStudio/2011/storyboarding/control">
-  <Id Name="d69996e1-3d61-4686-9b63-f1b855c596ab" Revision="1" Stencil="7276b9ef-3953-4dce-a89b-ed85f20b8b93" StencilVersion="1.0"/>
-</Control>
-</file>
-
-<file path=customXml/item33.xml><?xml version="1.0" encoding="utf-8"?>
-<?mso-contentType ?>
-<FormTemplates xmlns="http://schemas.microsoft.com/sharepoint/v3/contenttype/forms">
-  <Display>DocumentLibraryForm</Display>
-  <Edit>DocumentLibraryForm</Edit>
-  <New>DocumentLibraryForm</New>
-</FormTemplates>
-</file>
-
-<file path=customXml/item34.xml><?xml version="1.0" encoding="utf-8"?>
-<Control xmlns="http://schemas.microsoft.com/VisualStudio/2011/storyboarding/control">
-  <Id Name="a2191c86-fc50-4add-948c-129f6b5a88d8" Revision="1" Stencil="7276b9ef-3953-4dce-a89b-ed85f20b8b93" StencilVersion="1.0"/>
-</Control>
-</file>
-
-<file path=customXml/item35.xml><?xml version="1.0" encoding="utf-8"?>
-<p:properties xmlns:p="http://schemas.microsoft.com/office/2006/metadata/properties" xmlns:xsi="http://www.w3.org/2001/XMLSchema-instance" xmlns:pc="http://schemas.microsoft.com/office/infopath/2007/PartnerControls">
-  <documentManagement>
-    <SharedWithUsers xmlns="83cd2334-221a-48c3-9034-bfd1542dfe28">
-      <UserInfo>
-        <DisplayName>Gilad Turbahn</DisplayName>
-        <AccountId>511</AccountId>
-        <AccountType/>
-      </UserInfo>
-      <UserInfo>
-        <DisplayName>Keith Boyd</DisplayName>
-        <AccountId>993</AccountId>
-        <AccountType/>
-      </UserInfo>
-      <UserInfo>
-        <DisplayName>Christopher Harrison</DisplayName>
-        <AccountId>1176</AccountId>
-        <AccountType/>
-      </UserInfo>
-    </SharedWithUsers>
-  </documentManagement>
-</p:properties>
-</file>
-
-<file path=customXml/item36.xml><?xml version="1.0" encoding="utf-8"?>
+<file path=customXml/item19.xml><?xml version="1.0" encoding="utf-8"?>
 <ct:contentTypeSchema xmlns:ct="http://schemas.microsoft.com/office/2006/metadata/contentType" xmlns:ma="http://schemas.microsoft.com/office/2006/metadata/properties/metaAttributes" ct:_="" ma:_="" ma:contentTypeName="Document" ma:contentTypeID="0x010100674EDBEC711BD14FBA6FF5C10FEFEAC7" ma:contentTypeVersion="2" ma:contentTypeDescription="Create a new document." ma:contentTypeScope="" ma:versionID="2439c5e21841780d4f192983b535a097">
   <xsd:schema xmlns:xsd="http://www.w3.org/2001/XMLSchema" xmlns:xs="http://www.w3.org/2001/XMLSchema" xmlns:p="http://schemas.microsoft.com/office/2006/metadata/properties" xmlns:ns2="83cd2334-221a-48c3-9034-bfd1542dfe28" targetNamespace="http://schemas.microsoft.com/office/2006/metadata/properties" ma:root="true" ma:fieldsID="2bca9163d8d0b233c3086236a9289b04" ns2:_="">
     <xsd:import namespace="83cd2334-221a-48c3-9034-bfd1542dfe28"/>
@@ -46523,19 +45997,31 @@
 </ct:contentTypeSchema>
 </file>
 
-<file path=customXml/item37.xml><?xml version="1.0" encoding="utf-8"?>
+<file path=customXml/item2.xml><?xml version="1.0" encoding="utf-8"?>
+<?mso-contentType ?>
+<FormTemplates xmlns="http://schemas.microsoft.com/sharepoint/v3/contenttype/forms">
+  <Display>DocumentLibraryForm</Display>
+  <Edit>DocumentLibraryForm</Edit>
+  <New>DocumentLibraryForm</New>
+</FormTemplates>
+</file>
+
+<file path=customXml/item20.xml><?xml version="1.0" encoding="utf-8"?>
+<?mso-contentType ?>
+<FormTemplates xmlns="http://schemas.microsoft.com/sharepoint/v3/contenttype/forms">
+  <Display>DocumentLibraryForm</Display>
+  <Edit>DocumentLibraryForm</Edit>
+  <New>DocumentLibraryForm</New>
+</FormTemplates>
+</file>
+
+<file path=customXml/item21.xml><?xml version="1.0" encoding="utf-8"?>
 <Control xmlns="http://schemas.microsoft.com/VisualStudio/2011/storyboarding/control">
-  <Id Name="a53d73d2-368b-429e-b817-1324eec1382c" Revision="1" Stencil="7276b9ef-3953-4dce-a89b-ed85f20b8b93" StencilVersion="1.0"/>
+  <Id Name="fb22c541-ded0-47fa-8877-83a4c2d16227" Revision="1" Stencil="7276b9ef-3953-4dce-a89b-ed85f20b8b93" StencilVersion="1.0"/>
 </Control>
 </file>
 
-<file path=customXml/item38.xml><?xml version="1.0" encoding="utf-8"?>
-<Control xmlns="http://schemas.microsoft.com/VisualStudio/2011/storyboarding/control">
-  <Id Name="d69996e1-3d61-4686-9b63-f1b855c596ab" Revision="1" Stencil="7276b9ef-3953-4dce-a89b-ed85f20b8b93" StencilVersion="1.0"/>
-</Control>
-</file>
-
-<file path=customXml/item39.xml><?xml version="1.0" encoding="utf-8"?>
+<file path=customXml/item22.xml><?xml version="1.0" encoding="utf-8"?>
 <p:properties xmlns:p="http://schemas.microsoft.com/office/2006/metadata/properties" xmlns:xsi="http://www.w3.org/2001/XMLSchema-instance" xmlns:pc="http://schemas.microsoft.com/office/infopath/2007/PartnerControls">
   <documentManagement>
     <SharedWithUsers xmlns="83cd2334-221a-48c3-9034-bfd1542dfe28">
@@ -46559,10 +46045,187 @@
 </p:properties>
 </file>
 
-<file path=customXml/item4.xml><?xml version="1.0" encoding="utf-8"?>
+<file path=customXml/item23.xml><?xml version="1.0" encoding="utf-8"?>
+<Control xmlns="http://schemas.microsoft.com/VisualStudio/2011/storyboarding/control">
+  <Id Name="a2191c86-fc50-4add-948c-129f6b5a88d8" Revision="1" Stencil="7276b9ef-3953-4dce-a89b-ed85f20b8b93" StencilVersion="1.0"/>
+</Control>
+</file>
+
+<file path=customXml/item24.xml><?xml version="1.0" encoding="utf-8"?>
+<Control xmlns="http://schemas.microsoft.com/VisualStudio/2011/storyboarding/control">
+  <Id Name="369f9055-6b6c-48b9-9320-5df2d46c430a" Revision="1" Stencil="7276b9ef-3953-4dce-a89b-ed85f20b8b93" StencilVersion="1.0"/>
+</Control>
+</file>
+
+<file path=customXml/item25.xml><?xml version="1.0" encoding="utf-8"?>
+<Control xmlns="http://schemas.microsoft.com/VisualStudio/2011/storyboarding/control">
+  <Id Name="369f9055-6b6c-48b9-9320-5df2d46c430a" Revision="1" Stencil="7276b9ef-3953-4dce-a89b-ed85f20b8b93" StencilVersion="1.0"/>
+</Control>
+</file>
+
+<file path=customXml/item26.xml><?xml version="1.0" encoding="utf-8"?>
+<Control xmlns="http://schemas.microsoft.com/VisualStudio/2011/storyboarding/control">
+  <Id Name="fb22c541-ded0-47fa-8877-83a4c2d16227" Revision="1" Stencil="7276b9ef-3953-4dce-a89b-ed85f20b8b93" StencilVersion="1.0"/>
+</Control>
+</file>
+
+<file path=customXml/item27.xml><?xml version="1.0" encoding="utf-8"?>
+<Control xmlns="http://schemas.microsoft.com/VisualStudio/2011/storyboarding/control">
+  <Id Name="a53d73d2-368b-429e-b817-1324eec1382c" Revision="1" Stencil="7276b9ef-3953-4dce-a89b-ed85f20b8b93" StencilVersion="1.0"/>
+</Control>
+</file>
+
+<file path=customXml/item28.xml><?xml version="1.0" encoding="utf-8"?>
+<Control xmlns="http://schemas.microsoft.com/VisualStudio/2011/storyboarding/control">
+  <Id Name="a2191c86-fc50-4add-948c-129f6b5a88d8" Revision="1" Stencil="7276b9ef-3953-4dce-a89b-ed85f20b8b93" StencilVersion="1.0"/>
+</Control>
+</file>
+
+<file path=customXml/item29.xml><?xml version="1.0" encoding="utf-8"?>
+<p:properties xmlns:p="http://schemas.microsoft.com/office/2006/metadata/properties" xmlns:xsi="http://www.w3.org/2001/XMLSchema-instance" xmlns:pc="http://schemas.microsoft.com/office/infopath/2007/PartnerControls">
+  <documentManagement>
+    <SharedWithUsers xmlns="83cd2334-221a-48c3-9034-bfd1542dfe28">
+      <UserInfo>
+        <DisplayName>Gilad Turbahn</DisplayName>
+        <AccountId>511</AccountId>
+        <AccountType/>
+      </UserInfo>
+      <UserInfo>
+        <DisplayName>Keith Boyd</DisplayName>
+        <AccountId>993</AccountId>
+        <AccountType/>
+      </UserInfo>
+      <UserInfo>
+        <DisplayName>Christopher Harrison</DisplayName>
+        <AccountId>1176</AccountId>
+        <AccountType/>
+      </UserInfo>
+    </SharedWithUsers>
+  </documentManagement>
+</p:properties>
+</file>
+
+<file path=customXml/item3.xml><?xml version="1.0" encoding="utf-8"?>
+<?mso-contentType ?>
+<FormTemplates xmlns="http://schemas.microsoft.com/sharepoint/v3/contenttype/forms">
+  <Display>DocumentLibraryForm</Display>
+  <Edit>DocumentLibraryForm</Edit>
+  <New>DocumentLibraryForm</New>
+</FormTemplates>
+</file>
+
+<file path=customXml/item30.xml><?xml version="1.0" encoding="utf-8"?>
+<p:properties xmlns:p="http://schemas.microsoft.com/office/2006/metadata/properties" xmlns:xsi="http://www.w3.org/2001/XMLSchema-instance" xmlns:pc="http://schemas.microsoft.com/office/infopath/2007/PartnerControls">
+  <documentManagement>
+    <SharedWithUsers xmlns="83cd2334-221a-48c3-9034-bfd1542dfe28">
+      <UserInfo>
+        <DisplayName>Gilad Turbahn</DisplayName>
+        <AccountId>511</AccountId>
+        <AccountType/>
+      </UserInfo>
+      <UserInfo>
+        <DisplayName>Keith Boyd</DisplayName>
+        <AccountId>993</AccountId>
+        <AccountType/>
+      </UserInfo>
+      <UserInfo>
+        <DisplayName>Christopher Harrison</DisplayName>
+        <AccountId>1176</AccountId>
+        <AccountType/>
+      </UserInfo>
+    </SharedWithUsers>
+  </documentManagement>
+</p:properties>
+</file>
+
+<file path=customXml/item31.xml><?xml version="1.0" encoding="utf-8"?>
+<?mso-contentType ?>
+<FormTemplates xmlns="http://schemas.microsoft.com/sharepoint/v3/contenttype/forms">
+  <Display>DocumentLibraryForm</Display>
+  <Edit>DocumentLibraryForm</Edit>
+  <New>DocumentLibraryForm</New>
+</FormTemplates>
+</file>
+
+<file path=customXml/item32.xml><?xml version="1.0" encoding="utf-8"?>
+<p:properties xmlns:p="http://schemas.microsoft.com/office/2006/metadata/properties" xmlns:xsi="http://www.w3.org/2001/XMLSchema-instance" xmlns:pc="http://schemas.microsoft.com/office/infopath/2007/PartnerControls">
+  <documentManagement>
+    <SharedWithUsers xmlns="83cd2334-221a-48c3-9034-bfd1542dfe28">
+      <UserInfo>
+        <DisplayName>Gilad Turbahn</DisplayName>
+        <AccountId>511</AccountId>
+        <AccountType/>
+      </UserInfo>
+      <UserInfo>
+        <DisplayName>Keith Boyd</DisplayName>
+        <AccountId>993</AccountId>
+        <AccountType/>
+      </UserInfo>
+      <UserInfo>
+        <DisplayName>Christopher Harrison</DisplayName>
+        <AccountId>1176</AccountId>
+        <AccountType/>
+      </UserInfo>
+    </SharedWithUsers>
+  </documentManagement>
+</p:properties>
+</file>
+
+<file path=customXml/item33.xml><?xml version="1.0" encoding="utf-8"?>
 <Control xmlns="http://schemas.microsoft.com/VisualStudio/2011/storyboarding/control">
   <Id Name="d69996e1-3d61-4686-9b63-f1b855c596ab" Revision="1" Stencil="7276b9ef-3953-4dce-a89b-ed85f20b8b93" StencilVersion="1.0"/>
 </Control>
+</file>
+
+<file path=customXml/item34.xml><?xml version="1.0" encoding="utf-8"?>
+<?mso-contentType ?>
+<FormTemplates xmlns="http://schemas.microsoft.com/sharepoint/v3/contenttype/forms">
+  <Display>DocumentLibraryForm</Display>
+  <Edit>DocumentLibraryForm</Edit>
+  <New>DocumentLibraryForm</New>
+</FormTemplates>
+</file>
+
+<file path=customXml/item35.xml><?xml version="1.0" encoding="utf-8"?>
+<?mso-contentType ?>
+<FormTemplates xmlns="http://schemas.microsoft.com/sharepoint/v3/contenttype/forms">
+  <Display>DocumentLibraryForm</Display>
+  <Edit>DocumentLibraryForm</Edit>
+  <New>DocumentLibraryForm</New>
+</FormTemplates>
+</file>
+
+<file path=customXml/item36.xml><?xml version="1.0" encoding="utf-8"?>
+<Control xmlns="http://schemas.microsoft.com/VisualStudio/2011/storyboarding/control">
+  <Id Name="369f9055-6b6c-48b9-9320-5df2d46c430a" Revision="1" Stencil="7276b9ef-3953-4dce-a89b-ed85f20b8b93" StencilVersion="1.0"/>
+</Control>
+</file>
+
+<file path=customXml/item37.xml><?xml version="1.0" encoding="utf-8"?>
+<Control xmlns="http://schemas.microsoft.com/VisualStudio/2011/storyboarding/control">
+  <Id Name="d69996e1-3d61-4686-9b63-f1b855c596ab" Revision="1" Stencil="7276b9ef-3953-4dce-a89b-ed85f20b8b93" StencilVersion="1.0"/>
+</Control>
+</file>
+
+<file path=customXml/item38.xml><?xml version="1.0" encoding="utf-8"?>
+<Control xmlns="http://schemas.microsoft.com/VisualStudio/2011/storyboarding/control">
+  <Id Name="a2191c86-fc50-4add-948c-129f6b5a88d8" Revision="1" Stencil="7276b9ef-3953-4dce-a89b-ed85f20b8b93" StencilVersion="1.0"/>
+</Control>
+</file>
+
+<file path=customXml/item39.xml><?xml version="1.0" encoding="utf-8"?>
+<Control xmlns="http://schemas.microsoft.com/VisualStudio/2011/storyboarding/control">
+  <Id Name="a2191c86-fc50-4add-948c-129f6b5a88d8" Revision="1" Stencil="7276b9ef-3953-4dce-a89b-ed85f20b8b93" StencilVersion="1.0"/>
+</Control>
+</file>
+
+<file path=customXml/item4.xml><?xml version="1.0" encoding="utf-8"?>
+<?mso-contentType ?>
+<FormTemplates xmlns="http://schemas.microsoft.com/sharepoint/v3/contenttype/forms">
+  <Display>DocumentLibraryForm</Display>
+  <Edit>DocumentLibraryForm</Edit>
+  <New>DocumentLibraryForm</New>
+</FormTemplates>
 </file>
 
 <file path=customXml/item40.xml><?xml version="1.0" encoding="utf-8"?>
@@ -46600,17 +46263,14 @@
 
 <file path=customXml/item42.xml><?xml version="1.0" encoding="utf-8"?>
 <Control xmlns="http://schemas.microsoft.com/VisualStudio/2011/storyboarding/control">
-  <Id Name="fb22c541-ded0-47fa-8877-83a4c2d16227" Revision="1" Stencil="7276b9ef-3953-4dce-a89b-ed85f20b8b93" StencilVersion="1.0"/>
+  <Id Name="d69996e1-3d61-4686-9b63-f1b855c596ab" Revision="1" Stencil="7276b9ef-3953-4dce-a89b-ed85f20b8b93" StencilVersion="1.0"/>
 </Control>
 </file>
 
 <file path=customXml/item43.xml><?xml version="1.0" encoding="utf-8"?>
-<?mso-contentType ?>
-<FormTemplates xmlns="http://schemas.microsoft.com/sharepoint/v3/contenttype/forms">
-  <Display>DocumentLibraryForm</Display>
-  <Edit>DocumentLibraryForm</Edit>
-  <New>DocumentLibraryForm</New>
-</FormTemplates>
+<Control xmlns="http://schemas.microsoft.com/VisualStudio/2011/storyboarding/control">
+  <Id Name="a2191c86-fc50-4add-948c-129f6b5a88d8" Revision="1" Stencil="7276b9ef-3953-4dce-a89b-ed85f20b8b93" StencilVersion="1.0"/>
+</Control>
 </file>
 
 <file path=customXml/item44.xml><?xml version="1.0" encoding="utf-8"?>
@@ -46620,6 +46280,60 @@
 </file>
 
 <file path=customXml/item45.xml><?xml version="1.0" encoding="utf-8"?>
+<?mso-contentType ?>
+<FormTemplates xmlns="http://schemas.microsoft.com/sharepoint/v3/contenttype/forms">
+  <Display>DocumentLibraryForm</Display>
+  <Edit>DocumentLibraryForm</Edit>
+  <New>DocumentLibraryForm</New>
+</FormTemplates>
+</file>
+
+<file path=customXml/item46.xml><?xml version="1.0" encoding="utf-8"?>
+<Control xmlns="http://schemas.microsoft.com/VisualStudio/2011/storyboarding/control">
+  <Id Name="a53d73d2-368b-429e-b817-1324eec1382c" Revision="1" Stencil="7276b9ef-3953-4dce-a89b-ed85f20b8b93" StencilVersion="1.0"/>
+</Control>
+</file>
+
+<file path=customXml/item47.xml><?xml version="1.0" encoding="utf-8"?>
+<Control xmlns="http://schemas.microsoft.com/VisualStudio/2011/storyboarding/control">
+  <Id Name="a53d73d2-368b-429e-b817-1324eec1382c" Revision="1" Stencil="7276b9ef-3953-4dce-a89b-ed85f20b8b93" StencilVersion="1.0"/>
+</Control>
+</file>
+
+<file path=customXml/item48.xml><?xml version="1.0" encoding="utf-8"?>
+<Control xmlns="http://schemas.microsoft.com/VisualStudio/2011/storyboarding/control">
+  <Id Name="fb22c541-ded0-47fa-8877-83a4c2d16227" Revision="1" Stencil="7276b9ef-3953-4dce-a89b-ed85f20b8b93" StencilVersion="1.0"/>
+</Control>
+</file>
+
+<file path=customXml/item49.xml><?xml version="1.0" encoding="utf-8"?>
+<Control xmlns="http://schemas.microsoft.com/VisualStudio/2011/storyboarding/control">
+  <Id Name="369f9055-6b6c-48b9-9320-5df2d46c430a" Revision="1" Stencil="7276b9ef-3953-4dce-a89b-ed85f20b8b93" StencilVersion="1.0"/>
+</Control>
+</file>
+
+<file path=customXml/item5.xml><?xml version="1.0" encoding="utf-8"?>
+<Control xmlns="http://schemas.microsoft.com/VisualStudio/2011/storyboarding/control">
+  <Id Name="d69996e1-3d61-4686-9b63-f1b855c596ab" Revision="1" Stencil="7276b9ef-3953-4dce-a89b-ed85f20b8b93" StencilVersion="1.0"/>
+</Control>
+</file>
+
+<file path=customXml/item50.xml><?xml version="1.0" encoding="utf-8"?>
+<?mso-contentType ?>
+<FormTemplates xmlns="http://schemas.microsoft.com/sharepoint/v3/contenttype/forms">
+  <Display>DocumentLibraryForm</Display>
+  <Edit>DocumentLibraryForm</Edit>
+  <New>DocumentLibraryForm</New>
+</FormTemplates>
+</file>
+
+<file path=customXml/item51.xml><?xml version="1.0" encoding="utf-8"?>
+<Control xmlns="http://schemas.microsoft.com/VisualStudio/2011/storyboarding/control">
+  <Id Name="a53d73d2-368b-429e-b817-1324eec1382c" Revision="1" Stencil="7276b9ef-3953-4dce-a89b-ed85f20b8b93" StencilVersion="1.0"/>
+</Control>
+</file>
+
+<file path=customXml/item52.xml><?xml version="1.0" encoding="utf-8"?>
 <p:properties xmlns:p="http://schemas.microsoft.com/office/2006/metadata/properties" xmlns:xsi="http://www.w3.org/2001/XMLSchema-instance" xmlns:pc="http://schemas.microsoft.com/office/infopath/2007/PartnerControls">
   <documentManagement>
     <SharedWithUsers xmlns="83cd2334-221a-48c3-9034-bfd1542dfe28">
@@ -46643,19 +46357,37 @@
 </p:properties>
 </file>
 
-<file path=customXml/item46.xml><?xml version="1.0" encoding="utf-8"?>
-<Control xmlns="http://schemas.microsoft.com/VisualStudio/2011/storyboarding/control">
-  <Id Name="a2191c86-fc50-4add-948c-129f6b5a88d8" Revision="1" Stencil="7276b9ef-3953-4dce-a89b-ed85f20b8b93" StencilVersion="1.0"/>
-</Control>
+<file path=customXml/item53.xml><?xml version="1.0" encoding="utf-8"?>
+<?mso-contentType ?>
+<FormTemplates xmlns="http://schemas.microsoft.com/sharepoint/v3/contenttype/forms">
+  <Display>DocumentLibraryForm</Display>
+  <Edit>DocumentLibraryForm</Edit>
+  <New>DocumentLibraryForm</New>
+</FormTemplates>
 </file>
 
-<file path=customXml/item47.xml><?xml version="1.0" encoding="utf-8"?>
+<file path=customXml/item54.xml><?xml version="1.0" encoding="utf-8"?>
 <Control xmlns="http://schemas.microsoft.com/VisualStudio/2011/storyboarding/control">
   <Id Name="fb22c541-ded0-47fa-8877-83a4c2d16227" Revision="1" Stencil="7276b9ef-3953-4dce-a89b-ed85f20b8b93" StencilVersion="1.0"/>
 </Control>
 </file>
 
-<file path=customXml/item48.xml><?xml version="1.0" encoding="utf-8"?>
+<file path=customXml/item55.xml><?xml version="1.0" encoding="utf-8"?>
+<Control xmlns="http://schemas.microsoft.com/VisualStudio/2011/storyboarding/control">
+  <Id Name="fb22c541-ded0-47fa-8877-83a4c2d16227" Revision="1" Stencil="7276b9ef-3953-4dce-a89b-ed85f20b8b93" StencilVersion="1.0"/>
+</Control>
+</file>
+
+<file path=customXml/item6.xml><?xml version="1.0" encoding="utf-8"?>
+<?mso-contentType ?>
+<FormTemplates xmlns="http://schemas.microsoft.com/sharepoint/v3/contenttype/forms">
+  <Display>DocumentLibraryForm</Display>
+  <Edit>DocumentLibraryForm</Edit>
+  <New>DocumentLibraryForm</New>
+</FormTemplates>
+</file>
+
+<file path=customXml/item7.xml><?xml version="1.0" encoding="utf-8"?>
 <p:properties xmlns:p="http://schemas.microsoft.com/office/2006/metadata/properties" xmlns:xsi="http://www.w3.org/2001/XMLSchema-instance" xmlns:pc="http://schemas.microsoft.com/office/infopath/2007/PartnerControls">
   <documentManagement>
     <SharedWithUsers xmlns="83cd2334-221a-48c3-9034-bfd1542dfe28">
@@ -46679,98 +46411,38 @@
 </p:properties>
 </file>
 
-<file path=customXml/item49.xml><?xml version="1.0" encoding="utf-8"?>
-<?mso-contentType ?>
-<FormTemplates xmlns="http://schemas.microsoft.com/sharepoint/v3/contenttype/forms">
-  <Display>DocumentLibraryForm</Display>
-  <Edit>DocumentLibraryForm</Edit>
-  <New>DocumentLibraryForm</New>
-</FormTemplates>
+<file path=customXml/item8.xml><?xml version="1.0" encoding="utf-8"?>
+<p:properties xmlns:p="http://schemas.microsoft.com/office/2006/metadata/properties" xmlns:xsi="http://www.w3.org/2001/XMLSchema-instance" xmlns:pc="http://schemas.microsoft.com/office/infopath/2007/PartnerControls">
+  <documentManagement>
+    <SharedWithUsers xmlns="83cd2334-221a-48c3-9034-bfd1542dfe28">
+      <UserInfo>
+        <DisplayName>Gilad Turbahn</DisplayName>
+        <AccountId>511</AccountId>
+        <AccountType/>
+      </UserInfo>
+      <UserInfo>
+        <DisplayName>Keith Boyd</DisplayName>
+        <AccountId>993</AccountId>
+        <AccountType/>
+      </UserInfo>
+      <UserInfo>
+        <DisplayName>Christopher Harrison</DisplayName>
+        <AccountId>1176</AccountId>
+        <AccountType/>
+      </UserInfo>
+    </SharedWithUsers>
+  </documentManagement>
+</p:properties>
 </file>
 
-<file path=customXml/item5.xml><?xml version="1.0" encoding="utf-8"?>
-<Control xmlns="http://schemas.microsoft.com/VisualStudio/2011/storyboarding/control">
-  <Id Name="369f9055-6b6c-48b9-9320-5df2d46c430a" Revision="1" Stencil="7276b9ef-3953-4dce-a89b-ed85f20b8b93" StencilVersion="1.0"/>
-</Control>
-</file>
-
-<file path=customXml/item50.xml><?xml version="1.0" encoding="utf-8"?>
-<?mso-contentType ?>
-<FormTemplates xmlns="http://schemas.microsoft.com/sharepoint/v3/contenttype/forms">
-  <Display>DocumentLibraryForm</Display>
-  <Edit>DocumentLibraryForm</Edit>
-  <New>DocumentLibraryForm</New>
-</FormTemplates>
-</file>
-
-<file path=customXml/item51.xml><?xml version="1.0" encoding="utf-8"?>
-<Control xmlns="http://schemas.microsoft.com/VisualStudio/2011/storyboarding/control">
-  <Id Name="369f9055-6b6c-48b9-9320-5df2d46c430a" Revision="1" Stencil="7276b9ef-3953-4dce-a89b-ed85f20b8b93" StencilVersion="1.0"/>
-</Control>
-</file>
-
-<file path=customXml/item52.xml><?xml version="1.0" encoding="utf-8"?>
-<Control xmlns="http://schemas.microsoft.com/VisualStudio/2011/storyboarding/control">
-  <Id Name="369f9055-6b6c-48b9-9320-5df2d46c430a" Revision="1" Stencil="7276b9ef-3953-4dce-a89b-ed85f20b8b93" StencilVersion="1.0"/>
-</Control>
-</file>
-
-<file path=customXml/item53.xml><?xml version="1.0" encoding="utf-8"?>
-<Control xmlns="http://schemas.microsoft.com/VisualStudio/2011/storyboarding/control">
-  <Id Name="d69996e1-3d61-4686-9b63-f1b855c596ab" Revision="1" Stencil="7276b9ef-3953-4dce-a89b-ed85f20b8b93" StencilVersion="1.0"/>
-</Control>
-</file>
-
-<file path=customXml/item54.xml><?xml version="1.0" encoding="utf-8"?>
+<file path=customXml/item9.xml><?xml version="1.0" encoding="utf-8"?>
 <Control xmlns="http://schemas.microsoft.com/VisualStudio/2011/storyboarding/control">
   <Id Name="a53d73d2-368b-429e-b817-1324eec1382c" Revision="1" Stencil="7276b9ef-3953-4dce-a89b-ed85f20b8b93" StencilVersion="1.0"/>
 </Control>
 </file>
 
-<file path=customXml/item55.xml><?xml version="1.0" encoding="utf-8"?>
-<?mso-contentType ?>
-<FormTemplates xmlns="http://schemas.microsoft.com/sharepoint/v3/contenttype/forms">
-  <Display>DocumentLibraryForm</Display>
-  <Edit>DocumentLibraryForm</Edit>
-  <New>DocumentLibraryForm</New>
-</FormTemplates>
-</file>
-
-<file path=customXml/item6.xml><?xml version="1.0" encoding="utf-8"?>
-<Control xmlns="http://schemas.microsoft.com/VisualStudio/2011/storyboarding/control">
-  <Id Name="fb22c541-ded0-47fa-8877-83a4c2d16227" Revision="1" Stencil="7276b9ef-3953-4dce-a89b-ed85f20b8b93" StencilVersion="1.0"/>
-</Control>
-</file>
-
-<file path=customXml/item7.xml><?xml version="1.0" encoding="utf-8"?>
-<?mso-contentType ?>
-<FormTemplates xmlns="http://schemas.microsoft.com/sharepoint/v3/contenttype/forms">
-  <Display>DocumentLibraryForm</Display>
-  <Edit>DocumentLibraryForm</Edit>
-  <New>DocumentLibraryForm</New>
-</FormTemplates>
-</file>
-
-<file path=customXml/item8.xml><?xml version="1.0" encoding="utf-8"?>
-<?mso-contentType ?>
-<FormTemplates xmlns="http://schemas.microsoft.com/sharepoint/v3/contenttype/forms">
-  <Display>DocumentLibraryForm</Display>
-  <Edit>DocumentLibraryForm</Edit>
-  <New>DocumentLibraryForm</New>
-</FormTemplates>
-</file>
-
-<file path=customXml/item9.xml><?xml version="1.0" encoding="utf-8"?>
-<?mso-contentType ?>
-<FormTemplates xmlns="http://schemas.microsoft.com/sharepoint/v3/contenttype/forms">
-  <Display>DocumentLibraryForm</Display>
-  <Edit>DocumentLibraryForm</Edit>
-  <New>DocumentLibraryForm</New>
-</FormTemplates>
-</file>
-
 <file path=customXml/itemProps1.xml><?xml version="1.0" encoding="utf-8"?>
-<ds:datastoreItem xmlns:ds="http://schemas.openxmlformats.org/officeDocument/2006/customXml" ds:itemID="{21F6B647-976A-41D0-B760-9DF9DFC6AE3C}">
+<ds:datastoreItem xmlns:ds="http://schemas.openxmlformats.org/officeDocument/2006/customXml" ds:itemID="{4B16F4FE-7C26-4443-B426-81998D23ED87}">
   <ds:schemaRefs>
     <ds:schemaRef ds:uri="http://schemas.microsoft.com/VisualStudio/2011/storyboarding/control"/>
   </ds:schemaRefs>
@@ -46778,7 +46450,23 @@
 </file>
 
 <file path=customXml/itemProps10.xml><?xml version="1.0" encoding="utf-8"?>
-<ds:datastoreItem xmlns:ds="http://schemas.openxmlformats.org/officeDocument/2006/customXml" ds:itemID="{6018CCD6-C254-44D3-91D5-EC4D81FDEBEC}">
+<ds:datastoreItem xmlns:ds="http://schemas.openxmlformats.org/officeDocument/2006/customXml" ds:itemID="{3DC6CABD-46E1-4C27-A0B3-616DC56F8E5C}">
+  <ds:schemaRefs>
+    <ds:schemaRef ds:uri="http://schemas.microsoft.com/VisualStudio/2011/storyboarding/control"/>
+  </ds:schemaRefs>
+</ds:datastoreItem>
+</file>
+
+<file path=customXml/itemProps11.xml><?xml version="1.0" encoding="utf-8"?>
+<ds:datastoreItem xmlns:ds="http://schemas.openxmlformats.org/officeDocument/2006/customXml" ds:itemID="{4E805D65-1532-4BB0-8F41-8013167C0009}">
+  <ds:schemaRefs>
+    <ds:schemaRef ds:uri="http://schemas.microsoft.com/VisualStudio/2011/storyboarding/control"/>
+  </ds:schemaRefs>
+</ds:datastoreItem>
+</file>
+
+<file path=customXml/itemProps12.xml><?xml version="1.0" encoding="utf-8"?>
+<ds:datastoreItem xmlns:ds="http://schemas.openxmlformats.org/officeDocument/2006/customXml" ds:itemID="{E5517D1D-A0F7-4038-99B1-CB797994AD5E}">
   <ds:schemaRefs>
     <ds:schemaRef ds:uri="http://schemas.microsoft.com/office/2006/metadata/properties"/>
     <ds:schemaRef ds:uri="http://schemas.microsoft.com/office/infopath/2007/PartnerControls"/>
@@ -46787,8 +46475,8 @@
 </ds:datastoreItem>
 </file>
 
-<file path=customXml/itemProps11.xml><?xml version="1.0" encoding="utf-8"?>
-<ds:datastoreItem xmlns:ds="http://schemas.openxmlformats.org/officeDocument/2006/customXml" ds:itemID="{1B69B6B1-FB2A-4C02-95B6-C12A54DCD27B}">
+<file path=customXml/itemProps13.xml><?xml version="1.0" encoding="utf-8"?>
+<ds:datastoreItem xmlns:ds="http://schemas.openxmlformats.org/officeDocument/2006/customXml" ds:itemID="{1577002B-E395-451C-943C-6D857E2ED544}">
   <ds:schemaRefs>
     <ds:schemaRef ds:uri="http://schemas.microsoft.com/office/2006/metadata/properties"/>
     <ds:schemaRef ds:uri="http://schemas.microsoft.com/office/infopath/2007/PartnerControls"/>
@@ -46797,24 +46485,8 @@
 </ds:datastoreItem>
 </file>
 
-<file path=customXml/itemProps12.xml><?xml version="1.0" encoding="utf-8"?>
-<ds:datastoreItem xmlns:ds="http://schemas.openxmlformats.org/officeDocument/2006/customXml" ds:itemID="{8BD595CA-AC5E-43B9-B966-E468A16E8322}">
-  <ds:schemaRefs>
-    <ds:schemaRef ds:uri="http://schemas.microsoft.com/VisualStudio/2011/storyboarding/control"/>
-  </ds:schemaRefs>
-</ds:datastoreItem>
-</file>
-
-<file path=customXml/itemProps13.xml><?xml version="1.0" encoding="utf-8"?>
-<ds:datastoreItem xmlns:ds="http://schemas.openxmlformats.org/officeDocument/2006/customXml" ds:itemID="{0AFEAFFC-501F-4A71-8E0A-BCC3D721BFBC}">
-  <ds:schemaRefs>
-    <ds:schemaRef ds:uri="http://schemas.microsoft.com/sharepoint/v3/contenttype/forms"/>
-  </ds:schemaRefs>
-</ds:datastoreItem>
-</file>
-
 <file path=customXml/itemProps14.xml><?xml version="1.0" encoding="utf-8"?>
-<ds:datastoreItem xmlns:ds="http://schemas.openxmlformats.org/officeDocument/2006/customXml" ds:itemID="{432851C6-BC05-4673-B853-6D08AB80CDC4}">
+<ds:datastoreItem xmlns:ds="http://schemas.openxmlformats.org/officeDocument/2006/customXml" ds:itemID="{C63AC2F0-1DEB-4E91-A88A-7A014A172F4F}">
   <ds:schemaRefs>
     <ds:schemaRef ds:uri="http://schemas.microsoft.com/VisualStudio/2011/storyboarding/control"/>
   </ds:schemaRefs>
@@ -46822,6 +46494,14 @@
 </file>
 
 <file path=customXml/itemProps15.xml><?xml version="1.0" encoding="utf-8"?>
+<ds:datastoreItem xmlns:ds="http://schemas.openxmlformats.org/officeDocument/2006/customXml" ds:itemID="{FE651ABA-5DC1-4ABD-A06E-055AE54B337B}">
+  <ds:schemaRefs>
+    <ds:schemaRef ds:uri="http://schemas.microsoft.com/VisualStudio/2011/storyboarding/control"/>
+  </ds:schemaRefs>
+</ds:datastoreItem>
+</file>
+
+<file path=customXml/itemProps16.xml><?xml version="1.0" encoding="utf-8"?>
 <ds:datastoreItem xmlns:ds="http://schemas.openxmlformats.org/officeDocument/2006/customXml" ds:itemID="{4E8278DB-3CDD-48A7-992E-A7596AD335B9}">
   <ds:schemaRefs>
     <ds:schemaRef ds:uri="http://schemas.microsoft.com/VisualStudio/2011/storyboarding/control"/>
@@ -46829,71 +46509,7 @@
 </ds:datastoreItem>
 </file>
 
-<file path=customXml/itemProps16.xml><?xml version="1.0" encoding="utf-8"?>
-<ds:datastoreItem xmlns:ds="http://schemas.openxmlformats.org/officeDocument/2006/customXml" ds:itemID="{758FDAC0-319D-4A54-8D8E-1D42CB1F8004}">
-  <ds:schemaRefs>
-    <ds:schemaRef ds:uri="http://schemas.microsoft.com/sharepoint/v3/contenttype/forms"/>
-  </ds:schemaRefs>
-</ds:datastoreItem>
-</file>
-
 <file path=customXml/itemProps17.xml><?xml version="1.0" encoding="utf-8"?>
-<ds:datastoreItem xmlns:ds="http://schemas.openxmlformats.org/officeDocument/2006/customXml" ds:itemID="{D4B5F268-5930-44CD-BDF1-D0A04D4BBC1C}">
-  <ds:schemaRefs>
-    <ds:schemaRef ds:uri="http://schemas.microsoft.com/VisualStudio/2011/storyboarding/control"/>
-  </ds:schemaRefs>
-</ds:datastoreItem>
-</file>
-
-<file path=customXml/itemProps18.xml><?xml version="1.0" encoding="utf-8"?>
-<ds:datastoreItem xmlns:ds="http://schemas.openxmlformats.org/officeDocument/2006/customXml" ds:itemID="{ED350DFE-2319-4AB0-BC96-1D36D125365A}">
-  <ds:schemaRefs>
-    <ds:schemaRef ds:uri="http://schemas.microsoft.com/VisualStudio/2011/storyboarding/control"/>
-  </ds:schemaRefs>
-</ds:datastoreItem>
-</file>
-
-<file path=customXml/itemProps19.xml><?xml version="1.0" encoding="utf-8"?>
-<ds:datastoreItem xmlns:ds="http://schemas.openxmlformats.org/officeDocument/2006/customXml" ds:itemID="{D6FEE829-2115-45B4-8110-670FD454542B}">
-  <ds:schemaRefs>
-    <ds:schemaRef ds:uri="http://schemas.microsoft.com/VisualStudio/2011/storyboarding/control"/>
-  </ds:schemaRefs>
-</ds:datastoreItem>
-</file>
-
-<file path=customXml/itemProps2.xml><?xml version="1.0" encoding="utf-8"?>
-<ds:datastoreItem xmlns:ds="http://schemas.openxmlformats.org/officeDocument/2006/customXml" ds:itemID="{366CA990-F93D-4100-9654-65D9E30F4E1C}">
-  <ds:schemaRefs>
-    <ds:schemaRef ds:uri="http://schemas.microsoft.com/VisualStudio/2011/storyboarding/control"/>
-  </ds:schemaRefs>
-</ds:datastoreItem>
-</file>
-
-<file path=customXml/itemProps20.xml><?xml version="1.0" encoding="utf-8"?>
-<ds:datastoreItem xmlns:ds="http://schemas.openxmlformats.org/officeDocument/2006/customXml" ds:itemID="{08C4EE12-DF69-4FFC-9E40-C7991F3490A6}">
-  <ds:schemaRefs>
-    <ds:schemaRef ds:uri="http://schemas.microsoft.com/VisualStudio/2011/storyboarding/control"/>
-  </ds:schemaRefs>
-</ds:datastoreItem>
-</file>
-
-<file path=customXml/itemProps21.xml><?xml version="1.0" encoding="utf-8"?>
-<ds:datastoreItem xmlns:ds="http://schemas.openxmlformats.org/officeDocument/2006/customXml" ds:itemID="{71AE1ABA-EE71-4D7C-AE19-D2A04FC317D0}">
-  <ds:schemaRefs>
-    <ds:schemaRef ds:uri="http://schemas.microsoft.com/sharepoint/v3/contenttype/forms"/>
-  </ds:schemaRefs>
-</ds:datastoreItem>
-</file>
-
-<file path=customXml/itemProps22.xml><?xml version="1.0" encoding="utf-8"?>
-<ds:datastoreItem xmlns:ds="http://schemas.openxmlformats.org/officeDocument/2006/customXml" ds:itemID="{8893E80D-6D0C-4E0F-AA22-E5615BB87E5B}">
-  <ds:schemaRefs>
-    <ds:schemaRef ds:uri="http://schemas.microsoft.com/VisualStudio/2011/storyboarding/control"/>
-  </ds:schemaRefs>
-</ds:datastoreItem>
-</file>
-
-<file path=customXml/itemProps23.xml><?xml version="1.0" encoding="utf-8"?>
 <ds:datastoreItem xmlns:ds="http://schemas.openxmlformats.org/officeDocument/2006/customXml" ds:itemID="{17A7EC28-79CF-44E6-BA48-85916A7F29F5}">
   <ds:schemaRefs>
     <ds:schemaRef ds:uri="http://schemas.microsoft.com/office/2006/metadata/properties"/>
@@ -46903,41 +46519,7 @@
 </ds:datastoreItem>
 </file>
 
-<file path=customXml/itemProps24.xml><?xml version="1.0" encoding="utf-8"?>
-<ds:datastoreItem xmlns:ds="http://schemas.openxmlformats.org/officeDocument/2006/customXml" ds:itemID="{6FB9D450-4C47-4A44-8C0D-C78D8A54C46F}">
-  <ds:schemaRefs>
-    <ds:schemaRef ds:uri="http://schemas.microsoft.com/VisualStudio/2011/storyboarding/control"/>
-  </ds:schemaRefs>
-</ds:datastoreItem>
-</file>
-
-<file path=customXml/itemProps25.xml><?xml version="1.0" encoding="utf-8"?>
-<ds:datastoreItem xmlns:ds="http://schemas.openxmlformats.org/officeDocument/2006/customXml" ds:itemID="{1C76383C-FD09-474B-94B3-126FB1A7D094}">
-  <ds:schemaRefs>
-    <ds:schemaRef ds:uri="http://schemas.microsoft.com/office/2006/metadata/properties"/>
-    <ds:schemaRef ds:uri="http://schemas.microsoft.com/office/infopath/2007/PartnerControls"/>
-    <ds:schemaRef ds:uri="83cd2334-221a-48c3-9034-bfd1542dfe28"/>
-  </ds:schemaRefs>
-</ds:datastoreItem>
-</file>
-
-<file path=customXml/itemProps26.xml><?xml version="1.0" encoding="utf-8"?>
-<ds:datastoreItem xmlns:ds="http://schemas.openxmlformats.org/officeDocument/2006/customXml" ds:itemID="{38217AA1-CC95-49A9-B284-2ED4D347D7CA}">
-  <ds:schemaRefs>
-    <ds:schemaRef ds:uri="http://schemas.microsoft.com/VisualStudio/2011/storyboarding/control"/>
-  </ds:schemaRefs>
-</ds:datastoreItem>
-</file>
-
-<file path=customXml/itemProps27.xml><?xml version="1.0" encoding="utf-8"?>
-<ds:datastoreItem xmlns:ds="http://schemas.openxmlformats.org/officeDocument/2006/customXml" ds:itemID="{8257D6BC-B71E-4D95-81E4-A1D4A8174168}">
-  <ds:schemaRefs>
-    <ds:schemaRef ds:uri="http://schemas.microsoft.com/VisualStudio/2011/storyboarding/control"/>
-  </ds:schemaRefs>
-</ds:datastoreItem>
-</file>
-
-<file path=customXml/itemProps28.xml><?xml version="1.0" encoding="utf-8"?>
+<file path=customXml/itemProps18.xml><?xml version="1.0" encoding="utf-8"?>
 <ds:datastoreItem xmlns:ds="http://schemas.openxmlformats.org/officeDocument/2006/customXml" ds:itemID="{E692D73E-1478-4790-BEEC-C5C534998F40}">
   <ds:schemaRefs>
     <ds:schemaRef ds:uri="http://schemas.microsoft.com/office/2006/metadata/properties"/>
@@ -46947,77 +46529,7 @@
 </ds:datastoreItem>
 </file>
 
-<file path=customXml/itemProps29.xml><?xml version="1.0" encoding="utf-8"?>
-<ds:datastoreItem xmlns:ds="http://schemas.openxmlformats.org/officeDocument/2006/customXml" ds:itemID="{F990F116-B58F-4255-B05B-DA3808E0E5C6}">
-  <ds:schemaRefs>
-    <ds:schemaRef ds:uri="http://schemas.microsoft.com/office/2006/metadata/properties"/>
-    <ds:schemaRef ds:uri="http://schemas.microsoft.com/office/infopath/2007/PartnerControls"/>
-    <ds:schemaRef ds:uri="83cd2334-221a-48c3-9034-bfd1542dfe28"/>
-  </ds:schemaRefs>
-</ds:datastoreItem>
-</file>
-
-<file path=customXml/itemProps3.xml><?xml version="1.0" encoding="utf-8"?>
-<ds:datastoreItem xmlns:ds="http://schemas.openxmlformats.org/officeDocument/2006/customXml" ds:itemID="{67213E6F-7B96-4222-888B-63710B06D885}">
-  <ds:schemaRefs>
-    <ds:schemaRef ds:uri="http://schemas.microsoft.com/VisualStudio/2011/storyboarding/control"/>
-  </ds:schemaRefs>
-</ds:datastoreItem>
-</file>
-
-<file path=customXml/itemProps30.xml><?xml version="1.0" encoding="utf-8"?>
-<ds:datastoreItem xmlns:ds="http://schemas.openxmlformats.org/officeDocument/2006/customXml" ds:itemID="{473A6A21-7521-4B81-9336-9B587BA12275}">
-  <ds:schemaRefs>
-    <ds:schemaRef ds:uri="http://schemas.microsoft.com/office/2006/metadata/properties"/>
-    <ds:schemaRef ds:uri="http://schemas.microsoft.com/office/infopath/2007/PartnerControls"/>
-    <ds:schemaRef ds:uri="83cd2334-221a-48c3-9034-bfd1542dfe28"/>
-  </ds:schemaRefs>
-</ds:datastoreItem>
-</file>
-
-<file path=customXml/itemProps31.xml><?xml version="1.0" encoding="utf-8"?>
-<ds:datastoreItem xmlns:ds="http://schemas.openxmlformats.org/officeDocument/2006/customXml" ds:itemID="{3C954CC5-1CAC-4EC3-9791-8630483065B9}">
-  <ds:schemaRefs>
-    <ds:schemaRef ds:uri="http://schemas.microsoft.com/VisualStudio/2011/storyboarding/control"/>
-  </ds:schemaRefs>
-</ds:datastoreItem>
-</file>
-
-<file path=customXml/itemProps32.xml><?xml version="1.0" encoding="utf-8"?>
-<ds:datastoreItem xmlns:ds="http://schemas.openxmlformats.org/officeDocument/2006/customXml" ds:itemID="{3DC6CABD-46E1-4C27-A0B3-616DC56F8E5C}">
-  <ds:schemaRefs>
-    <ds:schemaRef ds:uri="http://schemas.microsoft.com/VisualStudio/2011/storyboarding/control"/>
-  </ds:schemaRefs>
-</ds:datastoreItem>
-</file>
-
-<file path=customXml/itemProps33.xml><?xml version="1.0" encoding="utf-8"?>
-<ds:datastoreItem xmlns:ds="http://schemas.openxmlformats.org/officeDocument/2006/customXml" ds:itemID="{9360AFB9-8F99-4E1B-878D-F2EBABEB164C}">
-  <ds:schemaRefs>
-    <ds:schemaRef ds:uri="http://schemas.microsoft.com/sharepoint/v3/contenttype/forms"/>
-  </ds:schemaRefs>
-</ds:datastoreItem>
-</file>
-
-<file path=customXml/itemProps34.xml><?xml version="1.0" encoding="utf-8"?>
-<ds:datastoreItem xmlns:ds="http://schemas.openxmlformats.org/officeDocument/2006/customXml" ds:itemID="{4B16F4FE-7C26-4443-B426-81998D23ED87}">
-  <ds:schemaRefs>
-    <ds:schemaRef ds:uri="http://schemas.microsoft.com/VisualStudio/2011/storyboarding/control"/>
-  </ds:schemaRefs>
-</ds:datastoreItem>
-</file>
-
-<file path=customXml/itemProps35.xml><?xml version="1.0" encoding="utf-8"?>
-<ds:datastoreItem xmlns:ds="http://schemas.openxmlformats.org/officeDocument/2006/customXml" ds:itemID="{CA892322-6599-4C5A-B402-BE6DBAED9B8E}">
-  <ds:schemaRefs>
-    <ds:schemaRef ds:uri="http://schemas.microsoft.com/office/2006/metadata/properties"/>
-    <ds:schemaRef ds:uri="http://schemas.microsoft.com/office/infopath/2007/PartnerControls"/>
-    <ds:schemaRef ds:uri="83cd2334-221a-48c3-9034-bfd1542dfe28"/>
-  </ds:schemaRefs>
-</ds:datastoreItem>
-</file>
-
-<file path=customXml/itemProps36.xml><?xml version="1.0" encoding="utf-8"?>
+<file path=customXml/itemProps19.xml><?xml version="1.0" encoding="utf-8"?>
 <ds:datastoreItem xmlns:ds="http://schemas.openxmlformats.org/officeDocument/2006/customXml" ds:itemID="{11F98F69-7518-4AE2-AE7B-E037DC9DDC97}">
   <ds:schemaRefs>
     <ds:schemaRef ds:uri="http://schemas.microsoft.com/office/2006/metadata/contentType"/>
@@ -47035,8 +46547,168 @@
 </ds:datastoreItem>
 </file>
 
+<file path=customXml/itemProps2.xml><?xml version="1.0" encoding="utf-8"?>
+<ds:datastoreItem xmlns:ds="http://schemas.openxmlformats.org/officeDocument/2006/customXml" ds:itemID="{8EF535DE-443E-4423-8803-A5D663EFF3B2}">
+  <ds:schemaRefs>
+    <ds:schemaRef ds:uri="http://schemas.microsoft.com/sharepoint/v3/contenttype/forms"/>
+  </ds:schemaRefs>
+</ds:datastoreItem>
+</file>
+
+<file path=customXml/itemProps20.xml><?xml version="1.0" encoding="utf-8"?>
+<ds:datastoreItem xmlns:ds="http://schemas.openxmlformats.org/officeDocument/2006/customXml" ds:itemID="{8CFA17AA-8D1D-41BA-81E2-B1C9B1D8F8E0}">
+  <ds:schemaRefs>
+    <ds:schemaRef ds:uri="http://schemas.microsoft.com/sharepoint/v3/contenttype/forms"/>
+  </ds:schemaRefs>
+</ds:datastoreItem>
+</file>
+
+<file path=customXml/itemProps21.xml><?xml version="1.0" encoding="utf-8"?>
+<ds:datastoreItem xmlns:ds="http://schemas.openxmlformats.org/officeDocument/2006/customXml" ds:itemID="{D6FEE829-2115-45B4-8110-670FD454542B}">
+  <ds:schemaRefs>
+    <ds:schemaRef ds:uri="http://schemas.microsoft.com/VisualStudio/2011/storyboarding/control"/>
+  </ds:schemaRefs>
+</ds:datastoreItem>
+</file>
+
+<file path=customXml/itemProps22.xml><?xml version="1.0" encoding="utf-8"?>
+<ds:datastoreItem xmlns:ds="http://schemas.openxmlformats.org/officeDocument/2006/customXml" ds:itemID="{6018CCD6-C254-44D3-91D5-EC4D81FDEBEC}">
+  <ds:schemaRefs>
+    <ds:schemaRef ds:uri="http://schemas.microsoft.com/office/2006/metadata/properties"/>
+    <ds:schemaRef ds:uri="http://schemas.microsoft.com/office/infopath/2007/PartnerControls"/>
+    <ds:schemaRef ds:uri="83cd2334-221a-48c3-9034-bfd1542dfe28"/>
+  </ds:schemaRefs>
+</ds:datastoreItem>
+</file>
+
+<file path=customXml/itemProps23.xml><?xml version="1.0" encoding="utf-8"?>
+<ds:datastoreItem xmlns:ds="http://schemas.openxmlformats.org/officeDocument/2006/customXml" ds:itemID="{3C954CC5-1CAC-4EC3-9791-8630483065B9}">
+  <ds:schemaRefs>
+    <ds:schemaRef ds:uri="http://schemas.microsoft.com/VisualStudio/2011/storyboarding/control"/>
+  </ds:schemaRefs>
+</ds:datastoreItem>
+</file>
+
+<file path=customXml/itemProps24.xml><?xml version="1.0" encoding="utf-8"?>
+<ds:datastoreItem xmlns:ds="http://schemas.openxmlformats.org/officeDocument/2006/customXml" ds:itemID="{7959CC6A-F423-4783-B968-3BCC86A7394E}">
+  <ds:schemaRefs>
+    <ds:schemaRef ds:uri="http://schemas.microsoft.com/VisualStudio/2011/storyboarding/control"/>
+  </ds:schemaRefs>
+</ds:datastoreItem>
+</file>
+
+<file path=customXml/itemProps25.xml><?xml version="1.0" encoding="utf-8"?>
+<ds:datastoreItem xmlns:ds="http://schemas.openxmlformats.org/officeDocument/2006/customXml" ds:itemID="{42D603BF-B513-4201-A599-21BA0F4FFC40}">
+  <ds:schemaRefs>
+    <ds:schemaRef ds:uri="http://schemas.microsoft.com/VisualStudio/2011/storyboarding/control"/>
+  </ds:schemaRefs>
+</ds:datastoreItem>
+</file>
+
+<file path=customXml/itemProps26.xml><?xml version="1.0" encoding="utf-8"?>
+<ds:datastoreItem xmlns:ds="http://schemas.openxmlformats.org/officeDocument/2006/customXml" ds:itemID="{432851C6-BC05-4673-B853-6D08AB80CDC4}">
+  <ds:schemaRefs>
+    <ds:schemaRef ds:uri="http://schemas.microsoft.com/VisualStudio/2011/storyboarding/control"/>
+  </ds:schemaRefs>
+</ds:datastoreItem>
+</file>
+
+<file path=customXml/itemProps27.xml><?xml version="1.0" encoding="utf-8"?>
+<ds:datastoreItem xmlns:ds="http://schemas.openxmlformats.org/officeDocument/2006/customXml" ds:itemID="{8893E80D-6D0C-4E0F-AA22-E5615BB87E5B}">
+  <ds:schemaRefs>
+    <ds:schemaRef ds:uri="http://schemas.microsoft.com/VisualStudio/2011/storyboarding/control"/>
+  </ds:schemaRefs>
+</ds:datastoreItem>
+</file>
+
+<file path=customXml/itemProps28.xml><?xml version="1.0" encoding="utf-8"?>
+<ds:datastoreItem xmlns:ds="http://schemas.openxmlformats.org/officeDocument/2006/customXml" ds:itemID="{8257D6BC-B71E-4D95-81E4-A1D4A8174168}">
+  <ds:schemaRefs>
+    <ds:schemaRef ds:uri="http://schemas.microsoft.com/VisualStudio/2011/storyboarding/control"/>
+  </ds:schemaRefs>
+</ds:datastoreItem>
+</file>
+
+<file path=customXml/itemProps29.xml><?xml version="1.0" encoding="utf-8"?>
+<ds:datastoreItem xmlns:ds="http://schemas.openxmlformats.org/officeDocument/2006/customXml" ds:itemID="{473A6A21-7521-4B81-9336-9B587BA12275}">
+  <ds:schemaRefs>
+    <ds:schemaRef ds:uri="http://schemas.microsoft.com/office/2006/metadata/properties"/>
+    <ds:schemaRef ds:uri="http://schemas.microsoft.com/office/infopath/2007/PartnerControls"/>
+    <ds:schemaRef ds:uri="83cd2334-221a-48c3-9034-bfd1542dfe28"/>
+  </ds:schemaRefs>
+</ds:datastoreItem>
+</file>
+
+<file path=customXml/itemProps3.xml><?xml version="1.0" encoding="utf-8"?>
+<ds:datastoreItem xmlns:ds="http://schemas.openxmlformats.org/officeDocument/2006/customXml" ds:itemID="{4378A4E9-AA60-4BA3-8067-B1CEFEF637CD}">
+  <ds:schemaRefs>
+    <ds:schemaRef ds:uri="http://schemas.microsoft.com/sharepoint/v3/contenttype/forms"/>
+  </ds:schemaRefs>
+</ds:datastoreItem>
+</file>
+
+<file path=customXml/itemProps30.xml><?xml version="1.0" encoding="utf-8"?>
+<ds:datastoreItem xmlns:ds="http://schemas.openxmlformats.org/officeDocument/2006/customXml" ds:itemID="{CA892322-6599-4C5A-B402-BE6DBAED9B8E}">
+  <ds:schemaRefs>
+    <ds:schemaRef ds:uri="http://schemas.microsoft.com/office/2006/metadata/properties"/>
+    <ds:schemaRef ds:uri="http://schemas.microsoft.com/office/infopath/2007/PartnerControls"/>
+    <ds:schemaRef ds:uri="83cd2334-221a-48c3-9034-bfd1542dfe28"/>
+  </ds:schemaRefs>
+</ds:datastoreItem>
+</file>
+
+<file path=customXml/itemProps31.xml><?xml version="1.0" encoding="utf-8"?>
+<ds:datastoreItem xmlns:ds="http://schemas.openxmlformats.org/officeDocument/2006/customXml" ds:itemID="{470353D1-3545-4BE2-A17C-548BF46AD9BC}">
+  <ds:schemaRefs>
+    <ds:schemaRef ds:uri="http://schemas.microsoft.com/sharepoint/v3/contenttype/forms"/>
+  </ds:schemaRefs>
+</ds:datastoreItem>
+</file>
+
+<file path=customXml/itemProps32.xml><?xml version="1.0" encoding="utf-8"?>
+<ds:datastoreItem xmlns:ds="http://schemas.openxmlformats.org/officeDocument/2006/customXml" ds:itemID="{46A26515-AC12-45CE-B5C2-487B64D484BF}">
+  <ds:schemaRefs>
+    <ds:schemaRef ds:uri="http://schemas.microsoft.com/office/2006/metadata/properties"/>
+    <ds:schemaRef ds:uri="http://schemas.microsoft.com/office/infopath/2007/PartnerControls"/>
+    <ds:schemaRef ds:uri="83cd2334-221a-48c3-9034-bfd1542dfe28"/>
+  </ds:schemaRefs>
+</ds:datastoreItem>
+</file>
+
+<file path=customXml/itemProps33.xml><?xml version="1.0" encoding="utf-8"?>
+<ds:datastoreItem xmlns:ds="http://schemas.openxmlformats.org/officeDocument/2006/customXml" ds:itemID="{0282FB20-2D4C-459D-8468-77D1D3C6925D}">
+  <ds:schemaRefs>
+    <ds:schemaRef ds:uri="http://schemas.microsoft.com/VisualStudio/2011/storyboarding/control"/>
+  </ds:schemaRefs>
+</ds:datastoreItem>
+</file>
+
+<file path=customXml/itemProps34.xml><?xml version="1.0" encoding="utf-8"?>
+<ds:datastoreItem xmlns:ds="http://schemas.openxmlformats.org/officeDocument/2006/customXml" ds:itemID="{2F30C844-8093-47D2-A9B2-B7BEE821CE68}">
+  <ds:schemaRefs>
+    <ds:schemaRef ds:uri="http://schemas.microsoft.com/sharepoint/v3/contenttype/forms"/>
+  </ds:schemaRefs>
+</ds:datastoreItem>
+</file>
+
+<file path=customXml/itemProps35.xml><?xml version="1.0" encoding="utf-8"?>
+<ds:datastoreItem xmlns:ds="http://schemas.openxmlformats.org/officeDocument/2006/customXml" ds:itemID="{D9B2CC65-7352-4418-88DB-351C33D88613}">
+  <ds:schemaRefs>
+    <ds:schemaRef ds:uri="http://schemas.microsoft.com/sharepoint/v3/contenttype/forms"/>
+  </ds:schemaRefs>
+</ds:datastoreItem>
+</file>
+
+<file path=customXml/itemProps36.xml><?xml version="1.0" encoding="utf-8"?>
+<ds:datastoreItem xmlns:ds="http://schemas.openxmlformats.org/officeDocument/2006/customXml" ds:itemID="{82DB428A-B8F8-483F-8276-095629A8ECDB}">
+  <ds:schemaRefs>
+    <ds:schemaRef ds:uri="http://schemas.microsoft.com/VisualStudio/2011/storyboarding/control"/>
+  </ds:schemaRefs>
+</ds:datastoreItem>
+</file>
+
 <file path=customXml/itemProps37.xml><?xml version="1.0" encoding="utf-8"?>
-<ds:datastoreItem xmlns:ds="http://schemas.openxmlformats.org/officeDocument/2006/customXml" ds:itemID="{4E805D65-1532-4BB0-8F41-8013167C0009}">
+<ds:datastoreItem xmlns:ds="http://schemas.openxmlformats.org/officeDocument/2006/customXml" ds:itemID="{67213E6F-7B96-4222-888B-63710B06D885}">
   <ds:schemaRefs>
     <ds:schemaRef ds:uri="http://schemas.microsoft.com/VisualStudio/2011/storyboarding/control"/>
   </ds:schemaRefs>
@@ -47044,6 +46716,48 @@
 </file>
 
 <file path=customXml/itemProps38.xml><?xml version="1.0" encoding="utf-8"?>
+<ds:datastoreItem xmlns:ds="http://schemas.openxmlformats.org/officeDocument/2006/customXml" ds:itemID="{8BD595CA-AC5E-43B9-B966-E468A16E8322}">
+  <ds:schemaRefs>
+    <ds:schemaRef ds:uri="http://schemas.microsoft.com/VisualStudio/2011/storyboarding/control"/>
+  </ds:schemaRefs>
+</ds:datastoreItem>
+</file>
+
+<file path=customXml/itemProps39.xml><?xml version="1.0" encoding="utf-8"?>
+<ds:datastoreItem xmlns:ds="http://schemas.openxmlformats.org/officeDocument/2006/customXml" ds:itemID="{D4B5F268-5930-44CD-BDF1-D0A04D4BBC1C}">
+  <ds:schemaRefs>
+    <ds:schemaRef ds:uri="http://schemas.microsoft.com/VisualStudio/2011/storyboarding/control"/>
+  </ds:schemaRefs>
+</ds:datastoreItem>
+</file>
+
+<file path=customXml/itemProps4.xml><?xml version="1.0" encoding="utf-8"?>
+<ds:datastoreItem xmlns:ds="http://schemas.openxmlformats.org/officeDocument/2006/customXml" ds:itemID="{8E7D1C6F-2F1C-4FF7-8E81-B00199180E81}">
+  <ds:schemaRefs>
+    <ds:schemaRef ds:uri="http://schemas.microsoft.com/sharepoint/v3/contenttype/forms"/>
+  </ds:schemaRefs>
+</ds:datastoreItem>
+</file>
+
+<file path=customXml/itemProps40.xml><?xml version="1.0" encoding="utf-8"?>
+<ds:datastoreItem xmlns:ds="http://schemas.openxmlformats.org/officeDocument/2006/customXml" ds:itemID="{1C76383C-FD09-474B-94B3-126FB1A7D094}">
+  <ds:schemaRefs>
+    <ds:schemaRef ds:uri="http://schemas.microsoft.com/office/2006/metadata/properties"/>
+    <ds:schemaRef ds:uri="http://schemas.microsoft.com/office/infopath/2007/PartnerControls"/>
+    <ds:schemaRef ds:uri="83cd2334-221a-48c3-9034-bfd1542dfe28"/>
+  </ds:schemaRefs>
+</ds:datastoreItem>
+</file>
+
+<file path=customXml/itemProps41.xml><?xml version="1.0" encoding="utf-8"?>
+<ds:datastoreItem xmlns:ds="http://schemas.openxmlformats.org/officeDocument/2006/customXml" ds:itemID="{9360AFB9-8F99-4E1B-878D-F2EBABEB164C}">
+  <ds:schemaRefs>
+    <ds:schemaRef ds:uri="http://schemas.microsoft.com/sharepoint/v3/contenttype/forms"/>
+  </ds:schemaRefs>
+</ds:datastoreItem>
+</file>
+
+<file path=customXml/itemProps42.xml><?xml version="1.0" encoding="utf-8"?>
 <ds:datastoreItem xmlns:ds="http://schemas.openxmlformats.org/officeDocument/2006/customXml" ds:itemID="{C0F92A87-A216-45A9-B9C0-0515663D35BF}">
   <ds:schemaRefs>
     <ds:schemaRef ds:uri="http://schemas.microsoft.com/VisualStudio/2011/storyboarding/control"/>
@@ -47051,7 +46765,87 @@
 </ds:datastoreItem>
 </file>
 
-<file path=customXml/itemProps39.xml><?xml version="1.0" encoding="utf-8"?>
+<file path=customXml/itemProps43.xml><?xml version="1.0" encoding="utf-8"?>
+<ds:datastoreItem xmlns:ds="http://schemas.openxmlformats.org/officeDocument/2006/customXml" ds:itemID="{0B54C583-7BAB-4080-8093-C5F84F5A225A}">
+  <ds:schemaRefs>
+    <ds:schemaRef ds:uri="http://schemas.microsoft.com/VisualStudio/2011/storyboarding/control"/>
+  </ds:schemaRefs>
+</ds:datastoreItem>
+</file>
+
+<file path=customXml/itemProps44.xml><?xml version="1.0" encoding="utf-8"?>
+<ds:datastoreItem xmlns:ds="http://schemas.openxmlformats.org/officeDocument/2006/customXml" ds:itemID="{08C4EE12-DF69-4FFC-9E40-C7991F3490A6}">
+  <ds:schemaRefs>
+    <ds:schemaRef ds:uri="http://schemas.microsoft.com/VisualStudio/2011/storyboarding/control"/>
+  </ds:schemaRefs>
+</ds:datastoreItem>
+</file>
+
+<file path=customXml/itemProps45.xml><?xml version="1.0" encoding="utf-8"?>
+<ds:datastoreItem xmlns:ds="http://schemas.openxmlformats.org/officeDocument/2006/customXml" ds:itemID="{1EF25EC2-965B-4491-9691-6B806C9E3B8B}">
+  <ds:schemaRefs>
+    <ds:schemaRef ds:uri="http://schemas.microsoft.com/sharepoint/v3/contenttype/forms"/>
+  </ds:schemaRefs>
+</ds:datastoreItem>
+</file>
+
+<file path=customXml/itemProps46.xml><?xml version="1.0" encoding="utf-8"?>
+<ds:datastoreItem xmlns:ds="http://schemas.openxmlformats.org/officeDocument/2006/customXml" ds:itemID="{F68D8396-E21C-4AFF-8FDD-70D00673D0EE}">
+  <ds:schemaRefs>
+    <ds:schemaRef ds:uri="http://schemas.microsoft.com/VisualStudio/2011/storyboarding/control"/>
+  </ds:schemaRefs>
+</ds:datastoreItem>
+</file>
+
+<file path=customXml/itemProps47.xml><?xml version="1.0" encoding="utf-8"?>
+<ds:datastoreItem xmlns:ds="http://schemas.openxmlformats.org/officeDocument/2006/customXml" ds:itemID="{21F6B647-976A-41D0-B760-9DF9DFC6AE3C}">
+  <ds:schemaRefs>
+    <ds:schemaRef ds:uri="http://schemas.microsoft.com/VisualStudio/2011/storyboarding/control"/>
+  </ds:schemaRefs>
+</ds:datastoreItem>
+</file>
+
+<file path=customXml/itemProps48.xml><?xml version="1.0" encoding="utf-8"?>
+<ds:datastoreItem xmlns:ds="http://schemas.openxmlformats.org/officeDocument/2006/customXml" ds:itemID="{B5105A87-47B6-44F6-97FD-4619C0556604}">
+  <ds:schemaRefs>
+    <ds:schemaRef ds:uri="http://schemas.microsoft.com/VisualStudio/2011/storyboarding/control"/>
+  </ds:schemaRefs>
+</ds:datastoreItem>
+</file>
+
+<file path=customXml/itemProps49.xml><?xml version="1.0" encoding="utf-8"?>
+<ds:datastoreItem xmlns:ds="http://schemas.openxmlformats.org/officeDocument/2006/customXml" ds:itemID="{38217AA1-CC95-49A9-B284-2ED4D347D7CA}">
+  <ds:schemaRefs>
+    <ds:schemaRef ds:uri="http://schemas.microsoft.com/VisualStudio/2011/storyboarding/control"/>
+  </ds:schemaRefs>
+</ds:datastoreItem>
+</file>
+
+<file path=customXml/itemProps5.xml><?xml version="1.0" encoding="utf-8"?>
+<ds:datastoreItem xmlns:ds="http://schemas.openxmlformats.org/officeDocument/2006/customXml" ds:itemID="{366CA990-F93D-4100-9654-65D9E30F4E1C}">
+  <ds:schemaRefs>
+    <ds:schemaRef ds:uri="http://schemas.microsoft.com/VisualStudio/2011/storyboarding/control"/>
+  </ds:schemaRefs>
+</ds:datastoreItem>
+</file>
+
+<file path=customXml/itemProps50.xml><?xml version="1.0" encoding="utf-8"?>
+<ds:datastoreItem xmlns:ds="http://schemas.openxmlformats.org/officeDocument/2006/customXml" ds:itemID="{0AFEAFFC-501F-4A71-8E0A-BCC3D721BFBC}">
+  <ds:schemaRefs>
+    <ds:schemaRef ds:uri="http://schemas.microsoft.com/sharepoint/v3/contenttype/forms"/>
+  </ds:schemaRefs>
+</ds:datastoreItem>
+</file>
+
+<file path=customXml/itemProps51.xml><?xml version="1.0" encoding="utf-8"?>
+<ds:datastoreItem xmlns:ds="http://schemas.openxmlformats.org/officeDocument/2006/customXml" ds:itemID="{ED350DFE-2319-4AB0-BC96-1D36D125365A}">
+  <ds:schemaRefs>
+    <ds:schemaRef ds:uri="http://schemas.microsoft.com/VisualStudio/2011/storyboarding/control"/>
+  </ds:schemaRefs>
+</ds:datastoreItem>
+</file>
+
+<file path=customXml/itemProps52.xml><?xml version="1.0" encoding="utf-8"?>
 <ds:datastoreItem xmlns:ds="http://schemas.openxmlformats.org/officeDocument/2006/customXml" ds:itemID="{B18102BA-C10B-41D1-8610-3D321D638DD2}">
   <ds:schemaRefs>
     <ds:schemaRef ds:uri="http://schemas.microsoft.com/office/2006/metadata/properties"/>
@@ -47061,16 +46855,40 @@
 </ds:datastoreItem>
 </file>
 
-<file path=customXml/itemProps4.xml><?xml version="1.0" encoding="utf-8"?>
-<ds:datastoreItem xmlns:ds="http://schemas.openxmlformats.org/officeDocument/2006/customXml" ds:itemID="{0282FB20-2D4C-459D-8468-77D1D3C6925D}">
+<file path=customXml/itemProps53.xml><?xml version="1.0" encoding="utf-8"?>
+<ds:datastoreItem xmlns:ds="http://schemas.openxmlformats.org/officeDocument/2006/customXml" ds:itemID="{71AE1ABA-EE71-4D7C-AE19-D2A04FC317D0}">
+  <ds:schemaRefs>
+    <ds:schemaRef ds:uri="http://schemas.microsoft.com/sharepoint/v3/contenttype/forms"/>
+  </ds:schemaRefs>
+</ds:datastoreItem>
+</file>
+
+<file path=customXml/itemProps54.xml><?xml version="1.0" encoding="utf-8"?>
+<ds:datastoreItem xmlns:ds="http://schemas.openxmlformats.org/officeDocument/2006/customXml" ds:itemID="{376216F9-AF6B-4844-AE8C-B9F953F916AB}">
   <ds:schemaRefs>
     <ds:schemaRef ds:uri="http://schemas.microsoft.com/VisualStudio/2011/storyboarding/control"/>
   </ds:schemaRefs>
 </ds:datastoreItem>
 </file>
 
-<file path=customXml/itemProps40.xml><?xml version="1.0" encoding="utf-8"?>
-<ds:datastoreItem xmlns:ds="http://schemas.openxmlformats.org/officeDocument/2006/customXml" ds:itemID="{E5517D1D-A0F7-4038-99B1-CB797994AD5E}">
+<file path=customXml/itemProps55.xml><?xml version="1.0" encoding="utf-8"?>
+<ds:datastoreItem xmlns:ds="http://schemas.openxmlformats.org/officeDocument/2006/customXml" ds:itemID="{4C1B3C27-4803-4D72-A3F8-6668A3F0A24B}">
+  <ds:schemaRefs>
+    <ds:schemaRef ds:uri="http://schemas.microsoft.com/VisualStudio/2011/storyboarding/control"/>
+  </ds:schemaRefs>
+</ds:datastoreItem>
+</file>
+
+<file path=customXml/itemProps6.xml><?xml version="1.0" encoding="utf-8"?>
+<ds:datastoreItem xmlns:ds="http://schemas.openxmlformats.org/officeDocument/2006/customXml" ds:itemID="{758FDAC0-319D-4A54-8D8E-1D42CB1F8004}">
+  <ds:schemaRefs>
+    <ds:schemaRef ds:uri="http://schemas.microsoft.com/sharepoint/v3/contenttype/forms"/>
+  </ds:schemaRefs>
+</ds:datastoreItem>
+</file>
+
+<file path=customXml/itemProps7.xml><?xml version="1.0" encoding="utf-8"?>
+<ds:datastoreItem xmlns:ds="http://schemas.openxmlformats.org/officeDocument/2006/customXml" ds:itemID="{F990F116-B58F-4255-B05B-DA3808E0E5C6}">
   <ds:schemaRefs>
     <ds:schemaRef ds:uri="http://schemas.microsoft.com/office/2006/metadata/properties"/>
     <ds:schemaRef ds:uri="http://schemas.microsoft.com/office/infopath/2007/PartnerControls"/>
@@ -47079,40 +46897,8 @@
 </ds:datastoreItem>
 </file>
 
-<file path=customXml/itemProps41.xml><?xml version="1.0" encoding="utf-8"?>
-<ds:datastoreItem xmlns:ds="http://schemas.openxmlformats.org/officeDocument/2006/customXml" ds:itemID="{1EF25EC2-965B-4491-9691-6B806C9E3B8B}">
-  <ds:schemaRefs>
-    <ds:schemaRef ds:uri="http://schemas.microsoft.com/sharepoint/v3/contenttype/forms"/>
-  </ds:schemaRefs>
-</ds:datastoreItem>
-</file>
-
-<file path=customXml/itemProps42.xml><?xml version="1.0" encoding="utf-8"?>
-<ds:datastoreItem xmlns:ds="http://schemas.openxmlformats.org/officeDocument/2006/customXml" ds:itemID="{376216F9-AF6B-4844-AE8C-B9F953F916AB}">
-  <ds:schemaRefs>
-    <ds:schemaRef ds:uri="http://schemas.microsoft.com/VisualStudio/2011/storyboarding/control"/>
-  </ds:schemaRefs>
-</ds:datastoreItem>
-</file>
-
-<file path=customXml/itemProps43.xml><?xml version="1.0" encoding="utf-8"?>
-<ds:datastoreItem xmlns:ds="http://schemas.openxmlformats.org/officeDocument/2006/customXml" ds:itemID="{470353D1-3545-4BE2-A17C-548BF46AD9BC}">
-  <ds:schemaRefs>
-    <ds:schemaRef ds:uri="http://schemas.microsoft.com/sharepoint/v3/contenttype/forms"/>
-  </ds:schemaRefs>
-</ds:datastoreItem>
-</file>
-
-<file path=customXml/itemProps44.xml><?xml version="1.0" encoding="utf-8"?>
-<ds:datastoreItem xmlns:ds="http://schemas.openxmlformats.org/officeDocument/2006/customXml" ds:itemID="{7959CC6A-F423-4783-B968-3BCC86A7394E}">
-  <ds:schemaRefs>
-    <ds:schemaRef ds:uri="http://schemas.microsoft.com/VisualStudio/2011/storyboarding/control"/>
-  </ds:schemaRefs>
-</ds:datastoreItem>
-</file>
-
-<file path=customXml/itemProps45.xml><?xml version="1.0" encoding="utf-8"?>
-<ds:datastoreItem xmlns:ds="http://schemas.openxmlformats.org/officeDocument/2006/customXml" ds:itemID="{1577002B-E395-451C-943C-6D857E2ED544}">
+<file path=customXml/itemProps8.xml><?xml version="1.0" encoding="utf-8"?>
+<ds:datastoreItem xmlns:ds="http://schemas.openxmlformats.org/officeDocument/2006/customXml" ds:itemID="{1B69B6B1-FB2A-4C02-95B6-C12A54DCD27B}">
   <ds:schemaRefs>
     <ds:schemaRef ds:uri="http://schemas.microsoft.com/office/2006/metadata/properties"/>
     <ds:schemaRef ds:uri="http://schemas.microsoft.com/office/infopath/2007/PartnerControls"/>
@@ -47121,124 +46907,10 @@
 </ds:datastoreItem>
 </file>
 
-<file path=customXml/itemProps46.xml><?xml version="1.0" encoding="utf-8"?>
-<ds:datastoreItem xmlns:ds="http://schemas.openxmlformats.org/officeDocument/2006/customXml" ds:itemID="{0B54C583-7BAB-4080-8093-C5F84F5A225A}">
+<file path=customXml/itemProps9.xml><?xml version="1.0" encoding="utf-8"?>
+<ds:datastoreItem xmlns:ds="http://schemas.openxmlformats.org/officeDocument/2006/customXml" ds:itemID="{6FB9D450-4C47-4A44-8C0D-C78D8A54C46F}">
   <ds:schemaRefs>
     <ds:schemaRef ds:uri="http://schemas.microsoft.com/VisualStudio/2011/storyboarding/control"/>
   </ds:schemaRefs>
 </ds:datastoreItem>
-</file>
-
-<file path=customXml/itemProps47.xml><?xml version="1.0" encoding="utf-8"?>
-<ds:datastoreItem xmlns:ds="http://schemas.openxmlformats.org/officeDocument/2006/customXml" ds:itemID="{4C1B3C27-4803-4D72-A3F8-6668A3F0A24B}">
-  <ds:schemaRefs>
-    <ds:schemaRef ds:uri="http://schemas.microsoft.com/VisualStudio/2011/storyboarding/control"/>
-  </ds:schemaRefs>
-</ds:datastoreItem>
-</file>
-
-<file path=customXml/itemProps48.xml><?xml version="1.0" encoding="utf-8"?>
-<ds:datastoreItem xmlns:ds="http://schemas.openxmlformats.org/officeDocument/2006/customXml" ds:itemID="{46A26515-AC12-45CE-B5C2-487B64D484BF}">
-  <ds:schemaRefs>
-    <ds:schemaRef ds:uri="http://schemas.microsoft.com/office/2006/metadata/properties"/>
-    <ds:schemaRef ds:uri="http://schemas.microsoft.com/office/infopath/2007/PartnerControls"/>
-    <ds:schemaRef ds:uri="83cd2334-221a-48c3-9034-bfd1542dfe28"/>
-  </ds:schemaRefs>
-</ds:datastoreItem>
-</file>
-
-<file path=customXml/itemProps49.xml><?xml version="1.0" encoding="utf-8"?>
-<ds:datastoreItem xmlns:ds="http://schemas.openxmlformats.org/officeDocument/2006/customXml" ds:itemID="{8CFA17AA-8D1D-41BA-81E2-B1C9B1D8F8E0}">
-  <ds:schemaRefs>
-    <ds:schemaRef ds:uri="http://schemas.microsoft.com/sharepoint/v3/contenttype/forms"/>
-  </ds:schemaRefs>
-</ds:datastoreItem>
-</file>
-
-<file path=customXml/itemProps5.xml><?xml version="1.0" encoding="utf-8"?>
-<ds:datastoreItem xmlns:ds="http://schemas.openxmlformats.org/officeDocument/2006/customXml" ds:itemID="{FE651ABA-5DC1-4ABD-A06E-055AE54B337B}">
-  <ds:schemaRefs>
-    <ds:schemaRef ds:uri="http://schemas.microsoft.com/VisualStudio/2011/storyboarding/control"/>
-  </ds:schemaRefs>
-</ds:datastoreItem>
-</file>
-
-<file path=customXml/itemProps50.xml><?xml version="1.0" encoding="utf-8"?>
-<ds:datastoreItem xmlns:ds="http://schemas.openxmlformats.org/officeDocument/2006/customXml" ds:itemID="{8EF535DE-443E-4423-8803-A5D663EFF3B2}">
-  <ds:schemaRefs>
-    <ds:schemaRef ds:uri="http://schemas.microsoft.com/sharepoint/v3/contenttype/forms"/>
-  </ds:schemaRefs>
-</ds:datastoreItem>
-</file>
-
-<file path=customXml/itemProps51.xml><?xml version="1.0" encoding="utf-8"?>
-<ds:datastoreItem xmlns:ds="http://schemas.openxmlformats.org/officeDocument/2006/customXml" ds:itemID="{82DB428A-B8F8-483F-8276-095629A8ECDB}">
-  <ds:schemaRefs>
-    <ds:schemaRef ds:uri="http://schemas.microsoft.com/VisualStudio/2011/storyboarding/control"/>
-  </ds:schemaRefs>
-</ds:datastoreItem>
-</file>
-
-<file path=customXml/itemProps52.xml><?xml version="1.0" encoding="utf-8"?>
-<ds:datastoreItem xmlns:ds="http://schemas.openxmlformats.org/officeDocument/2006/customXml" ds:itemID="{42D603BF-B513-4201-A599-21BA0F4FFC40}">
-  <ds:schemaRefs>
-    <ds:schemaRef ds:uri="http://schemas.microsoft.com/VisualStudio/2011/storyboarding/control"/>
-  </ds:schemaRefs>
-</ds:datastoreItem>
-</file>
-
-<file path=customXml/itemProps53.xml><?xml version="1.0" encoding="utf-8"?>
-<ds:datastoreItem xmlns:ds="http://schemas.openxmlformats.org/officeDocument/2006/customXml" ds:itemID="{C63AC2F0-1DEB-4E91-A88A-7A014A172F4F}">
-  <ds:schemaRefs>
-    <ds:schemaRef ds:uri="http://schemas.microsoft.com/VisualStudio/2011/storyboarding/control"/>
-  </ds:schemaRefs>
-</ds:datastoreItem>
-</file>
-
-<file path=customXml/itemProps54.xml><?xml version="1.0" encoding="utf-8"?>
-<ds:datastoreItem xmlns:ds="http://schemas.openxmlformats.org/officeDocument/2006/customXml" ds:itemID="{F68D8396-E21C-4AFF-8FDD-70D00673D0EE}">
-  <ds:schemaRefs>
-    <ds:schemaRef ds:uri="http://schemas.microsoft.com/VisualStudio/2011/storyboarding/control"/>
-  </ds:schemaRefs>
-</ds:datastoreItem>
-</file>
-
-<file path=customXml/itemProps55.xml><?xml version="1.0" encoding="utf-8"?>
-<ds:datastoreItem xmlns:ds="http://schemas.openxmlformats.org/officeDocument/2006/customXml" ds:itemID="{4378A4E9-AA60-4BA3-8067-B1CEFEF637CD}">
-  <ds:schemaRefs>
-    <ds:schemaRef ds:uri="http://schemas.microsoft.com/sharepoint/v3/contenttype/forms"/>
-  </ds:schemaRefs>
-</ds:datastoreItem>
-</file>
-
-<file path=customXml/itemProps6.xml><?xml version="1.0" encoding="utf-8"?>
-<ds:datastoreItem xmlns:ds="http://schemas.openxmlformats.org/officeDocument/2006/customXml" ds:itemID="{B5105A87-47B6-44F6-97FD-4619C0556604}">
-  <ds:schemaRefs>
-    <ds:schemaRef ds:uri="http://schemas.microsoft.com/VisualStudio/2011/storyboarding/control"/>
-  </ds:schemaRefs>
-</ds:datastoreItem>
-</file>
-
-<file path=customXml/itemProps7.xml><?xml version="1.0" encoding="utf-8"?>
-<ds:datastoreItem xmlns:ds="http://schemas.openxmlformats.org/officeDocument/2006/customXml" ds:itemID="{8E7D1C6F-2F1C-4FF7-8E81-B00199180E81}">
-  <ds:schemaRefs>
-    <ds:schemaRef ds:uri="http://schemas.microsoft.com/sharepoint/v3/contenttype/forms"/>
-  </ds:schemaRefs>
-</ds:datastoreItem>
-</file>
-
-<file path=customXml/itemProps8.xml><?xml version="1.0" encoding="utf-8"?>
-<ds:datastoreItem xmlns:ds="http://schemas.openxmlformats.org/officeDocument/2006/customXml" ds:itemID="{D9B2CC65-7352-4418-88DB-351C33D88613}">
-  <ds:schemaRefs>
-    <ds:schemaRef ds:uri="http://schemas.microsoft.com/sharepoint/v3/contenttype/forms"/>
-  </ds:schemaRefs>
-</ds:datastoreItem>
-</file>
-
-<file path=customXml/itemProps9.xml><?xml version="1.0" encoding="utf-8"?>
-<ds:datastoreItem xmlns:ds="http://schemas.openxmlformats.org/officeDocument/2006/customXml" ds:itemID="{2F30C844-8093-47D2-A9B2-B7BEE821CE68}">
-  <ds:schemaRefs>
-    <ds:schemaRef ds:uri="http://schemas.microsoft.com/sharepoint/v3/contenttype/forms"/>
-  </ds:schemaRefs>
-</ds:datastoreItem>
 </file>